--- a/nestjs/nestjs-04.pptx
+++ b/nestjs/nestjs-04.pptx
@@ -206,7 +206,7 @@
           <a:p>
             <a:fld id="{9B9ECB28-6A22-4037-9487-F3F739F744D6}" type="datetimeFigureOut">
               <a:rPr lang="en-US" smtClean="0"/>
-              <a:t>1/24/2022</a:t>
+              <a:t>1/25/2022</a:t>
             </a:fld>
             <a:endParaRPr lang="en-US"/>
           </a:p>
@@ -657,7 +657,7 @@
           <a:p>
             <a:fld id="{19B6F524-99F3-4BEA-ACD7-976EF4D36657}" type="datetime1">
               <a:rPr lang="en-US" smtClean="0"/>
-              <a:t>1/24/2022</a:t>
+              <a:t>1/25/2022</a:t>
             </a:fld>
             <a:endParaRPr lang="en-US" dirty="0"/>
           </a:p>
@@ -966,7 +966,7 @@
           <a:p>
             <a:fld id="{2145C3A9-05D9-428D-9788-A7F14838F6F9}" type="datetime1">
               <a:rPr lang="en-US" smtClean="0"/>
-              <a:t>1/24/2022</a:t>
+              <a:t>1/25/2022</a:t>
             </a:fld>
             <a:endParaRPr lang="en-US" dirty="0"/>
           </a:p>
@@ -1164,7 +1164,7 @@
           <a:p>
             <a:fld id="{82C701FB-B03E-4981-A9F8-99B474DD173A}" type="datetime1">
               <a:rPr lang="en-US" smtClean="0"/>
-              <a:t>1/24/2022</a:t>
+              <a:t>1/25/2022</a:t>
             </a:fld>
             <a:endParaRPr lang="en-US" dirty="0"/>
           </a:p>
@@ -1431,7 +1431,7 @@
           <a:p>
             <a:fld id="{7A7E8EF3-CBF7-4EB9-B6E5-3754574E3433}" type="datetime1">
               <a:rPr lang="en-US" smtClean="0"/>
-              <a:t>1/24/2022</a:t>
+              <a:t>1/25/2022</a:t>
             </a:fld>
             <a:endParaRPr lang="en-US" dirty="0"/>
           </a:p>
@@ -1871,7 +1871,7 @@
           <a:p>
             <a:fld id="{DA8A4A96-31AC-487C-9F15-1822D58542B7}" type="datetime1">
               <a:rPr lang="en-US" smtClean="0"/>
-              <a:t>1/24/2022</a:t>
+              <a:t>1/25/2022</a:t>
             </a:fld>
             <a:endParaRPr lang="en-US" dirty="0"/>
           </a:p>
@@ -2412,7 +2412,7 @@
           <a:p>
             <a:fld id="{FBBF9546-09C4-4F24-A284-5B81FF8659B4}" type="datetime1">
               <a:rPr lang="en-US" smtClean="0"/>
-              <a:t>1/24/2022</a:t>
+              <a:t>1/25/2022</a:t>
             </a:fld>
             <a:endParaRPr lang="en-US" dirty="0"/>
           </a:p>
@@ -3298,7 +3298,7 @@
           <a:p>
             <a:fld id="{5BF4405D-15A5-450B-B053-484859B9C8F7}" type="datetime1">
               <a:rPr lang="en-US" smtClean="0"/>
-              <a:t>1/24/2022</a:t>
+              <a:t>1/25/2022</a:t>
             </a:fld>
             <a:endParaRPr lang="en-US" dirty="0"/>
           </a:p>
@@ -3472,7 +3472,7 @@
           <a:p>
             <a:fld id="{E0366559-EC21-40C1-8A65-9A3B4EA78391}" type="datetime1">
               <a:rPr lang="en-US" smtClean="0"/>
-              <a:t>1/24/2022</a:t>
+              <a:t>1/25/2022</a:t>
             </a:fld>
             <a:endParaRPr lang="en-US" dirty="0"/>
           </a:p>
@@ -3660,7 +3660,7 @@
           <a:p>
             <a:fld id="{4F09CA92-695C-4FFA-8E37-4D2C288BCC04}" type="datetime1">
               <a:rPr lang="en-US" smtClean="0"/>
-              <a:t>1/24/2022</a:t>
+              <a:t>1/25/2022</a:t>
             </a:fld>
             <a:endParaRPr lang="en-US" dirty="0"/>
           </a:p>
@@ -3834,7 +3834,7 @@
           <a:p>
             <a:fld id="{CA551262-FC07-4FE4-9221-F72F7D4F209A}" type="datetime1">
               <a:rPr lang="en-US" smtClean="0"/>
-              <a:t>1/24/2022</a:t>
+              <a:t>1/25/2022</a:t>
             </a:fld>
             <a:endParaRPr lang="en-US" dirty="0"/>
           </a:p>
@@ -4082,7 +4082,7 @@
           <a:p>
             <a:fld id="{46A321E4-8899-4F7D-BEB1-BD52626ABD8D}" type="datetime1">
               <a:rPr lang="en-US" smtClean="0"/>
-              <a:t>1/24/2022</a:t>
+              <a:t>1/25/2022</a:t>
             </a:fld>
             <a:endParaRPr lang="en-US" dirty="0"/>
           </a:p>
@@ -4328,7 +4328,7 @@
           <a:p>
             <a:fld id="{B53F6DFA-8A0E-4513-867D-18B9AA66B23C}" type="datetime1">
               <a:rPr lang="en-US" smtClean="0"/>
-              <a:t>1/24/2022</a:t>
+              <a:t>1/25/2022</a:t>
             </a:fld>
             <a:endParaRPr lang="en-US" dirty="0"/>
           </a:p>
@@ -4815,7 +4815,7 @@
           <a:p>
             <a:fld id="{154283A7-B9AC-454B-A468-44B75A398B49}" type="datetime1">
               <a:rPr lang="en-US" smtClean="0"/>
-              <a:t>1/24/2022</a:t>
+              <a:t>1/25/2022</a:t>
             </a:fld>
             <a:endParaRPr lang="en-US" dirty="0"/>
           </a:p>
@@ -4937,7 +4937,7 @@
           <a:p>
             <a:fld id="{A3F8184D-DEDD-48A0-9ACA-5F6ED9EFE5B8}" type="datetime1">
               <a:rPr lang="en-US" smtClean="0"/>
-              <a:t>1/24/2022</a:t>
+              <a:t>1/25/2022</a:t>
             </a:fld>
             <a:endParaRPr lang="en-US" dirty="0"/>
           </a:p>
@@ -5036,7 +5036,7 @@
           <a:p>
             <a:fld id="{BF38AC0E-F520-48F3-BA14-8BAB82D735FB}" type="datetime1">
               <a:rPr lang="en-US" smtClean="0"/>
-              <a:t>1/24/2022</a:t>
+              <a:t>1/25/2022</a:t>
             </a:fld>
             <a:endParaRPr lang="en-US" dirty="0"/>
           </a:p>
@@ -5295,7 +5295,7 @@
           <a:p>
             <a:fld id="{317D0F2A-2724-4AD4-BF4C-A7B1910D9412}" type="datetime1">
               <a:rPr lang="en-US" smtClean="0"/>
-              <a:t>1/24/2022</a:t>
+              <a:t>1/25/2022</a:t>
             </a:fld>
             <a:endParaRPr lang="en-US" dirty="0"/>
           </a:p>
@@ -5606,7 +5606,7 @@
           <a:p>
             <a:fld id="{9A0B82A5-4A21-4F82-91DB-989CE997E82E}" type="datetime1">
               <a:rPr lang="en-US" smtClean="0"/>
-              <a:t>1/24/2022</a:t>
+              <a:t>1/25/2022</a:t>
             </a:fld>
             <a:endParaRPr lang="en-US" dirty="0"/>
           </a:p>
@@ -5843,7 +5843,7 @@
           <a:p>
             <a:fld id="{01BFEF8A-AE08-4951-B923-589F814B0C31}" type="datetime1">
               <a:rPr lang="en-US" smtClean="0"/>
-              <a:t>1/24/2022</a:t>
+              <a:t>1/25/2022</a:t>
             </a:fld>
             <a:endParaRPr lang="en-US" dirty="0"/>
           </a:p>
@@ -6661,8 +6661,13 @@
           <a:p>
             <a:r>
               <a:rPr lang="en-US" sz="2800" dirty="0"/>
-              <a:t>01 – Intro</a:t>
-            </a:r>
+              <a:t>04 </a:t>
+            </a:r>
+            <a:r>
+              <a:rPr lang="en-US" sz="2800"/>
+              <a:t>– DI</a:t>
+            </a:r>
+            <a:endParaRPr lang="en-US" sz="2800" dirty="0"/>
           </a:p>
         </p:txBody>
       </p:sp>

--- a/nestjs/nestjs-04.pptx
+++ b/nestjs/nestjs-04.pptx
@@ -5,19 +5,25 @@
     <p:sldMasterId id="2147483705" r:id="rId1"/>
   </p:sldMasterIdLst>
   <p:notesMasterIdLst>
-    <p:notesMasterId r:id="rId12"/>
+    <p:notesMasterId r:id="rId18"/>
   </p:notesMasterIdLst>
   <p:sldIdLst>
     <p:sldId id="259" r:id="rId2"/>
     <p:sldId id="296" r:id="rId3"/>
     <p:sldId id="321" r:id="rId4"/>
-    <p:sldId id="322" r:id="rId5"/>
-    <p:sldId id="323" r:id="rId6"/>
-    <p:sldId id="324" r:id="rId7"/>
-    <p:sldId id="325" r:id="rId8"/>
-    <p:sldId id="326" r:id="rId9"/>
-    <p:sldId id="327" r:id="rId10"/>
-    <p:sldId id="320" r:id="rId11"/>
+    <p:sldId id="328" r:id="rId5"/>
+    <p:sldId id="329" r:id="rId6"/>
+    <p:sldId id="322" r:id="rId7"/>
+    <p:sldId id="330" r:id="rId8"/>
+    <p:sldId id="323" r:id="rId9"/>
+    <p:sldId id="331" r:id="rId10"/>
+    <p:sldId id="324" r:id="rId11"/>
+    <p:sldId id="325" r:id="rId12"/>
+    <p:sldId id="332" r:id="rId13"/>
+    <p:sldId id="326" r:id="rId14"/>
+    <p:sldId id="333" r:id="rId15"/>
+    <p:sldId id="327" r:id="rId16"/>
+    <p:sldId id="320" r:id="rId17"/>
   </p:sldIdLst>
   <p:sldSz cx="12192000" cy="6858000"/>
   <p:notesSz cx="6858000" cy="9144000"/>
@@ -471,6 +477,1183 @@
     </a:lvl9pPr>
   </p:notesStyle>
 </p:notesMaster>
+</file>
+
+<file path=ppt/notesSlides/notesSlide1.xml><?xml version="1.0" encoding="utf-8"?>
+<p:notes xmlns:a="http://schemas.openxmlformats.org/drawingml/2006/main" xmlns:r="http://schemas.openxmlformats.org/officeDocument/2006/relationships" xmlns:p="http://schemas.openxmlformats.org/presentationml/2006/main">
+  <p:cSld>
+    <p:spTree>
+      <p:nvGrpSpPr>
+        <p:cNvPr id="1" name=""/>
+        <p:cNvGrpSpPr/>
+        <p:nvPr/>
+      </p:nvGrpSpPr>
+      <p:grpSpPr>
+        <a:xfrm>
+          <a:off x="0" y="0"/>
+          <a:ext cx="0" cy="0"/>
+          <a:chOff x="0" y="0"/>
+          <a:chExt cx="0" cy="0"/>
+        </a:xfrm>
+      </p:grpSpPr>
+      <p:sp>
+        <p:nvSpPr>
+          <p:cNvPr id="2" name="Slide Image Placeholder 1"/>
+          <p:cNvSpPr>
+            <a:spLocks noGrp="1" noRot="1" noChangeAspect="1"/>
+          </p:cNvSpPr>
+          <p:nvPr>
+            <p:ph type="sldImg"/>
+          </p:nvPr>
+        </p:nvSpPr>
+        <p:spPr/>
+      </p:sp>
+      <p:sp>
+        <p:nvSpPr>
+          <p:cNvPr id="3" name="Notes Placeholder 2"/>
+          <p:cNvSpPr>
+            <a:spLocks noGrp="1"/>
+          </p:cNvSpPr>
+          <p:nvPr>
+            <p:ph type="body" idx="1"/>
+          </p:nvPr>
+        </p:nvSpPr>
+        <p:spPr/>
+        <p:txBody>
+          <a:bodyPr/>
+          <a:lstStyle/>
+          <a:p>
+            <a:r>
+              <a:rPr lang="en-US" dirty="0" err="1"/>
+              <a:t>ormconfig.json</a:t>
+            </a:r>
+            <a:endParaRPr lang="en-US" dirty="0"/>
+          </a:p>
+          <a:p>
+            <a:r>
+              <a:rPr lang="en-US" b="0" dirty="0">
+                <a:solidFill>
+                  <a:srgbClr val="D4D4D4"/>
+                </a:solidFill>
+                <a:effectLst/>
+                <a:latin typeface="Consolas" panose="020B0609020204030204" pitchFamily="49" charset="0"/>
+              </a:rPr>
+              <a:t>{</a:t>
+            </a:r>
+          </a:p>
+          <a:p>
+            <a:r>
+              <a:rPr lang="en-US" b="0" dirty="0">
+                <a:solidFill>
+                  <a:srgbClr val="D4D4D4"/>
+                </a:solidFill>
+                <a:effectLst/>
+                <a:latin typeface="Consolas" panose="020B0609020204030204" pitchFamily="49" charset="0"/>
+              </a:rPr>
+              <a:t>    </a:t>
+            </a:r>
+            <a:r>
+              <a:rPr lang="en-US" b="0" dirty="0">
+                <a:solidFill>
+                  <a:srgbClr val="9CDCFE"/>
+                </a:solidFill>
+                <a:effectLst/>
+                <a:latin typeface="Consolas" panose="020B0609020204030204" pitchFamily="49" charset="0"/>
+              </a:rPr>
+              <a:t>"type"</a:t>
+            </a:r>
+            <a:r>
+              <a:rPr lang="en-US" b="0" dirty="0">
+                <a:solidFill>
+                  <a:srgbClr val="D4D4D4"/>
+                </a:solidFill>
+                <a:effectLst/>
+                <a:latin typeface="Consolas" panose="020B0609020204030204" pitchFamily="49" charset="0"/>
+              </a:rPr>
+              <a:t>: </a:t>
+            </a:r>
+            <a:r>
+              <a:rPr lang="en-US" b="0" dirty="0">
+                <a:solidFill>
+                  <a:srgbClr val="CE9178"/>
+                </a:solidFill>
+                <a:effectLst/>
+                <a:latin typeface="Consolas" panose="020B0609020204030204" pitchFamily="49" charset="0"/>
+              </a:rPr>
+              <a:t>"</a:t>
+            </a:r>
+            <a:r>
+              <a:rPr lang="en-US" b="0" dirty="0" err="1">
+                <a:solidFill>
+                  <a:srgbClr val="CE9178"/>
+                </a:solidFill>
+                <a:effectLst/>
+                <a:latin typeface="Consolas" panose="020B0609020204030204" pitchFamily="49" charset="0"/>
+              </a:rPr>
+              <a:t>mssql</a:t>
+            </a:r>
+            <a:r>
+              <a:rPr lang="en-US" b="0" dirty="0">
+                <a:solidFill>
+                  <a:srgbClr val="CE9178"/>
+                </a:solidFill>
+                <a:effectLst/>
+                <a:latin typeface="Consolas" panose="020B0609020204030204" pitchFamily="49" charset="0"/>
+              </a:rPr>
+              <a:t>"</a:t>
+            </a:r>
+            <a:r>
+              <a:rPr lang="en-US" b="0" dirty="0">
+                <a:solidFill>
+                  <a:srgbClr val="D4D4D4"/>
+                </a:solidFill>
+                <a:effectLst/>
+                <a:latin typeface="Consolas" panose="020B0609020204030204" pitchFamily="49" charset="0"/>
+              </a:rPr>
+              <a:t>,</a:t>
+            </a:r>
+          </a:p>
+          <a:p>
+            <a:r>
+              <a:rPr lang="en-US" b="0" dirty="0">
+                <a:solidFill>
+                  <a:srgbClr val="D4D4D4"/>
+                </a:solidFill>
+                <a:effectLst/>
+                <a:latin typeface="Consolas" panose="020B0609020204030204" pitchFamily="49" charset="0"/>
+              </a:rPr>
+              <a:t>    </a:t>
+            </a:r>
+            <a:r>
+              <a:rPr lang="en-US" b="0" dirty="0">
+                <a:solidFill>
+                  <a:srgbClr val="9CDCFE"/>
+                </a:solidFill>
+                <a:effectLst/>
+                <a:latin typeface="Consolas" panose="020B0609020204030204" pitchFamily="49" charset="0"/>
+              </a:rPr>
+              <a:t>"host"</a:t>
+            </a:r>
+            <a:r>
+              <a:rPr lang="en-US" b="0" dirty="0">
+                <a:solidFill>
+                  <a:srgbClr val="D4D4D4"/>
+                </a:solidFill>
+                <a:effectLst/>
+                <a:latin typeface="Consolas" panose="020B0609020204030204" pitchFamily="49" charset="0"/>
+              </a:rPr>
+              <a:t>: </a:t>
+            </a:r>
+            <a:r>
+              <a:rPr lang="en-US" b="0" dirty="0">
+                <a:solidFill>
+                  <a:srgbClr val="CE9178"/>
+                </a:solidFill>
+                <a:effectLst/>
+                <a:latin typeface="Consolas" panose="020B0609020204030204" pitchFamily="49" charset="0"/>
+              </a:rPr>
+              <a:t>"localhost"</a:t>
+            </a:r>
+            <a:r>
+              <a:rPr lang="en-US" b="0" dirty="0">
+                <a:solidFill>
+                  <a:srgbClr val="D4D4D4"/>
+                </a:solidFill>
+                <a:effectLst/>
+                <a:latin typeface="Consolas" panose="020B0609020204030204" pitchFamily="49" charset="0"/>
+              </a:rPr>
+              <a:t>,</a:t>
+            </a:r>
+          </a:p>
+          <a:p>
+            <a:r>
+              <a:rPr lang="en-US" b="0" dirty="0">
+                <a:solidFill>
+                  <a:srgbClr val="D4D4D4"/>
+                </a:solidFill>
+                <a:effectLst/>
+                <a:latin typeface="Consolas" panose="020B0609020204030204" pitchFamily="49" charset="0"/>
+              </a:rPr>
+              <a:t>    </a:t>
+            </a:r>
+            <a:r>
+              <a:rPr lang="en-US" b="0" dirty="0">
+                <a:solidFill>
+                  <a:srgbClr val="9CDCFE"/>
+                </a:solidFill>
+                <a:effectLst/>
+                <a:latin typeface="Consolas" panose="020B0609020204030204" pitchFamily="49" charset="0"/>
+              </a:rPr>
+              <a:t>"port"</a:t>
+            </a:r>
+            <a:r>
+              <a:rPr lang="en-US" b="0" dirty="0">
+                <a:solidFill>
+                  <a:srgbClr val="D4D4D4"/>
+                </a:solidFill>
+                <a:effectLst/>
+                <a:latin typeface="Consolas" panose="020B0609020204030204" pitchFamily="49" charset="0"/>
+              </a:rPr>
+              <a:t>: </a:t>
+            </a:r>
+            <a:r>
+              <a:rPr lang="en-US" b="0" dirty="0">
+                <a:solidFill>
+                  <a:srgbClr val="B5CEA8"/>
+                </a:solidFill>
+                <a:effectLst/>
+                <a:latin typeface="Consolas" panose="020B0609020204030204" pitchFamily="49" charset="0"/>
+              </a:rPr>
+              <a:t>1433</a:t>
+            </a:r>
+            <a:r>
+              <a:rPr lang="en-US" b="0" dirty="0">
+                <a:solidFill>
+                  <a:srgbClr val="D4D4D4"/>
+                </a:solidFill>
+                <a:effectLst/>
+                <a:latin typeface="Consolas" panose="020B0609020204030204" pitchFamily="49" charset="0"/>
+              </a:rPr>
+              <a:t>,</a:t>
+            </a:r>
+          </a:p>
+          <a:p>
+            <a:r>
+              <a:rPr lang="en-US" b="0" dirty="0">
+                <a:solidFill>
+                  <a:srgbClr val="D4D4D4"/>
+                </a:solidFill>
+                <a:effectLst/>
+                <a:latin typeface="Consolas" panose="020B0609020204030204" pitchFamily="49" charset="0"/>
+              </a:rPr>
+              <a:t>    </a:t>
+            </a:r>
+            <a:r>
+              <a:rPr lang="en-US" b="0" dirty="0">
+                <a:solidFill>
+                  <a:srgbClr val="9CDCFE"/>
+                </a:solidFill>
+                <a:effectLst/>
+                <a:latin typeface="Consolas" panose="020B0609020204030204" pitchFamily="49" charset="0"/>
+              </a:rPr>
+              <a:t>"username"</a:t>
+            </a:r>
+            <a:r>
+              <a:rPr lang="en-US" b="0" dirty="0">
+                <a:solidFill>
+                  <a:srgbClr val="D4D4D4"/>
+                </a:solidFill>
+                <a:effectLst/>
+                <a:latin typeface="Consolas" panose="020B0609020204030204" pitchFamily="49" charset="0"/>
+              </a:rPr>
+              <a:t>: </a:t>
+            </a:r>
+            <a:r>
+              <a:rPr lang="en-US" b="0" dirty="0">
+                <a:solidFill>
+                  <a:srgbClr val="CE9178"/>
+                </a:solidFill>
+                <a:effectLst/>
+                <a:latin typeface="Consolas" panose="020B0609020204030204" pitchFamily="49" charset="0"/>
+              </a:rPr>
+              <a:t>"user"</a:t>
+            </a:r>
+            <a:r>
+              <a:rPr lang="en-US" b="0" dirty="0">
+                <a:solidFill>
+                  <a:srgbClr val="D4D4D4"/>
+                </a:solidFill>
+                <a:effectLst/>
+                <a:latin typeface="Consolas" panose="020B0609020204030204" pitchFamily="49" charset="0"/>
+              </a:rPr>
+              <a:t>,</a:t>
+            </a:r>
+          </a:p>
+          <a:p>
+            <a:r>
+              <a:rPr lang="en-US" b="0" dirty="0">
+                <a:solidFill>
+                  <a:srgbClr val="D4D4D4"/>
+                </a:solidFill>
+                <a:effectLst/>
+                <a:latin typeface="Consolas" panose="020B0609020204030204" pitchFamily="49" charset="0"/>
+              </a:rPr>
+              <a:t>    </a:t>
+            </a:r>
+            <a:r>
+              <a:rPr lang="en-US" b="0" dirty="0">
+                <a:solidFill>
+                  <a:srgbClr val="9CDCFE"/>
+                </a:solidFill>
+                <a:effectLst/>
+                <a:latin typeface="Consolas" panose="020B0609020204030204" pitchFamily="49" charset="0"/>
+              </a:rPr>
+              <a:t>"password"</a:t>
+            </a:r>
+            <a:r>
+              <a:rPr lang="en-US" b="0" dirty="0">
+                <a:solidFill>
+                  <a:srgbClr val="D4D4D4"/>
+                </a:solidFill>
+                <a:effectLst/>
+                <a:latin typeface="Consolas" panose="020B0609020204030204" pitchFamily="49" charset="0"/>
+              </a:rPr>
+              <a:t>: </a:t>
+            </a:r>
+            <a:r>
+              <a:rPr lang="en-US" b="0" dirty="0">
+                <a:solidFill>
+                  <a:srgbClr val="CE9178"/>
+                </a:solidFill>
+                <a:effectLst/>
+                <a:latin typeface="Consolas" panose="020B0609020204030204" pitchFamily="49" charset="0"/>
+              </a:rPr>
+              <a:t>""</a:t>
+            </a:r>
+            <a:r>
+              <a:rPr lang="en-US" b="0" dirty="0">
+                <a:solidFill>
+                  <a:srgbClr val="D4D4D4"/>
+                </a:solidFill>
+                <a:effectLst/>
+                <a:latin typeface="Consolas" panose="020B0609020204030204" pitchFamily="49" charset="0"/>
+              </a:rPr>
+              <a:t>,</a:t>
+            </a:r>
+          </a:p>
+          <a:p>
+            <a:r>
+              <a:rPr lang="en-US" b="0" dirty="0">
+                <a:solidFill>
+                  <a:srgbClr val="D4D4D4"/>
+                </a:solidFill>
+                <a:effectLst/>
+                <a:latin typeface="Consolas" panose="020B0609020204030204" pitchFamily="49" charset="0"/>
+              </a:rPr>
+              <a:t>    </a:t>
+            </a:r>
+            <a:r>
+              <a:rPr lang="en-US" b="0" dirty="0">
+                <a:solidFill>
+                  <a:srgbClr val="9CDCFE"/>
+                </a:solidFill>
+                <a:effectLst/>
+                <a:latin typeface="Consolas" panose="020B0609020204030204" pitchFamily="49" charset="0"/>
+              </a:rPr>
+              <a:t>"database"</a:t>
+            </a:r>
+            <a:r>
+              <a:rPr lang="en-US" b="0" dirty="0">
+                <a:solidFill>
+                  <a:srgbClr val="D4D4D4"/>
+                </a:solidFill>
+                <a:effectLst/>
+                <a:latin typeface="Consolas" panose="020B0609020204030204" pitchFamily="49" charset="0"/>
+              </a:rPr>
+              <a:t>: </a:t>
+            </a:r>
+            <a:r>
+              <a:rPr lang="en-US" b="0" dirty="0">
+                <a:solidFill>
+                  <a:srgbClr val="CE9178"/>
+                </a:solidFill>
+                <a:effectLst/>
+                <a:latin typeface="Consolas" panose="020B0609020204030204" pitchFamily="49" charset="0"/>
+              </a:rPr>
+              <a:t>"</a:t>
+            </a:r>
+            <a:r>
+              <a:rPr lang="en-US" b="0" dirty="0" err="1">
+                <a:solidFill>
+                  <a:srgbClr val="CE9178"/>
+                </a:solidFill>
+                <a:effectLst/>
+                <a:latin typeface="Consolas" panose="020B0609020204030204" pitchFamily="49" charset="0"/>
+              </a:rPr>
+              <a:t>typeorm</a:t>
+            </a:r>
+            <a:r>
+              <a:rPr lang="en-US" b="0" dirty="0">
+                <a:solidFill>
+                  <a:srgbClr val="CE9178"/>
+                </a:solidFill>
+                <a:effectLst/>
+                <a:latin typeface="Consolas" panose="020B0609020204030204" pitchFamily="49" charset="0"/>
+              </a:rPr>
+              <a:t>"</a:t>
+            </a:r>
+            <a:r>
+              <a:rPr lang="en-US" b="0" dirty="0">
+                <a:solidFill>
+                  <a:srgbClr val="D4D4D4"/>
+                </a:solidFill>
+                <a:effectLst/>
+                <a:latin typeface="Consolas" panose="020B0609020204030204" pitchFamily="49" charset="0"/>
+              </a:rPr>
+              <a:t>,</a:t>
+            </a:r>
+          </a:p>
+          <a:p>
+            <a:r>
+              <a:rPr lang="en-US" b="0" dirty="0">
+                <a:solidFill>
+                  <a:srgbClr val="D4D4D4"/>
+                </a:solidFill>
+                <a:effectLst/>
+                <a:latin typeface="Consolas" panose="020B0609020204030204" pitchFamily="49" charset="0"/>
+              </a:rPr>
+              <a:t>    </a:t>
+            </a:r>
+            <a:r>
+              <a:rPr lang="en-US" b="0" dirty="0">
+                <a:solidFill>
+                  <a:srgbClr val="9CDCFE"/>
+                </a:solidFill>
+                <a:effectLst/>
+                <a:latin typeface="Consolas" panose="020B0609020204030204" pitchFamily="49" charset="0"/>
+              </a:rPr>
+              <a:t>"extra"</a:t>
+            </a:r>
+            <a:r>
+              <a:rPr lang="en-US" b="0" dirty="0">
+                <a:solidFill>
+                  <a:srgbClr val="D4D4D4"/>
+                </a:solidFill>
+                <a:effectLst/>
+                <a:latin typeface="Consolas" panose="020B0609020204030204" pitchFamily="49" charset="0"/>
+              </a:rPr>
+              <a:t>: {</a:t>
+            </a:r>
+          </a:p>
+          <a:p>
+            <a:r>
+              <a:rPr lang="en-US" b="0" dirty="0">
+                <a:solidFill>
+                  <a:srgbClr val="D4D4D4"/>
+                </a:solidFill>
+                <a:effectLst/>
+                <a:latin typeface="Consolas" panose="020B0609020204030204" pitchFamily="49" charset="0"/>
+              </a:rPr>
+              <a:t>        </a:t>
+            </a:r>
+            <a:r>
+              <a:rPr lang="en-US" b="0" dirty="0">
+                <a:solidFill>
+                  <a:srgbClr val="9CDCFE"/>
+                </a:solidFill>
+                <a:effectLst/>
+                <a:latin typeface="Consolas" panose="020B0609020204030204" pitchFamily="49" charset="0"/>
+              </a:rPr>
+              <a:t>"</a:t>
+            </a:r>
+            <a:r>
+              <a:rPr lang="en-US" b="0" dirty="0" err="1">
+                <a:solidFill>
+                  <a:srgbClr val="9CDCFE"/>
+                </a:solidFill>
+                <a:effectLst/>
+                <a:latin typeface="Consolas" panose="020B0609020204030204" pitchFamily="49" charset="0"/>
+              </a:rPr>
+              <a:t>trustServerCertificate</a:t>
+            </a:r>
+            <a:r>
+              <a:rPr lang="en-US" b="0" dirty="0">
+                <a:solidFill>
+                  <a:srgbClr val="9CDCFE"/>
+                </a:solidFill>
+                <a:effectLst/>
+                <a:latin typeface="Consolas" panose="020B0609020204030204" pitchFamily="49" charset="0"/>
+              </a:rPr>
+              <a:t>"</a:t>
+            </a:r>
+            <a:r>
+              <a:rPr lang="en-US" b="0" dirty="0">
+                <a:solidFill>
+                  <a:srgbClr val="D4D4D4"/>
+                </a:solidFill>
+                <a:effectLst/>
+                <a:latin typeface="Consolas" panose="020B0609020204030204" pitchFamily="49" charset="0"/>
+              </a:rPr>
+              <a:t>: </a:t>
+            </a:r>
+            <a:r>
+              <a:rPr lang="en-US" b="0" dirty="0">
+                <a:solidFill>
+                  <a:srgbClr val="569CD6"/>
+                </a:solidFill>
+                <a:effectLst/>
+                <a:latin typeface="Consolas" panose="020B0609020204030204" pitchFamily="49" charset="0"/>
+              </a:rPr>
+              <a:t>true</a:t>
+            </a:r>
+            <a:endParaRPr lang="en-US" b="0" dirty="0">
+              <a:solidFill>
+                <a:srgbClr val="D4D4D4"/>
+              </a:solidFill>
+              <a:effectLst/>
+              <a:latin typeface="Consolas" panose="020B0609020204030204" pitchFamily="49" charset="0"/>
+            </a:endParaRPr>
+          </a:p>
+          <a:p>
+            <a:r>
+              <a:rPr lang="en-US" b="0" dirty="0">
+                <a:solidFill>
+                  <a:srgbClr val="D4D4D4"/>
+                </a:solidFill>
+                <a:effectLst/>
+                <a:latin typeface="Consolas" panose="020B0609020204030204" pitchFamily="49" charset="0"/>
+              </a:rPr>
+              <a:t>    },</a:t>
+            </a:r>
+          </a:p>
+          <a:p>
+            <a:r>
+              <a:rPr lang="en-US" b="0" dirty="0">
+                <a:solidFill>
+                  <a:srgbClr val="D4D4D4"/>
+                </a:solidFill>
+                <a:effectLst/>
+                <a:latin typeface="Consolas" panose="020B0609020204030204" pitchFamily="49" charset="0"/>
+              </a:rPr>
+              <a:t>    </a:t>
+            </a:r>
+            <a:r>
+              <a:rPr lang="en-US" b="0" dirty="0">
+                <a:solidFill>
+                  <a:srgbClr val="9CDCFE"/>
+                </a:solidFill>
+                <a:effectLst/>
+                <a:latin typeface="Consolas" panose="020B0609020204030204" pitchFamily="49" charset="0"/>
+              </a:rPr>
+              <a:t>"entities"</a:t>
+            </a:r>
+            <a:r>
+              <a:rPr lang="en-US" b="0" dirty="0">
+                <a:solidFill>
+                  <a:srgbClr val="D4D4D4"/>
+                </a:solidFill>
+                <a:effectLst/>
+                <a:latin typeface="Consolas" panose="020B0609020204030204" pitchFamily="49" charset="0"/>
+              </a:rPr>
+              <a:t>: [</a:t>
+            </a:r>
+          </a:p>
+          <a:p>
+            <a:r>
+              <a:rPr lang="en-US" b="0" dirty="0">
+                <a:solidFill>
+                  <a:srgbClr val="D4D4D4"/>
+                </a:solidFill>
+                <a:effectLst/>
+                <a:latin typeface="Consolas" panose="020B0609020204030204" pitchFamily="49" charset="0"/>
+              </a:rPr>
+              <a:t>       </a:t>
+            </a:r>
+            <a:r>
+              <a:rPr lang="en-US" b="0" dirty="0">
+                <a:solidFill>
+                  <a:srgbClr val="CE9178"/>
+                </a:solidFill>
+                <a:effectLst/>
+                <a:latin typeface="Consolas" panose="020B0609020204030204" pitchFamily="49" charset="0"/>
+              </a:rPr>
+              <a:t>"</a:t>
+            </a:r>
+            <a:r>
+              <a:rPr lang="en-US" b="0" dirty="0" err="1">
+                <a:solidFill>
+                  <a:srgbClr val="CE9178"/>
+                </a:solidFill>
+                <a:effectLst/>
+                <a:latin typeface="Consolas" panose="020B0609020204030204" pitchFamily="49" charset="0"/>
+              </a:rPr>
+              <a:t>dist</a:t>
+            </a:r>
+            <a:r>
+              <a:rPr lang="en-US" b="0" dirty="0">
+                <a:solidFill>
+                  <a:srgbClr val="CE9178"/>
+                </a:solidFill>
+                <a:effectLst/>
+                <a:latin typeface="Consolas" panose="020B0609020204030204" pitchFamily="49" charset="0"/>
+              </a:rPr>
+              <a:t>/**/*.entity.js"</a:t>
+            </a:r>
+            <a:endParaRPr lang="en-US" b="0" dirty="0">
+              <a:solidFill>
+                <a:srgbClr val="D4D4D4"/>
+              </a:solidFill>
+              <a:effectLst/>
+              <a:latin typeface="Consolas" panose="020B0609020204030204" pitchFamily="49" charset="0"/>
+            </a:endParaRPr>
+          </a:p>
+          <a:p>
+            <a:r>
+              <a:rPr lang="en-US" b="0" dirty="0">
+                <a:solidFill>
+                  <a:srgbClr val="D4D4D4"/>
+                </a:solidFill>
+                <a:effectLst/>
+                <a:latin typeface="Consolas" panose="020B0609020204030204" pitchFamily="49" charset="0"/>
+              </a:rPr>
+              <a:t>    ],</a:t>
+            </a:r>
+          </a:p>
+          <a:p>
+            <a:r>
+              <a:rPr lang="en-US" b="0" dirty="0">
+                <a:solidFill>
+                  <a:srgbClr val="D4D4D4"/>
+                </a:solidFill>
+                <a:effectLst/>
+                <a:latin typeface="Consolas" panose="020B0609020204030204" pitchFamily="49" charset="0"/>
+              </a:rPr>
+              <a:t>    </a:t>
+            </a:r>
+            <a:r>
+              <a:rPr lang="en-US" b="0" dirty="0">
+                <a:solidFill>
+                  <a:srgbClr val="9CDCFE"/>
+                </a:solidFill>
+                <a:effectLst/>
+                <a:latin typeface="Consolas" panose="020B0609020204030204" pitchFamily="49" charset="0"/>
+              </a:rPr>
+              <a:t>"migrations"</a:t>
+            </a:r>
+            <a:r>
+              <a:rPr lang="en-US" b="0" dirty="0">
+                <a:solidFill>
+                  <a:srgbClr val="D4D4D4"/>
+                </a:solidFill>
+                <a:effectLst/>
+                <a:latin typeface="Consolas" panose="020B0609020204030204" pitchFamily="49" charset="0"/>
+              </a:rPr>
+              <a:t>: [</a:t>
+            </a:r>
+          </a:p>
+          <a:p>
+            <a:r>
+              <a:rPr lang="en-US" b="0" dirty="0">
+                <a:solidFill>
+                  <a:srgbClr val="D4D4D4"/>
+                </a:solidFill>
+                <a:effectLst/>
+                <a:latin typeface="Consolas" panose="020B0609020204030204" pitchFamily="49" charset="0"/>
+              </a:rPr>
+              <a:t>        </a:t>
+            </a:r>
+            <a:r>
+              <a:rPr lang="en-US" b="0" dirty="0">
+                <a:solidFill>
+                  <a:srgbClr val="CE9178"/>
+                </a:solidFill>
+                <a:effectLst/>
+                <a:latin typeface="Consolas" panose="020B0609020204030204" pitchFamily="49" charset="0"/>
+              </a:rPr>
+              <a:t>"</a:t>
+            </a:r>
+            <a:r>
+              <a:rPr lang="en-US" b="0" dirty="0" err="1">
+                <a:solidFill>
+                  <a:srgbClr val="CE9178"/>
+                </a:solidFill>
+                <a:effectLst/>
+                <a:latin typeface="Consolas" panose="020B0609020204030204" pitchFamily="49" charset="0"/>
+              </a:rPr>
+              <a:t>dist</a:t>
+            </a:r>
+            <a:r>
+              <a:rPr lang="en-US" b="0" dirty="0">
+                <a:solidFill>
+                  <a:srgbClr val="CE9178"/>
+                </a:solidFill>
+                <a:effectLst/>
+                <a:latin typeface="Consolas" panose="020B0609020204030204" pitchFamily="49" charset="0"/>
+              </a:rPr>
+              <a:t>/migration/*.js"</a:t>
+            </a:r>
+            <a:endParaRPr lang="en-US" b="0" dirty="0">
+              <a:solidFill>
+                <a:srgbClr val="D4D4D4"/>
+              </a:solidFill>
+              <a:effectLst/>
+              <a:latin typeface="Consolas" panose="020B0609020204030204" pitchFamily="49" charset="0"/>
+            </a:endParaRPr>
+          </a:p>
+          <a:p>
+            <a:r>
+              <a:rPr lang="en-US" b="0" dirty="0">
+                <a:solidFill>
+                  <a:srgbClr val="D4D4D4"/>
+                </a:solidFill>
+                <a:effectLst/>
+                <a:latin typeface="Consolas" panose="020B0609020204030204" pitchFamily="49" charset="0"/>
+              </a:rPr>
+              <a:t>    ],</a:t>
+            </a:r>
+          </a:p>
+          <a:p>
+            <a:r>
+              <a:rPr lang="en-US" b="0" dirty="0">
+                <a:solidFill>
+                  <a:srgbClr val="D4D4D4"/>
+                </a:solidFill>
+                <a:effectLst/>
+                <a:latin typeface="Consolas" panose="020B0609020204030204" pitchFamily="49" charset="0"/>
+              </a:rPr>
+              <a:t>    </a:t>
+            </a:r>
+            <a:r>
+              <a:rPr lang="en-US" b="0" dirty="0">
+                <a:solidFill>
+                  <a:srgbClr val="9CDCFE"/>
+                </a:solidFill>
+                <a:effectLst/>
+                <a:latin typeface="Consolas" panose="020B0609020204030204" pitchFamily="49" charset="0"/>
+              </a:rPr>
+              <a:t>"cli"</a:t>
+            </a:r>
+            <a:r>
+              <a:rPr lang="en-US" b="0" dirty="0">
+                <a:solidFill>
+                  <a:srgbClr val="D4D4D4"/>
+                </a:solidFill>
+                <a:effectLst/>
+                <a:latin typeface="Consolas" panose="020B0609020204030204" pitchFamily="49" charset="0"/>
+              </a:rPr>
+              <a:t>: {</a:t>
+            </a:r>
+          </a:p>
+          <a:p>
+            <a:r>
+              <a:rPr lang="en-US" b="0" dirty="0">
+                <a:solidFill>
+                  <a:srgbClr val="D4D4D4"/>
+                </a:solidFill>
+                <a:effectLst/>
+                <a:latin typeface="Consolas" panose="020B0609020204030204" pitchFamily="49" charset="0"/>
+              </a:rPr>
+              <a:t>       </a:t>
+            </a:r>
+            <a:r>
+              <a:rPr lang="en-US" b="0" dirty="0">
+                <a:solidFill>
+                  <a:srgbClr val="9CDCFE"/>
+                </a:solidFill>
+                <a:effectLst/>
+                <a:latin typeface="Consolas" panose="020B0609020204030204" pitchFamily="49" charset="0"/>
+              </a:rPr>
+              <a:t>"</a:t>
+            </a:r>
+            <a:r>
+              <a:rPr lang="en-US" b="0" dirty="0" err="1">
+                <a:solidFill>
+                  <a:srgbClr val="9CDCFE"/>
+                </a:solidFill>
+                <a:effectLst/>
+                <a:latin typeface="Consolas" panose="020B0609020204030204" pitchFamily="49" charset="0"/>
+              </a:rPr>
+              <a:t>migrationsDir</a:t>
+            </a:r>
+            <a:r>
+              <a:rPr lang="en-US" b="0" dirty="0">
+                <a:solidFill>
+                  <a:srgbClr val="9CDCFE"/>
+                </a:solidFill>
+                <a:effectLst/>
+                <a:latin typeface="Consolas" panose="020B0609020204030204" pitchFamily="49" charset="0"/>
+              </a:rPr>
+              <a:t>"</a:t>
+            </a:r>
+            <a:r>
+              <a:rPr lang="en-US" b="0" dirty="0">
+                <a:solidFill>
+                  <a:srgbClr val="D4D4D4"/>
+                </a:solidFill>
+                <a:effectLst/>
+                <a:latin typeface="Consolas" panose="020B0609020204030204" pitchFamily="49" charset="0"/>
+              </a:rPr>
+              <a:t>: </a:t>
+            </a:r>
+            <a:r>
+              <a:rPr lang="en-US" b="0" dirty="0">
+                <a:solidFill>
+                  <a:srgbClr val="CE9178"/>
+                </a:solidFill>
+                <a:effectLst/>
+                <a:latin typeface="Consolas" panose="020B0609020204030204" pitchFamily="49" charset="0"/>
+              </a:rPr>
+              <a:t>"</a:t>
+            </a:r>
+            <a:r>
+              <a:rPr lang="en-US" b="0" dirty="0" err="1">
+                <a:solidFill>
+                  <a:srgbClr val="CE9178"/>
+                </a:solidFill>
+                <a:effectLst/>
+                <a:latin typeface="Consolas" panose="020B0609020204030204" pitchFamily="49" charset="0"/>
+              </a:rPr>
+              <a:t>src</a:t>
+            </a:r>
+            <a:r>
+              <a:rPr lang="en-US" b="0" dirty="0">
+                <a:solidFill>
+                  <a:srgbClr val="CE9178"/>
+                </a:solidFill>
+                <a:effectLst/>
+                <a:latin typeface="Consolas" panose="020B0609020204030204" pitchFamily="49" charset="0"/>
+              </a:rPr>
+              <a:t>/migration"</a:t>
+            </a:r>
+            <a:endParaRPr lang="en-US" b="0" dirty="0">
+              <a:solidFill>
+                <a:srgbClr val="D4D4D4"/>
+              </a:solidFill>
+              <a:effectLst/>
+              <a:latin typeface="Consolas" panose="020B0609020204030204" pitchFamily="49" charset="0"/>
+            </a:endParaRPr>
+          </a:p>
+          <a:p>
+            <a:r>
+              <a:rPr lang="en-US" b="0" dirty="0">
+                <a:solidFill>
+                  <a:srgbClr val="D4D4D4"/>
+                </a:solidFill>
+                <a:effectLst/>
+                <a:latin typeface="Consolas" panose="020B0609020204030204" pitchFamily="49" charset="0"/>
+              </a:rPr>
+              <a:t>    }</a:t>
+            </a:r>
+          </a:p>
+          <a:p>
+            <a:r>
+              <a:rPr lang="en-US" b="0" dirty="0">
+                <a:solidFill>
+                  <a:srgbClr val="D4D4D4"/>
+                </a:solidFill>
+                <a:effectLst/>
+                <a:latin typeface="Consolas" panose="020B0609020204030204" pitchFamily="49" charset="0"/>
+              </a:rPr>
+              <a:t> }</a:t>
+            </a:r>
+          </a:p>
+          <a:p>
+            <a:endParaRPr lang="en-US" dirty="0"/>
+          </a:p>
+          <a:p>
+            <a:endParaRPr lang="en-US" dirty="0"/>
+          </a:p>
+          <a:p>
+            <a:endParaRPr lang="en-US" dirty="0"/>
+          </a:p>
+        </p:txBody>
+      </p:sp>
+      <p:sp>
+        <p:nvSpPr>
+          <p:cNvPr id="4" name="Slide Number Placeholder 3"/>
+          <p:cNvSpPr>
+            <a:spLocks noGrp="1"/>
+          </p:cNvSpPr>
+          <p:nvPr>
+            <p:ph type="sldNum" sz="quarter" idx="5"/>
+          </p:nvPr>
+        </p:nvSpPr>
+        <p:spPr/>
+        <p:txBody>
+          <a:bodyPr/>
+          <a:lstStyle/>
+          <a:p>
+            <a:fld id="{0FE84E6F-3671-472C-BE6F-A37BC298F4AB}" type="slidenum">
+              <a:rPr lang="en-US" smtClean="0"/>
+              <a:t>3</a:t>
+            </a:fld>
+            <a:endParaRPr lang="en-US"/>
+          </a:p>
+        </p:txBody>
+      </p:sp>
+    </p:spTree>
+    <p:extLst>
+      <p:ext uri="{BB962C8B-B14F-4D97-AF65-F5344CB8AC3E}">
+        <p14:creationId xmlns:p14="http://schemas.microsoft.com/office/powerpoint/2010/main" val="1515755026"/>
+      </p:ext>
+    </p:extLst>
+  </p:cSld>
+  <p:clrMapOvr>
+    <a:masterClrMapping/>
+  </p:clrMapOvr>
+</p:notes>
+</file>
+
+<file path=ppt/notesSlides/notesSlide2.xml><?xml version="1.0" encoding="utf-8"?>
+<p:notes xmlns:a="http://schemas.openxmlformats.org/drawingml/2006/main" xmlns:r="http://schemas.openxmlformats.org/officeDocument/2006/relationships" xmlns:p="http://schemas.openxmlformats.org/presentationml/2006/main">
+  <p:cSld>
+    <p:spTree>
+      <p:nvGrpSpPr>
+        <p:cNvPr id="1" name=""/>
+        <p:cNvGrpSpPr/>
+        <p:nvPr/>
+      </p:nvGrpSpPr>
+      <p:grpSpPr>
+        <a:xfrm>
+          <a:off x="0" y="0"/>
+          <a:ext cx="0" cy="0"/>
+          <a:chOff x="0" y="0"/>
+          <a:chExt cx="0" cy="0"/>
+        </a:xfrm>
+      </p:grpSpPr>
+      <p:sp>
+        <p:nvSpPr>
+          <p:cNvPr id="2" name="Slide Image Placeholder 1"/>
+          <p:cNvSpPr>
+            <a:spLocks noGrp="1" noRot="1" noChangeAspect="1"/>
+          </p:cNvSpPr>
+          <p:nvPr>
+            <p:ph type="sldImg"/>
+          </p:nvPr>
+        </p:nvSpPr>
+        <p:spPr/>
+      </p:sp>
+      <p:sp>
+        <p:nvSpPr>
+          <p:cNvPr id="3" name="Notes Placeholder 2"/>
+          <p:cNvSpPr>
+            <a:spLocks noGrp="1"/>
+          </p:cNvSpPr>
+          <p:nvPr>
+            <p:ph type="body" idx="1"/>
+          </p:nvPr>
+        </p:nvSpPr>
+        <p:spPr/>
+        <p:txBody>
+          <a:bodyPr/>
+          <a:lstStyle/>
+          <a:p>
+            <a:r>
+              <a:rPr lang="en-US" b="0" i="0" dirty="0">
+                <a:solidFill>
+                  <a:srgbClr val="434341"/>
+                </a:solidFill>
+                <a:effectLst/>
+                <a:latin typeface="Inter"/>
+              </a:rPr>
+              <a:t>$</a:t>
+            </a:r>
+          </a:p>
+          <a:p>
+            <a:r>
+              <a:rPr lang="en-US" b="0" i="0" dirty="0">
+                <a:solidFill>
+                  <a:srgbClr val="434341"/>
+                </a:solidFill>
+                <a:effectLst/>
+                <a:latin typeface="Inter"/>
+              </a:rPr>
+              <a:t>€</a:t>
+            </a:r>
+            <a:br>
+              <a:rPr lang="en-US" dirty="0">
+                <a:effectLst/>
+              </a:rPr>
+            </a:br>
+            <a:r>
+              <a:rPr lang="en-US" dirty="0">
+                <a:effectLst/>
+              </a:rPr>
+              <a:t>£</a:t>
+            </a:r>
+          </a:p>
+          <a:p>
+            <a:r>
+              <a:rPr lang="fa-IR" b="0" i="0" dirty="0">
+                <a:solidFill>
+                  <a:srgbClr val="434341"/>
+                </a:solidFill>
+                <a:effectLst/>
+                <a:latin typeface="Inter"/>
+              </a:rPr>
+              <a:t>﷼</a:t>
+            </a:r>
+            <a:endParaRPr lang="en-US" dirty="0"/>
+          </a:p>
+        </p:txBody>
+      </p:sp>
+      <p:sp>
+        <p:nvSpPr>
+          <p:cNvPr id="4" name="Slide Number Placeholder 3"/>
+          <p:cNvSpPr>
+            <a:spLocks noGrp="1"/>
+          </p:cNvSpPr>
+          <p:nvPr>
+            <p:ph type="sldNum" sz="quarter" idx="5"/>
+          </p:nvPr>
+        </p:nvSpPr>
+        <p:spPr/>
+        <p:txBody>
+          <a:bodyPr/>
+          <a:lstStyle/>
+          <a:p>
+            <a:fld id="{0FE84E6F-3671-472C-BE6F-A37BC298F4AB}" type="slidenum">
+              <a:rPr lang="en-US" smtClean="0"/>
+              <a:t>8</a:t>
+            </a:fld>
+            <a:endParaRPr lang="en-US"/>
+          </a:p>
+        </p:txBody>
+      </p:sp>
+    </p:spTree>
+    <p:extLst>
+      <p:ext uri="{BB962C8B-B14F-4D97-AF65-F5344CB8AC3E}">
+        <p14:creationId xmlns:p14="http://schemas.microsoft.com/office/powerpoint/2010/main" val="831533346"/>
+      </p:ext>
+    </p:extLst>
+  </p:cSld>
+  <p:clrMapOvr>
+    <a:masterClrMapping/>
+  </p:clrMapOvr>
+</p:notes>
+</file>
+
+<file path=ppt/notesSlides/notesSlide3.xml><?xml version="1.0" encoding="utf-8"?>
+<p:notes xmlns:a="http://schemas.openxmlformats.org/drawingml/2006/main" xmlns:r="http://schemas.openxmlformats.org/officeDocument/2006/relationships" xmlns:p="http://schemas.openxmlformats.org/presentationml/2006/main">
+  <p:cSld>
+    <p:spTree>
+      <p:nvGrpSpPr>
+        <p:cNvPr id="1" name=""/>
+        <p:cNvGrpSpPr/>
+        <p:nvPr/>
+      </p:nvGrpSpPr>
+      <p:grpSpPr>
+        <a:xfrm>
+          <a:off x="0" y="0"/>
+          <a:ext cx="0" cy="0"/>
+          <a:chOff x="0" y="0"/>
+          <a:chExt cx="0" cy="0"/>
+        </a:xfrm>
+      </p:grpSpPr>
+      <p:sp>
+        <p:nvSpPr>
+          <p:cNvPr id="2" name="Slide Image Placeholder 1"/>
+          <p:cNvSpPr>
+            <a:spLocks noGrp="1" noRot="1" noChangeAspect="1"/>
+          </p:cNvSpPr>
+          <p:nvPr>
+            <p:ph type="sldImg"/>
+          </p:nvPr>
+        </p:nvSpPr>
+        <p:spPr/>
+      </p:sp>
+      <p:sp>
+        <p:nvSpPr>
+          <p:cNvPr id="3" name="Notes Placeholder 2"/>
+          <p:cNvSpPr>
+            <a:spLocks noGrp="1"/>
+          </p:cNvSpPr>
+          <p:nvPr>
+            <p:ph type="body" idx="1"/>
+          </p:nvPr>
+        </p:nvSpPr>
+        <p:spPr/>
+        <p:txBody>
+          <a:bodyPr/>
+          <a:lstStyle/>
+          <a:p>
+            <a:r>
+              <a:rPr lang="en-US" dirty="0"/>
+              <a:t>Hint: </a:t>
+            </a:r>
+            <a:r>
+              <a:rPr lang="en-US" dirty="0" err="1"/>
+              <a:t>loggerService</a:t>
+            </a:r>
+            <a:r>
+              <a:rPr lang="en-US" dirty="0"/>
+              <a:t> better to be transient</a:t>
+            </a:r>
+          </a:p>
+          <a:p>
+            <a:endParaRPr lang="en-US" dirty="0"/>
+          </a:p>
+          <a:p>
+            <a:endParaRPr lang="en-US" dirty="0"/>
+          </a:p>
+          <a:p>
+            <a:endParaRPr lang="en-US" dirty="0"/>
+          </a:p>
+          <a:p>
+            <a:endParaRPr lang="en-US" dirty="0"/>
+          </a:p>
+          <a:p>
+            <a:endParaRPr lang="en-US" dirty="0"/>
+          </a:p>
+          <a:p>
+            <a:endParaRPr lang="en-US" dirty="0"/>
+          </a:p>
+          <a:p>
+            <a:endParaRPr lang="en-US" dirty="0"/>
+          </a:p>
+          <a:p>
+            <a:endParaRPr lang="en-US" dirty="0"/>
+          </a:p>
+          <a:p>
+            <a:endParaRPr lang="en-US" dirty="0"/>
+          </a:p>
+          <a:p>
+            <a:endParaRPr lang="en-US" dirty="0"/>
+          </a:p>
+          <a:p>
+            <a:endParaRPr lang="en-US" dirty="0"/>
+          </a:p>
+          <a:p>
+            <a:r>
+              <a:rPr lang="en-US" dirty="0">
+                <a:sym typeface="Wingdings" panose="05000000000000000000" pitchFamily="2" charset="2"/>
+              </a:rPr>
+              <a:t> For you (The seeker is the finder):</a:t>
+            </a:r>
+            <a:endParaRPr lang="en-US" dirty="0"/>
+          </a:p>
+          <a:p>
+            <a:r>
+              <a:rPr lang="en-US" dirty="0"/>
+              <a:t>https://www.brunnerliv.io/articles/advanced-nestjs-dymaic-providers</a:t>
+            </a:r>
+          </a:p>
+        </p:txBody>
+      </p:sp>
+      <p:sp>
+        <p:nvSpPr>
+          <p:cNvPr id="4" name="Slide Number Placeholder 3"/>
+          <p:cNvSpPr>
+            <a:spLocks noGrp="1"/>
+          </p:cNvSpPr>
+          <p:nvPr>
+            <p:ph type="sldNum" sz="quarter" idx="5"/>
+          </p:nvPr>
+        </p:nvSpPr>
+        <p:spPr/>
+        <p:txBody>
+          <a:bodyPr/>
+          <a:lstStyle/>
+          <a:p>
+            <a:fld id="{0FE84E6F-3671-472C-BE6F-A37BC298F4AB}" type="slidenum">
+              <a:rPr lang="en-US" smtClean="0"/>
+              <a:t>16</a:t>
+            </a:fld>
+            <a:endParaRPr lang="en-US"/>
+          </a:p>
+        </p:txBody>
+      </p:sp>
+    </p:spTree>
+    <p:extLst>
+      <p:ext uri="{BB962C8B-B14F-4D97-AF65-F5344CB8AC3E}">
+        <p14:creationId xmlns:p14="http://schemas.microsoft.com/office/powerpoint/2010/main" val="3800137673"/>
+      </p:ext>
+    </p:extLst>
+  </p:cSld>
+  <p:clrMapOvr>
+    <a:masterClrMapping/>
+  </p:clrMapOvr>
+</p:notes>
 </file>
 
 <file path=ppt/slideLayouts/slideLayout1.xml><?xml version="1.0" encoding="utf-8"?>
@@ -6706,7 +7889,7 @@
           <p:cNvPr id="2" name="Title 1">
             <a:extLst>
               <a:ext uri="{FF2B5EF4-FFF2-40B4-BE49-F238E27FC236}">
-                <a16:creationId xmlns:a16="http://schemas.microsoft.com/office/drawing/2014/main" id="{6B1A0672-14A7-4501-900C-A98EBCCF7AFE}"/>
+                <a16:creationId xmlns:a16="http://schemas.microsoft.com/office/drawing/2014/main" id="{A3D63792-C8A6-464D-89C4-BA8925A07898}"/>
               </a:ext>
             </a:extLst>
           </p:cNvPr>
@@ -6723,10 +7906,10 @@
           <a:lstStyle/>
           <a:p>
             <a:r>
-              <a:rPr lang="en-US" dirty="0" err="1"/>
-              <a:t>Excercise</a:t>
-            </a:r>
-            <a:endParaRPr lang="en-US" dirty="0"/>
+              <a:rPr lang="en-US" dirty="0"/>
+              <a:t>Demo</a:t>
+            </a:r>
+            <a:endParaRPr lang="fa-IR" dirty="0"/>
           </a:p>
         </p:txBody>
       </p:sp>
@@ -6735,7 +7918,7 @@
           <p:cNvPr id="3" name="Content Placeholder 2">
             <a:extLst>
               <a:ext uri="{FF2B5EF4-FFF2-40B4-BE49-F238E27FC236}">
-                <a16:creationId xmlns:a16="http://schemas.microsoft.com/office/drawing/2014/main" id="{2AEB1BE9-8435-42BF-A4F1-2F148FA9187A}"/>
+                <a16:creationId xmlns:a16="http://schemas.microsoft.com/office/drawing/2014/main" id="{2E3009AA-A434-414D-87AC-C84EE1D89BCE}"/>
               </a:ext>
             </a:extLst>
           </p:cNvPr>
@@ -6753,47 +7936,30 @@
           <a:p>
             <a:r>
               <a:rPr lang="en-US" dirty="0"/>
-              <a:t>Required:</a:t>
+              <a:t>Async providers</a:t>
             </a:r>
           </a:p>
           <a:p>
             <a:pPr lvl="1"/>
             <a:r>
               <a:rPr lang="en-US" dirty="0"/>
-              <a:t>Exercise all we speak</a:t>
-            </a:r>
-          </a:p>
-          <a:p>
+              <a:t>Suppose your dependency has to be created through some sort API (like database)</a:t>
+            </a:r>
+          </a:p>
+          <a:p>
+            <a:pPr lvl="1"/>
             <a:r>
               <a:rPr lang="en-US" dirty="0"/>
-              <a:t>Optional:</a:t>
+              <a:t>Your bootstrapping process will not going further until this dependency is met.</a:t>
             </a:r>
           </a:p>
           <a:p>
             <a:pPr lvl="1"/>
             <a:r>
               <a:rPr lang="en-US" dirty="0"/>
-              <a:t>Create a helper module for logging, It has an option for the first letter of each log, and then has a service that simple generate logs like these:</a:t>
-            </a:r>
-          </a:p>
-          <a:p>
-            <a:pPr lvl="2"/>
-            <a:r>
-              <a:rPr lang="en-US" dirty="0"/>
-              <a:t>&lt;firs-letter&gt; &lt;passed-argument&gt;</a:t>
-            </a:r>
-          </a:p>
-          <a:p>
-            <a:pPr lvl="2"/>
-            <a:r>
-              <a:rPr lang="en-US" dirty="0"/>
-              <a:t>&gt; </a:t>
-            </a:r>
-            <a:r>
-              <a:rPr lang="en-US"/>
-              <a:t>some logging</a:t>
-            </a:r>
-            <a:endParaRPr lang="en-US" dirty="0"/>
+              <a:t>Employ useFactory with async callback</a:t>
+            </a:r>
+            <a:endParaRPr lang="fa-IR" dirty="0"/>
           </a:p>
         </p:txBody>
       </p:sp>
@@ -6802,7 +7968,7 @@
           <p:cNvPr id="4" name="Footer Placeholder 3">
             <a:extLst>
               <a:ext uri="{FF2B5EF4-FFF2-40B4-BE49-F238E27FC236}">
-                <a16:creationId xmlns:a16="http://schemas.microsoft.com/office/drawing/2014/main" id="{E3C0E9F9-B143-43AD-BD5C-508C3E46FF7B}"/>
+                <a16:creationId xmlns:a16="http://schemas.microsoft.com/office/drawing/2014/main" id="{A94DB6E9-DCE4-4E54-AAA3-2A7AD7F25A58}"/>
               </a:ext>
             </a:extLst>
           </p:cNvPr>
@@ -6831,7 +7997,7 @@
           <p:cNvPr id="5" name="Slide Number Placeholder 4">
             <a:extLst>
               <a:ext uri="{FF2B5EF4-FFF2-40B4-BE49-F238E27FC236}">
-                <a16:creationId xmlns:a16="http://schemas.microsoft.com/office/drawing/2014/main" id="{1B95C015-BA9F-40C7-A04C-3B835E7354AB}"/>
+                <a16:creationId xmlns:a16="http://schemas.microsoft.com/office/drawing/2014/main" id="{CC92224A-D25D-45F5-AA0C-7E42F02B5DBD}"/>
               </a:ext>
             </a:extLst>
           </p:cNvPr>
@@ -6858,7 +8024,7 @@
     </p:spTree>
     <p:extLst>
       <p:ext uri="{BB962C8B-B14F-4D97-AF65-F5344CB8AC3E}">
-        <p14:creationId xmlns:p14="http://schemas.microsoft.com/office/powerpoint/2010/main" val="817859998"/>
+        <p14:creationId xmlns:p14="http://schemas.microsoft.com/office/powerpoint/2010/main" val="1193388860"/>
       </p:ext>
     </p:extLst>
   </p:cSld>
@@ -6868,7 +8034,7 @@
 </p:sld>
 </file>
 
-<file path=ppt/slides/slide2.xml><?xml version="1.0" encoding="utf-8"?>
+<file path=ppt/slides/slide11.xml><?xml version="1.0" encoding="utf-8"?>
 <p:sld xmlns:a="http://schemas.openxmlformats.org/drawingml/2006/main" xmlns:r="http://schemas.openxmlformats.org/officeDocument/2006/relationships" xmlns:p="http://schemas.openxmlformats.org/presentationml/2006/main">
   <p:cSld>
     <p:spTree>
@@ -6890,7 +8056,7 @@
           <p:cNvPr id="2" name="Title 1">
             <a:extLst>
               <a:ext uri="{FF2B5EF4-FFF2-40B4-BE49-F238E27FC236}">
-                <a16:creationId xmlns:a16="http://schemas.microsoft.com/office/drawing/2014/main" id="{DE95171F-39CC-4718-9F54-621AA8E1B427}"/>
+                <a16:creationId xmlns:a16="http://schemas.microsoft.com/office/drawing/2014/main" id="{2ED9F42B-DD57-44A9-A024-B5A21971513F}"/>
               </a:ext>
             </a:extLst>
           </p:cNvPr>
@@ -6908,8 +8074,9 @@
           <a:p>
             <a:r>
               <a:rPr lang="en-US" dirty="0"/>
-              <a:t>Course Structure</a:t>
-            </a:r>
+              <a:t>Demo</a:t>
+            </a:r>
+            <a:endParaRPr lang="fa-IR" dirty="0"/>
           </a:p>
         </p:txBody>
       </p:sp>
@@ -6918,7 +8085,7 @@
           <p:cNvPr id="3" name="Content Placeholder 2">
             <a:extLst>
               <a:ext uri="{FF2B5EF4-FFF2-40B4-BE49-F238E27FC236}">
-                <a16:creationId xmlns:a16="http://schemas.microsoft.com/office/drawing/2014/main" id="{31696309-D341-4657-B8B8-A86937E6BBA9}"/>
+                <a16:creationId xmlns:a16="http://schemas.microsoft.com/office/drawing/2014/main" id="{276175C7-A8EE-437B-8B8B-9E55BB637E06}"/>
               </a:ext>
             </a:extLst>
           </p:cNvPr>
@@ -6931,161 +8098,101 @@
         </p:nvSpPr>
         <p:spPr/>
         <p:txBody>
-          <a:bodyPr>
-            <a:normAutofit fontScale="77500" lnSpcReduction="20000"/>
-          </a:bodyPr>
-          <a:lstStyle/>
-          <a:p>
+          <a:bodyPr/>
+          <a:lstStyle/>
+          <a:p>
+            <a:r>
+              <a:rPr lang="en-US" dirty="0"/>
+              <a:t>Dynamic module</a:t>
+            </a:r>
+          </a:p>
+          <a:p>
+            <a:pPr lvl="1"/>
+            <a:r>
+              <a:rPr lang="en-US" dirty="0"/>
+              <a:t>Static modules can’t have their providers be configured by a module that consuming it.</a:t>
+            </a:r>
+          </a:p>
+          <a:p>
+            <a:pPr lvl="1"/>
+            <a:r>
+              <a:rPr lang="en-US" dirty="0"/>
+              <a:t>Why does that matter?</a:t>
+            </a:r>
+          </a:p>
+          <a:p>
+            <a:pPr lvl="2"/>
+            <a:r>
+              <a:rPr lang="en-US" dirty="0"/>
+              <a:t>For general purpose modules </a:t>
+            </a:r>
             <a:r>
               <a:rPr lang="en-US" dirty="0">
-                <a:solidFill>
-                  <a:schemeClr val="tx1"/>
-                </a:solidFill>
+                <a:sym typeface="Wingdings" panose="05000000000000000000" pitchFamily="2" charset="2"/>
               </a:rPr>
-              <a:t>TypeORM in NestJS</a:t>
+              <a:t>, that needs to behave differently in different circumstances</a:t>
             </a:r>
           </a:p>
           <a:p>
             <a:pPr lvl="1"/>
             <a:r>
               <a:rPr lang="en-US" dirty="0">
-                <a:solidFill>
-                  <a:schemeClr val="tx1"/>
-                </a:solidFill>
+                <a:sym typeface="Wingdings" panose="05000000000000000000" pitchFamily="2" charset="2"/>
               </a:rPr>
-              <a:t>Setting up migrations</a:t>
-            </a:r>
-          </a:p>
-          <a:p>
+              <a:t>Use static method with some names like: register, </a:t>
+            </a:r>
+            <a:r>
+              <a:rPr lang="en-US" dirty="0" err="1">
+                <a:sym typeface="Wingdings" panose="05000000000000000000" pitchFamily="2" charset="2"/>
+              </a:rPr>
+              <a:t>forRoot</a:t>
+            </a:r>
             <a:r>
               <a:rPr lang="en-US" dirty="0">
-                <a:solidFill>
-                  <a:schemeClr val="tx1"/>
-                </a:solidFill>
+                <a:sym typeface="Wingdings" panose="05000000000000000000" pitchFamily="2" charset="2"/>
               </a:rPr>
-              <a:t>Dependency Injection</a:t>
+              <a:t>, …</a:t>
             </a:r>
           </a:p>
           <a:p>
             <a:pPr lvl="1"/>
             <a:r>
               <a:rPr lang="en-US" dirty="0">
-                <a:solidFill>
-                  <a:schemeClr val="tx1"/>
-                </a:solidFill>
+                <a:sym typeface="Wingdings" panose="05000000000000000000" pitchFamily="2" charset="2"/>
               </a:rPr>
-              <a:t>Understand Dependency Injection</a:t>
-            </a:r>
-          </a:p>
-          <a:p>
-            <a:pPr lvl="1"/>
+              <a:t>Return a </a:t>
+            </a:r>
+            <a:r>
+              <a:rPr lang="en-US" dirty="0" err="1">
+                <a:sym typeface="Wingdings" panose="05000000000000000000" pitchFamily="2" charset="2"/>
+              </a:rPr>
+              <a:t>DynamicModule</a:t>
+            </a:r>
             <a:r>
               <a:rPr lang="en-US" dirty="0">
-                <a:solidFill>
-                  <a:schemeClr val="tx1"/>
-                </a:solidFill>
+                <a:sym typeface="Wingdings" panose="05000000000000000000" pitchFamily="2" charset="2"/>
               </a:rPr>
-              <a:t>Control NestJS Module Encapsulation</a:t>
-            </a:r>
-          </a:p>
-          <a:p>
-            <a:pPr lvl="1"/>
+              <a:t> object inside that function</a:t>
+            </a:r>
+          </a:p>
+          <a:p>
+            <a:pPr lvl="2"/>
             <a:r>
               <a:rPr lang="en-US" dirty="0">
-                <a:solidFill>
-                  <a:schemeClr val="tx1"/>
-                </a:solidFill>
+                <a:sym typeface="Wingdings" panose="05000000000000000000" pitchFamily="2" charset="2"/>
               </a:rPr>
-              <a:t>Diving Into Custom Providers</a:t>
-            </a:r>
-          </a:p>
-          <a:p>
-            <a:pPr lvl="1"/>
+              <a:t>Module: just like your module name</a:t>
+            </a:r>
+          </a:p>
+          <a:p>
+            <a:pPr lvl="2"/>
             <a:r>
               <a:rPr lang="en-US" dirty="0">
-                <a:solidFill>
-                  <a:schemeClr val="tx1"/>
-                </a:solidFill>
+                <a:sym typeface="Wingdings" panose="05000000000000000000" pitchFamily="2" charset="2"/>
               </a:rPr>
-              <a:t>Value based providers</a:t>
-            </a:r>
-          </a:p>
-          <a:p>
-            <a:pPr lvl="1"/>
-            <a:r>
-              <a:rPr lang="en-US" dirty="0">
-                <a:solidFill>
-                  <a:schemeClr val="tx1"/>
-                </a:solidFill>
-              </a:rPr>
-              <a:t>Non-class-based Provider Tokens</a:t>
-            </a:r>
-          </a:p>
-          <a:p>
-            <a:pPr lvl="1"/>
-            <a:r>
-              <a:rPr lang="en-US" dirty="0">
-                <a:solidFill>
-                  <a:schemeClr val="tx1"/>
-                </a:solidFill>
-              </a:rPr>
-              <a:t>Class Providers</a:t>
-            </a:r>
-          </a:p>
-          <a:p>
-            <a:pPr lvl="1"/>
-            <a:r>
-              <a:rPr lang="en-US" dirty="0">
-                <a:solidFill>
-                  <a:schemeClr val="tx1"/>
-                </a:solidFill>
-              </a:rPr>
-              <a:t>Factory Providers</a:t>
-            </a:r>
-          </a:p>
-          <a:p>
-            <a:pPr lvl="1"/>
-            <a:r>
-              <a:rPr lang="en-US" dirty="0">
-                <a:solidFill>
-                  <a:schemeClr val="tx1"/>
-                </a:solidFill>
-              </a:rPr>
-              <a:t>Leverage Async Providers</a:t>
-            </a:r>
-          </a:p>
-          <a:p>
-            <a:pPr lvl="1"/>
-            <a:r>
-              <a:rPr lang="en-US" dirty="0">
-                <a:solidFill>
-                  <a:schemeClr val="tx1"/>
-                </a:solidFill>
-              </a:rPr>
-              <a:t>Create a Dynamic Module</a:t>
-            </a:r>
-          </a:p>
-          <a:p>
-            <a:pPr lvl="1"/>
-            <a:r>
-              <a:rPr lang="en-US" dirty="0">
-                <a:solidFill>
-                  <a:schemeClr val="tx1"/>
-                </a:solidFill>
-              </a:rPr>
-              <a:t>Control Providers Scope</a:t>
-            </a:r>
-          </a:p>
-          <a:p>
-            <a:pPr lvl="1"/>
-            <a:r>
-              <a:rPr lang="en-US" dirty="0">
-                <a:solidFill>
-                  <a:schemeClr val="tx1"/>
-                </a:solidFill>
-              </a:rPr>
-              <a:t>Diving Deeper Into Request-Scoped providers</a:t>
-            </a:r>
+              <a:t>Providers: needed providers that you add them inside your static function</a:t>
+            </a:r>
+            <a:endParaRPr lang="fa-IR" dirty="0"/>
           </a:p>
         </p:txBody>
       </p:sp>
@@ -7094,7 +8201,7 @@
           <p:cNvPr id="4" name="Footer Placeholder 3">
             <a:extLst>
               <a:ext uri="{FF2B5EF4-FFF2-40B4-BE49-F238E27FC236}">
-                <a16:creationId xmlns:a16="http://schemas.microsoft.com/office/drawing/2014/main" id="{6833B603-1825-4773-97A5-1C15873A15DA}"/>
+                <a16:creationId xmlns:a16="http://schemas.microsoft.com/office/drawing/2014/main" id="{3613FF50-268B-484B-82F0-AB16C67F789B}"/>
               </a:ext>
             </a:extLst>
           </p:cNvPr>
@@ -7123,7 +8230,7 @@
           <p:cNvPr id="5" name="Slide Number Placeholder 4">
             <a:extLst>
               <a:ext uri="{FF2B5EF4-FFF2-40B4-BE49-F238E27FC236}">
-                <a16:creationId xmlns:a16="http://schemas.microsoft.com/office/drawing/2014/main" id="{B52110D6-86CC-499E-A118-3AE6E89925B5}"/>
+                <a16:creationId xmlns:a16="http://schemas.microsoft.com/office/drawing/2014/main" id="{61B3882C-482F-4779-A76B-93D3C15064E3}"/>
               </a:ext>
             </a:extLst>
           </p:cNvPr>
@@ -7141,7 +8248,7 @@
           <a:p>
             <a:fld id="{3A98EE3D-8CD1-4C3F-BD1C-C98C9596463C}" type="slidenum">
               <a:rPr lang="en-US" smtClean="0"/>
-              <a:t>2</a:t>
+              <a:t>11</a:t>
             </a:fld>
             <a:endParaRPr lang="en-US" dirty="0"/>
           </a:p>
@@ -7150,7 +8257,7 @@
     </p:spTree>
     <p:extLst>
       <p:ext uri="{BB962C8B-B14F-4D97-AF65-F5344CB8AC3E}">
-        <p14:creationId xmlns:p14="http://schemas.microsoft.com/office/powerpoint/2010/main" val="2687854352"/>
+        <p14:creationId xmlns:p14="http://schemas.microsoft.com/office/powerpoint/2010/main" val="2295156601"/>
       </p:ext>
     </p:extLst>
   </p:cSld>
@@ -7160,7 +8267,7 @@
 </p:sld>
 </file>
 
-<file path=ppt/slides/slide3.xml><?xml version="1.0" encoding="utf-8"?>
+<file path=ppt/slides/slide12.xml><?xml version="1.0" encoding="utf-8"?>
 <p:sld xmlns:a="http://schemas.openxmlformats.org/drawingml/2006/main" xmlns:r="http://schemas.openxmlformats.org/officeDocument/2006/relationships" xmlns:p="http://schemas.openxmlformats.org/presentationml/2006/main">
   <p:cSld>
     <p:spTree>
@@ -7182,7 +8289,7 @@
           <p:cNvPr id="2" name="Title 1">
             <a:extLst>
               <a:ext uri="{FF2B5EF4-FFF2-40B4-BE49-F238E27FC236}">
-                <a16:creationId xmlns:a16="http://schemas.microsoft.com/office/drawing/2014/main" id="{1166C510-B033-494B-B16E-BD538DC92259}"/>
+                <a16:creationId xmlns:a16="http://schemas.microsoft.com/office/drawing/2014/main" id="{615C4ACC-0187-4B99-A448-819B2F9DA6A9}"/>
               </a:ext>
             </a:extLst>
           </p:cNvPr>
@@ -7200,9 +8307,8 @@
           <a:p>
             <a:r>
               <a:rPr lang="en-US" dirty="0"/>
-              <a:t>Demo</a:t>
-            </a:r>
-            <a:endParaRPr lang="fa-IR" dirty="0"/>
+              <a:t>New requirement</a:t>
+            </a:r>
           </a:p>
         </p:txBody>
       </p:sp>
@@ -7211,7 +8317,7 @@
           <p:cNvPr id="3" name="Content Placeholder 2">
             <a:extLst>
               <a:ext uri="{FF2B5EF4-FFF2-40B4-BE49-F238E27FC236}">
-                <a16:creationId xmlns:a16="http://schemas.microsoft.com/office/drawing/2014/main" id="{05A45E6E-AB56-4CDE-972A-D26C53FCE8A8}"/>
+                <a16:creationId xmlns:a16="http://schemas.microsoft.com/office/drawing/2014/main" id="{30448F5A-5D08-47DD-8F1F-20E029964C25}"/>
               </a:ext>
             </a:extLst>
           </p:cNvPr>
@@ -7224,172 +8330,13 @@
         </p:nvSpPr>
         <p:spPr/>
         <p:txBody>
-          <a:bodyPr>
-            <a:normAutofit fontScale="92500" lnSpcReduction="10000"/>
-          </a:bodyPr>
+          <a:bodyPr/>
           <a:lstStyle/>
           <a:p>
             <a:r>
               <a:rPr lang="en-US" dirty="0"/>
-              <a:t>Migration</a:t>
-            </a:r>
-          </a:p>
-          <a:p>
-            <a:pPr lvl="1"/>
-            <a:r>
-              <a:rPr lang="en-US" dirty="0"/>
-              <a:t>Create ormconfig.js for TypeORM cli config</a:t>
-            </a:r>
-          </a:p>
-          <a:p>
-            <a:pPr lvl="1"/>
-            <a:r>
-              <a:rPr lang="en-US" dirty="0"/>
-              <a:t>Create migration manually:</a:t>
-            </a:r>
-          </a:p>
-          <a:p>
-            <a:pPr lvl="2"/>
-            <a:r>
-              <a:rPr lang="en-US" dirty="0" err="1"/>
-              <a:t>npx</a:t>
-            </a:r>
-            <a:r>
-              <a:rPr lang="en-US" dirty="0"/>
-              <a:t> </a:t>
-            </a:r>
-            <a:r>
-              <a:rPr lang="en-US" dirty="0" err="1"/>
-              <a:t>typeorm</a:t>
-            </a:r>
-            <a:r>
-              <a:rPr lang="en-US" dirty="0"/>
-              <a:t> </a:t>
-            </a:r>
-            <a:r>
-              <a:rPr lang="en-US" dirty="0" err="1"/>
-              <a:t>migration:create</a:t>
-            </a:r>
-            <a:r>
-              <a:rPr lang="en-US" dirty="0"/>
-              <a:t> &lt;your-change-script-name&gt;</a:t>
-            </a:r>
-          </a:p>
-          <a:p>
-            <a:pPr lvl="1"/>
-            <a:r>
-              <a:rPr lang="en-US" dirty="0"/>
-              <a:t>Run migration:</a:t>
-            </a:r>
-          </a:p>
-          <a:p>
-            <a:pPr lvl="2"/>
-            <a:r>
-              <a:rPr lang="en-US" dirty="0" err="1"/>
-              <a:t>npx</a:t>
-            </a:r>
-            <a:r>
-              <a:rPr lang="en-US" dirty="0"/>
-              <a:t> </a:t>
-            </a:r>
-            <a:r>
-              <a:rPr lang="en-US" dirty="0" err="1"/>
-              <a:t>typeorm</a:t>
-            </a:r>
-            <a:r>
-              <a:rPr lang="en-US" dirty="0"/>
-              <a:t> </a:t>
-            </a:r>
-            <a:r>
-              <a:rPr lang="en-US" dirty="0" err="1"/>
-              <a:t>migration:run</a:t>
-            </a:r>
-            <a:endParaRPr lang="en-US" dirty="0"/>
-          </a:p>
-          <a:p>
-            <a:pPr lvl="1"/>
-            <a:r>
-              <a:rPr lang="en-US" dirty="0" err="1"/>
-              <a:t>Revet</a:t>
-            </a:r>
-            <a:r>
-              <a:rPr lang="en-US" dirty="0"/>
-              <a:t> migration:</a:t>
-            </a:r>
-          </a:p>
-          <a:p>
-            <a:pPr lvl="2"/>
-            <a:r>
-              <a:rPr lang="en-US" dirty="0" err="1"/>
-              <a:t>npx</a:t>
-            </a:r>
-            <a:r>
-              <a:rPr lang="en-US" dirty="0"/>
-              <a:t> </a:t>
-            </a:r>
-            <a:r>
-              <a:rPr lang="en-US" dirty="0" err="1"/>
-              <a:t>typeorm</a:t>
-            </a:r>
-            <a:r>
-              <a:rPr lang="en-US" dirty="0"/>
-              <a:t> </a:t>
-            </a:r>
-            <a:r>
-              <a:rPr lang="en-US" dirty="0" err="1"/>
-              <a:t>migration:revert</a:t>
-            </a:r>
-            <a:endParaRPr lang="en-US" dirty="0"/>
-          </a:p>
-          <a:p>
-            <a:pPr lvl="1"/>
-            <a:r>
-              <a:rPr lang="en-US" dirty="0"/>
-              <a:t>Create migration automatically:</a:t>
-            </a:r>
-          </a:p>
-          <a:p>
-            <a:pPr lvl="2"/>
-            <a:r>
-              <a:rPr lang="en-US" dirty="0" err="1"/>
-              <a:t>npx</a:t>
-            </a:r>
-            <a:r>
-              <a:rPr lang="en-US" dirty="0"/>
-              <a:t> </a:t>
-            </a:r>
-            <a:r>
-              <a:rPr lang="en-US" dirty="0" err="1"/>
-              <a:t>typeorm</a:t>
-            </a:r>
-            <a:r>
-              <a:rPr lang="en-US" dirty="0"/>
-              <a:t> </a:t>
-            </a:r>
-            <a:r>
-              <a:rPr lang="en-US" dirty="0" err="1"/>
-              <a:t>migration:generate</a:t>
-            </a:r>
-            <a:r>
-              <a:rPr lang="en-US" dirty="0"/>
-              <a:t> &lt;your-migration-script-name&gt;</a:t>
-            </a:r>
-          </a:p>
-          <a:p>
-            <a:pPr lvl="2"/>
-            <a:r>
-              <a:rPr lang="en-US" dirty="0"/>
-              <a:t>It will compare your entities with the desired </a:t>
-            </a:r>
-            <a:r>
-              <a:rPr lang="en-US" dirty="0" err="1"/>
-              <a:t>db</a:t>
-            </a:r>
-            <a:r>
-              <a:rPr lang="en-US" dirty="0"/>
-              <a:t>, and create up and down query respectively</a:t>
-            </a:r>
-            <a:endParaRPr lang="fa-IR" dirty="0"/>
+              <a:t>Dev requirement: we need a logger service</a:t>
+            </a:r>
           </a:p>
         </p:txBody>
       </p:sp>
@@ -7398,7 +8345,7 @@
           <p:cNvPr id="4" name="Footer Placeholder 3">
             <a:extLst>
               <a:ext uri="{FF2B5EF4-FFF2-40B4-BE49-F238E27FC236}">
-                <a16:creationId xmlns:a16="http://schemas.microsoft.com/office/drawing/2014/main" id="{2BF79B38-4F58-4C1C-AA70-200F3B12CA85}"/>
+                <a16:creationId xmlns:a16="http://schemas.microsoft.com/office/drawing/2014/main" id="{213C8B56-3E14-4749-B365-EDFD2EB3620C}"/>
               </a:ext>
             </a:extLst>
           </p:cNvPr>
@@ -7427,7 +8374,7 @@
           <p:cNvPr id="5" name="Slide Number Placeholder 4">
             <a:extLst>
               <a:ext uri="{FF2B5EF4-FFF2-40B4-BE49-F238E27FC236}">
-                <a16:creationId xmlns:a16="http://schemas.microsoft.com/office/drawing/2014/main" id="{94441986-BB67-4F4B-8BCB-2773ED2F1505}"/>
+                <a16:creationId xmlns:a16="http://schemas.microsoft.com/office/drawing/2014/main" id="{5F341EA8-194F-466F-8B82-11602EAB855E}"/>
               </a:ext>
             </a:extLst>
           </p:cNvPr>
@@ -7445,7 +8392,7 @@
           <a:p>
             <a:fld id="{3A98EE3D-8CD1-4C3F-BD1C-C98C9596463C}" type="slidenum">
               <a:rPr lang="en-US" smtClean="0"/>
-              <a:t>3</a:t>
+              <a:t>12</a:t>
             </a:fld>
             <a:endParaRPr lang="en-US" dirty="0"/>
           </a:p>
@@ -7454,7 +8401,7 @@
     </p:spTree>
     <p:extLst>
       <p:ext uri="{BB962C8B-B14F-4D97-AF65-F5344CB8AC3E}">
-        <p14:creationId xmlns:p14="http://schemas.microsoft.com/office/powerpoint/2010/main" val="315047108"/>
+        <p14:creationId xmlns:p14="http://schemas.microsoft.com/office/powerpoint/2010/main" val="2059607593"/>
       </p:ext>
     </p:extLst>
   </p:cSld>
@@ -7464,7 +8411,7 @@
 </p:sld>
 </file>
 
-<file path=ppt/slides/slide4.xml><?xml version="1.0" encoding="utf-8"?>
+<file path=ppt/slides/slide13.xml><?xml version="1.0" encoding="utf-8"?>
 <p:sld xmlns:a="http://schemas.openxmlformats.org/drawingml/2006/main" xmlns:r="http://schemas.openxmlformats.org/officeDocument/2006/relationships" xmlns:p="http://schemas.openxmlformats.org/presentationml/2006/main">
   <p:cSld>
     <p:spTree>
@@ -7486,807 +8433,6 @@
           <p:cNvPr id="2" name="Title 1">
             <a:extLst>
               <a:ext uri="{FF2B5EF4-FFF2-40B4-BE49-F238E27FC236}">
-                <a16:creationId xmlns:a16="http://schemas.microsoft.com/office/drawing/2014/main" id="{38EA1FFA-EA7D-4562-8574-9B6A883A6F60}"/>
-              </a:ext>
-            </a:extLst>
-          </p:cNvPr>
-          <p:cNvSpPr>
-            <a:spLocks noGrp="1"/>
-          </p:cNvSpPr>
-          <p:nvPr>
-            <p:ph type="title"/>
-          </p:nvPr>
-        </p:nvSpPr>
-        <p:spPr/>
-        <p:txBody>
-          <a:bodyPr/>
-          <a:lstStyle/>
-          <a:p>
-            <a:r>
-              <a:rPr lang="en-US" dirty="0"/>
-              <a:t>Demo</a:t>
-            </a:r>
-            <a:endParaRPr lang="fa-IR" dirty="0"/>
-          </a:p>
-        </p:txBody>
-      </p:sp>
-      <p:sp>
-        <p:nvSpPr>
-          <p:cNvPr id="3" name="Content Placeholder 2">
-            <a:extLst>
-              <a:ext uri="{FF2B5EF4-FFF2-40B4-BE49-F238E27FC236}">
-                <a16:creationId xmlns:a16="http://schemas.microsoft.com/office/drawing/2014/main" id="{71E388D6-3933-4957-A70B-608A72C2F12B}"/>
-              </a:ext>
-            </a:extLst>
-          </p:cNvPr>
-          <p:cNvSpPr>
-            <a:spLocks noGrp="1"/>
-          </p:cNvSpPr>
-          <p:nvPr>
-            <p:ph idx="1"/>
-          </p:nvPr>
-        </p:nvSpPr>
-        <p:spPr/>
-        <p:txBody>
-          <a:bodyPr/>
-          <a:lstStyle/>
-          <a:p>
-            <a:r>
-              <a:rPr lang="en-US" dirty="0"/>
-              <a:t>What does exports do in module?</a:t>
-            </a:r>
-          </a:p>
-          <a:p>
-            <a:pPr lvl="1"/>
-            <a:r>
-              <a:rPr lang="en-US" dirty="0"/>
-              <a:t>It will give you full control on your module about what is public and what is not?</a:t>
-            </a:r>
-          </a:p>
-          <a:p>
-            <a:pPr lvl="1"/>
-            <a:r>
-              <a:rPr lang="en-US" dirty="0"/>
-              <a:t>Nest.js encapsulate its providers in a module and they cannot be used by other modules,</a:t>
-            </a:r>
-          </a:p>
-          <a:p>
-            <a:pPr lvl="2"/>
-            <a:r>
-              <a:rPr lang="en-US" dirty="0"/>
-              <a:t>If you want to use a provider inside another module you have to explicitly declare it inside the exports array</a:t>
-            </a:r>
-          </a:p>
-          <a:p>
-            <a:pPr lvl="1"/>
-            <a:r>
-              <a:rPr lang="en-US" dirty="0"/>
-              <a:t>Let’s Create another module and use its service inside other modules</a:t>
-            </a:r>
-          </a:p>
-        </p:txBody>
-      </p:sp>
-      <p:sp>
-        <p:nvSpPr>
-          <p:cNvPr id="4" name="Footer Placeholder 3">
-            <a:extLst>
-              <a:ext uri="{FF2B5EF4-FFF2-40B4-BE49-F238E27FC236}">
-                <a16:creationId xmlns:a16="http://schemas.microsoft.com/office/drawing/2014/main" id="{6E3C3697-AE69-4C71-A244-5F5A0C7FEE94}"/>
-              </a:ext>
-            </a:extLst>
-          </p:cNvPr>
-          <p:cNvSpPr>
-            <a:spLocks noGrp="1"/>
-          </p:cNvSpPr>
-          <p:nvPr>
-            <p:ph type="ftr" sz="quarter" idx="11"/>
-          </p:nvPr>
-        </p:nvSpPr>
-        <p:spPr/>
-        <p:txBody>
-          <a:bodyPr/>
-          <a:lstStyle/>
-          <a:p>
-            <a:r>
-              <a:rPr lang="en-US"/>
-              <a:t>Nodejs Basics</a:t>
-            </a:r>
-            <a:endParaRPr lang="en-US" dirty="0"/>
-          </a:p>
-        </p:txBody>
-      </p:sp>
-      <p:sp>
-        <p:nvSpPr>
-          <p:cNvPr id="5" name="Slide Number Placeholder 4">
-            <a:extLst>
-              <a:ext uri="{FF2B5EF4-FFF2-40B4-BE49-F238E27FC236}">
-                <a16:creationId xmlns:a16="http://schemas.microsoft.com/office/drawing/2014/main" id="{9DA2EA44-0517-44BE-B5A9-79399B96E525}"/>
-              </a:ext>
-            </a:extLst>
-          </p:cNvPr>
-          <p:cNvSpPr>
-            <a:spLocks noGrp="1"/>
-          </p:cNvSpPr>
-          <p:nvPr>
-            <p:ph type="sldNum" sz="quarter" idx="12"/>
-          </p:nvPr>
-        </p:nvSpPr>
-        <p:spPr/>
-        <p:txBody>
-          <a:bodyPr/>
-          <a:lstStyle/>
-          <a:p>
-            <a:fld id="{3A98EE3D-8CD1-4C3F-BD1C-C98C9596463C}" type="slidenum">
-              <a:rPr lang="en-US" smtClean="0"/>
-              <a:t>4</a:t>
-            </a:fld>
-            <a:endParaRPr lang="en-US" dirty="0"/>
-          </a:p>
-        </p:txBody>
-      </p:sp>
-    </p:spTree>
-    <p:extLst>
-      <p:ext uri="{BB962C8B-B14F-4D97-AF65-F5344CB8AC3E}">
-        <p14:creationId xmlns:p14="http://schemas.microsoft.com/office/powerpoint/2010/main" val="1925803305"/>
-      </p:ext>
-    </p:extLst>
-  </p:cSld>
-  <p:clrMapOvr>
-    <a:masterClrMapping/>
-  </p:clrMapOvr>
-</p:sld>
-</file>
-
-<file path=ppt/slides/slide5.xml><?xml version="1.0" encoding="utf-8"?>
-<p:sld xmlns:a="http://schemas.openxmlformats.org/drawingml/2006/main" xmlns:r="http://schemas.openxmlformats.org/officeDocument/2006/relationships" xmlns:p="http://schemas.openxmlformats.org/presentationml/2006/main">
-  <p:cSld>
-    <p:spTree>
-      <p:nvGrpSpPr>
-        <p:cNvPr id="1" name=""/>
-        <p:cNvGrpSpPr/>
-        <p:nvPr/>
-      </p:nvGrpSpPr>
-      <p:grpSpPr>
-        <a:xfrm>
-          <a:off x="0" y="0"/>
-          <a:ext cx="0" cy="0"/>
-          <a:chOff x="0" y="0"/>
-          <a:chExt cx="0" cy="0"/>
-        </a:xfrm>
-      </p:grpSpPr>
-      <p:sp>
-        <p:nvSpPr>
-          <p:cNvPr id="2" name="Title 1">
-            <a:extLst>
-              <a:ext uri="{FF2B5EF4-FFF2-40B4-BE49-F238E27FC236}">
-                <a16:creationId xmlns:a16="http://schemas.microsoft.com/office/drawing/2014/main" id="{082886C4-D1D7-459F-9219-86C8878FF60C}"/>
-              </a:ext>
-            </a:extLst>
-          </p:cNvPr>
-          <p:cNvSpPr>
-            <a:spLocks noGrp="1"/>
-          </p:cNvSpPr>
-          <p:nvPr>
-            <p:ph type="title"/>
-          </p:nvPr>
-        </p:nvSpPr>
-        <p:spPr/>
-        <p:txBody>
-          <a:bodyPr/>
-          <a:lstStyle/>
-          <a:p>
-            <a:r>
-              <a:rPr lang="en-US" dirty="0"/>
-              <a:t>Demo</a:t>
-            </a:r>
-            <a:endParaRPr lang="fa-IR" dirty="0"/>
-          </a:p>
-        </p:txBody>
-      </p:sp>
-      <p:sp>
-        <p:nvSpPr>
-          <p:cNvPr id="3" name="Content Placeholder 2">
-            <a:extLst>
-              <a:ext uri="{FF2B5EF4-FFF2-40B4-BE49-F238E27FC236}">
-                <a16:creationId xmlns:a16="http://schemas.microsoft.com/office/drawing/2014/main" id="{DAC3AA9B-7961-4E3A-A823-5C48AAEFB475}"/>
-              </a:ext>
-            </a:extLst>
-          </p:cNvPr>
-          <p:cNvSpPr>
-            <a:spLocks noGrp="1"/>
-          </p:cNvSpPr>
-          <p:nvPr>
-            <p:ph idx="1"/>
-          </p:nvPr>
-        </p:nvSpPr>
-        <p:spPr/>
-        <p:txBody>
-          <a:bodyPr/>
-          <a:lstStyle/>
-          <a:p>
-            <a:r>
-              <a:rPr lang="en-US" dirty="0"/>
-              <a:t>Custom providers</a:t>
-            </a:r>
-          </a:p>
-          <a:p>
-            <a:pPr lvl="1"/>
-            <a:r>
-              <a:rPr lang="en-US" dirty="0"/>
-              <a:t>Use other types (constants, symbols) as token in providers</a:t>
-            </a:r>
-          </a:p>
-          <a:p>
-            <a:pPr lvl="1"/>
-            <a:r>
-              <a:rPr lang="en-US" dirty="0"/>
-              <a:t>Ways to provide token:</a:t>
-            </a:r>
-          </a:p>
-          <a:p>
-            <a:pPr lvl="2"/>
-            <a:r>
-              <a:rPr lang="en-US" dirty="0" err="1"/>
-              <a:t>useClass</a:t>
-            </a:r>
-            <a:endParaRPr lang="en-US" dirty="0"/>
-          </a:p>
-          <a:p>
-            <a:pPr lvl="2"/>
-            <a:r>
-              <a:rPr lang="en-US" dirty="0" err="1"/>
-              <a:t>useValue</a:t>
-            </a:r>
-            <a:endParaRPr lang="en-US" dirty="0"/>
-          </a:p>
-          <a:p>
-            <a:pPr lvl="2"/>
-            <a:r>
-              <a:rPr lang="en-US" dirty="0" err="1"/>
-              <a:t>useExisting</a:t>
-            </a:r>
-            <a:endParaRPr lang="en-US" dirty="0"/>
-          </a:p>
-          <a:p>
-            <a:pPr lvl="2"/>
-            <a:r>
-              <a:rPr lang="en-US" dirty="0" err="1"/>
-              <a:t>useFactory</a:t>
-            </a:r>
-            <a:endParaRPr lang="en-US" dirty="0"/>
-          </a:p>
-          <a:p>
-            <a:pPr lvl="3"/>
-            <a:r>
-              <a:rPr lang="en-US" dirty="0"/>
-              <a:t>CREATE PROVIDERS DYNAMICALLY</a:t>
-            </a:r>
-          </a:p>
-          <a:p>
-            <a:pPr lvl="3"/>
-            <a:r>
-              <a:rPr lang="en-US" dirty="0"/>
-              <a:t>Can be extremely useful if you need to base the provider’s value on various other dependencies’ values, …</a:t>
-            </a:r>
-          </a:p>
-          <a:p>
-            <a:pPr lvl="3"/>
-            <a:r>
-              <a:rPr lang="en-US" dirty="0">
-                <a:solidFill>
-                  <a:srgbClr val="FF0000"/>
-                </a:solidFill>
-              </a:rPr>
-              <a:t>Factory function can able to inject other providers</a:t>
-            </a:r>
-          </a:p>
-          <a:p>
-            <a:pPr lvl="1"/>
-            <a:endParaRPr lang="fa-IR" dirty="0"/>
-          </a:p>
-        </p:txBody>
-      </p:sp>
-      <p:sp>
-        <p:nvSpPr>
-          <p:cNvPr id="4" name="Footer Placeholder 3">
-            <a:extLst>
-              <a:ext uri="{FF2B5EF4-FFF2-40B4-BE49-F238E27FC236}">
-                <a16:creationId xmlns:a16="http://schemas.microsoft.com/office/drawing/2014/main" id="{60F76881-34C4-4032-B9D0-D2145FAD1C6B}"/>
-              </a:ext>
-            </a:extLst>
-          </p:cNvPr>
-          <p:cNvSpPr>
-            <a:spLocks noGrp="1"/>
-          </p:cNvSpPr>
-          <p:nvPr>
-            <p:ph type="ftr" sz="quarter" idx="11"/>
-          </p:nvPr>
-        </p:nvSpPr>
-        <p:spPr/>
-        <p:txBody>
-          <a:bodyPr/>
-          <a:lstStyle/>
-          <a:p>
-            <a:r>
-              <a:rPr lang="en-US"/>
-              <a:t>Nodejs Basics</a:t>
-            </a:r>
-            <a:endParaRPr lang="en-US" dirty="0"/>
-          </a:p>
-        </p:txBody>
-      </p:sp>
-      <p:sp>
-        <p:nvSpPr>
-          <p:cNvPr id="5" name="Slide Number Placeholder 4">
-            <a:extLst>
-              <a:ext uri="{FF2B5EF4-FFF2-40B4-BE49-F238E27FC236}">
-                <a16:creationId xmlns:a16="http://schemas.microsoft.com/office/drawing/2014/main" id="{103493CC-1BEC-4389-BB83-B1A7FBF182C9}"/>
-              </a:ext>
-            </a:extLst>
-          </p:cNvPr>
-          <p:cNvSpPr>
-            <a:spLocks noGrp="1"/>
-          </p:cNvSpPr>
-          <p:nvPr>
-            <p:ph type="sldNum" sz="quarter" idx="12"/>
-          </p:nvPr>
-        </p:nvSpPr>
-        <p:spPr/>
-        <p:txBody>
-          <a:bodyPr/>
-          <a:lstStyle/>
-          <a:p>
-            <a:fld id="{3A98EE3D-8CD1-4C3F-BD1C-C98C9596463C}" type="slidenum">
-              <a:rPr lang="en-US" smtClean="0"/>
-              <a:t>5</a:t>
-            </a:fld>
-            <a:endParaRPr lang="en-US" dirty="0"/>
-          </a:p>
-        </p:txBody>
-      </p:sp>
-    </p:spTree>
-    <p:extLst>
-      <p:ext uri="{BB962C8B-B14F-4D97-AF65-F5344CB8AC3E}">
-        <p14:creationId xmlns:p14="http://schemas.microsoft.com/office/powerpoint/2010/main" val="4166969883"/>
-      </p:ext>
-    </p:extLst>
-  </p:cSld>
-  <p:clrMapOvr>
-    <a:masterClrMapping/>
-  </p:clrMapOvr>
-</p:sld>
-</file>
-
-<file path=ppt/slides/slide6.xml><?xml version="1.0" encoding="utf-8"?>
-<p:sld xmlns:a="http://schemas.openxmlformats.org/drawingml/2006/main" xmlns:r="http://schemas.openxmlformats.org/officeDocument/2006/relationships" xmlns:p="http://schemas.openxmlformats.org/presentationml/2006/main">
-  <p:cSld>
-    <p:spTree>
-      <p:nvGrpSpPr>
-        <p:cNvPr id="1" name=""/>
-        <p:cNvGrpSpPr/>
-        <p:nvPr/>
-      </p:nvGrpSpPr>
-      <p:grpSpPr>
-        <a:xfrm>
-          <a:off x="0" y="0"/>
-          <a:ext cx="0" cy="0"/>
-          <a:chOff x="0" y="0"/>
-          <a:chExt cx="0" cy="0"/>
-        </a:xfrm>
-      </p:grpSpPr>
-      <p:sp>
-        <p:nvSpPr>
-          <p:cNvPr id="2" name="Title 1">
-            <a:extLst>
-              <a:ext uri="{FF2B5EF4-FFF2-40B4-BE49-F238E27FC236}">
-                <a16:creationId xmlns:a16="http://schemas.microsoft.com/office/drawing/2014/main" id="{A3D63792-C8A6-464D-89C4-BA8925A07898}"/>
-              </a:ext>
-            </a:extLst>
-          </p:cNvPr>
-          <p:cNvSpPr>
-            <a:spLocks noGrp="1"/>
-          </p:cNvSpPr>
-          <p:nvPr>
-            <p:ph type="title"/>
-          </p:nvPr>
-        </p:nvSpPr>
-        <p:spPr/>
-        <p:txBody>
-          <a:bodyPr/>
-          <a:lstStyle/>
-          <a:p>
-            <a:r>
-              <a:rPr lang="en-US" dirty="0"/>
-              <a:t>Demo</a:t>
-            </a:r>
-            <a:endParaRPr lang="fa-IR" dirty="0"/>
-          </a:p>
-        </p:txBody>
-      </p:sp>
-      <p:sp>
-        <p:nvSpPr>
-          <p:cNvPr id="3" name="Content Placeholder 2">
-            <a:extLst>
-              <a:ext uri="{FF2B5EF4-FFF2-40B4-BE49-F238E27FC236}">
-                <a16:creationId xmlns:a16="http://schemas.microsoft.com/office/drawing/2014/main" id="{2E3009AA-A434-414D-87AC-C84EE1D89BCE}"/>
-              </a:ext>
-            </a:extLst>
-          </p:cNvPr>
-          <p:cNvSpPr>
-            <a:spLocks noGrp="1"/>
-          </p:cNvSpPr>
-          <p:nvPr>
-            <p:ph idx="1"/>
-          </p:nvPr>
-        </p:nvSpPr>
-        <p:spPr/>
-        <p:txBody>
-          <a:bodyPr/>
-          <a:lstStyle/>
-          <a:p>
-            <a:r>
-              <a:rPr lang="en-US" dirty="0"/>
-              <a:t>Async providers</a:t>
-            </a:r>
-          </a:p>
-          <a:p>
-            <a:pPr lvl="1"/>
-            <a:r>
-              <a:rPr lang="en-US" dirty="0"/>
-              <a:t>Suppose your dependency has to be created through some sort API (like database)</a:t>
-            </a:r>
-          </a:p>
-          <a:p>
-            <a:pPr lvl="1"/>
-            <a:r>
-              <a:rPr lang="en-US" dirty="0"/>
-              <a:t>Your bootstrapping process will not going further until this dependency is met.</a:t>
-            </a:r>
-          </a:p>
-          <a:p>
-            <a:pPr lvl="1"/>
-            <a:r>
-              <a:rPr lang="en-US" dirty="0"/>
-              <a:t>Employ </a:t>
-            </a:r>
-            <a:r>
-              <a:rPr lang="en-US" dirty="0" err="1"/>
-              <a:t>useFactory</a:t>
-            </a:r>
-            <a:r>
-              <a:rPr lang="en-US" dirty="0"/>
-              <a:t> with async callback</a:t>
-            </a:r>
-            <a:endParaRPr lang="fa-IR" dirty="0"/>
-          </a:p>
-        </p:txBody>
-      </p:sp>
-      <p:sp>
-        <p:nvSpPr>
-          <p:cNvPr id="4" name="Footer Placeholder 3">
-            <a:extLst>
-              <a:ext uri="{FF2B5EF4-FFF2-40B4-BE49-F238E27FC236}">
-                <a16:creationId xmlns:a16="http://schemas.microsoft.com/office/drawing/2014/main" id="{A94DB6E9-DCE4-4E54-AAA3-2A7AD7F25A58}"/>
-              </a:ext>
-            </a:extLst>
-          </p:cNvPr>
-          <p:cNvSpPr>
-            <a:spLocks noGrp="1"/>
-          </p:cNvSpPr>
-          <p:nvPr>
-            <p:ph type="ftr" sz="quarter" idx="11"/>
-          </p:nvPr>
-        </p:nvSpPr>
-        <p:spPr/>
-        <p:txBody>
-          <a:bodyPr/>
-          <a:lstStyle/>
-          <a:p>
-            <a:r>
-              <a:rPr lang="en-US"/>
-              <a:t>Nodejs Basics</a:t>
-            </a:r>
-            <a:endParaRPr lang="en-US" dirty="0"/>
-          </a:p>
-        </p:txBody>
-      </p:sp>
-      <p:sp>
-        <p:nvSpPr>
-          <p:cNvPr id="5" name="Slide Number Placeholder 4">
-            <a:extLst>
-              <a:ext uri="{FF2B5EF4-FFF2-40B4-BE49-F238E27FC236}">
-                <a16:creationId xmlns:a16="http://schemas.microsoft.com/office/drawing/2014/main" id="{CC92224A-D25D-45F5-AA0C-7E42F02B5DBD}"/>
-              </a:ext>
-            </a:extLst>
-          </p:cNvPr>
-          <p:cNvSpPr>
-            <a:spLocks noGrp="1"/>
-          </p:cNvSpPr>
-          <p:nvPr>
-            <p:ph type="sldNum" sz="quarter" idx="12"/>
-          </p:nvPr>
-        </p:nvSpPr>
-        <p:spPr/>
-        <p:txBody>
-          <a:bodyPr/>
-          <a:lstStyle/>
-          <a:p>
-            <a:fld id="{3A98EE3D-8CD1-4C3F-BD1C-C98C9596463C}" type="slidenum">
-              <a:rPr lang="en-US" smtClean="0"/>
-              <a:t>6</a:t>
-            </a:fld>
-            <a:endParaRPr lang="en-US" dirty="0"/>
-          </a:p>
-        </p:txBody>
-      </p:sp>
-    </p:spTree>
-    <p:extLst>
-      <p:ext uri="{BB962C8B-B14F-4D97-AF65-F5344CB8AC3E}">
-        <p14:creationId xmlns:p14="http://schemas.microsoft.com/office/powerpoint/2010/main" val="1193388860"/>
-      </p:ext>
-    </p:extLst>
-  </p:cSld>
-  <p:clrMapOvr>
-    <a:masterClrMapping/>
-  </p:clrMapOvr>
-</p:sld>
-</file>
-
-<file path=ppt/slides/slide7.xml><?xml version="1.0" encoding="utf-8"?>
-<p:sld xmlns:a="http://schemas.openxmlformats.org/drawingml/2006/main" xmlns:r="http://schemas.openxmlformats.org/officeDocument/2006/relationships" xmlns:p="http://schemas.openxmlformats.org/presentationml/2006/main">
-  <p:cSld>
-    <p:spTree>
-      <p:nvGrpSpPr>
-        <p:cNvPr id="1" name=""/>
-        <p:cNvGrpSpPr/>
-        <p:nvPr/>
-      </p:nvGrpSpPr>
-      <p:grpSpPr>
-        <a:xfrm>
-          <a:off x="0" y="0"/>
-          <a:ext cx="0" cy="0"/>
-          <a:chOff x="0" y="0"/>
-          <a:chExt cx="0" cy="0"/>
-        </a:xfrm>
-      </p:grpSpPr>
-      <p:sp>
-        <p:nvSpPr>
-          <p:cNvPr id="2" name="Title 1">
-            <a:extLst>
-              <a:ext uri="{FF2B5EF4-FFF2-40B4-BE49-F238E27FC236}">
-                <a16:creationId xmlns:a16="http://schemas.microsoft.com/office/drawing/2014/main" id="{2ED9F42B-DD57-44A9-A024-B5A21971513F}"/>
-              </a:ext>
-            </a:extLst>
-          </p:cNvPr>
-          <p:cNvSpPr>
-            <a:spLocks noGrp="1"/>
-          </p:cNvSpPr>
-          <p:nvPr>
-            <p:ph type="title"/>
-          </p:nvPr>
-        </p:nvSpPr>
-        <p:spPr/>
-        <p:txBody>
-          <a:bodyPr/>
-          <a:lstStyle/>
-          <a:p>
-            <a:r>
-              <a:rPr lang="en-US" dirty="0"/>
-              <a:t>Demo</a:t>
-            </a:r>
-            <a:endParaRPr lang="fa-IR" dirty="0"/>
-          </a:p>
-        </p:txBody>
-      </p:sp>
-      <p:sp>
-        <p:nvSpPr>
-          <p:cNvPr id="3" name="Content Placeholder 2">
-            <a:extLst>
-              <a:ext uri="{FF2B5EF4-FFF2-40B4-BE49-F238E27FC236}">
-                <a16:creationId xmlns:a16="http://schemas.microsoft.com/office/drawing/2014/main" id="{276175C7-A8EE-437B-8B8B-9E55BB637E06}"/>
-              </a:ext>
-            </a:extLst>
-          </p:cNvPr>
-          <p:cNvSpPr>
-            <a:spLocks noGrp="1"/>
-          </p:cNvSpPr>
-          <p:nvPr>
-            <p:ph idx="1"/>
-          </p:nvPr>
-        </p:nvSpPr>
-        <p:spPr/>
-        <p:txBody>
-          <a:bodyPr/>
-          <a:lstStyle/>
-          <a:p>
-            <a:r>
-              <a:rPr lang="en-US" dirty="0"/>
-              <a:t>Dynamic module</a:t>
-            </a:r>
-          </a:p>
-          <a:p>
-            <a:pPr lvl="1"/>
-            <a:r>
-              <a:rPr lang="en-US" dirty="0"/>
-              <a:t>Static modules can’t have their providers be configured by a module that consuming it.</a:t>
-            </a:r>
-          </a:p>
-          <a:p>
-            <a:pPr lvl="1"/>
-            <a:r>
-              <a:rPr lang="en-US" dirty="0"/>
-              <a:t>Why does that matter?</a:t>
-            </a:r>
-          </a:p>
-          <a:p>
-            <a:pPr lvl="2"/>
-            <a:r>
-              <a:rPr lang="en-US" dirty="0"/>
-              <a:t>For general purpose modules </a:t>
-            </a:r>
-            <a:r>
-              <a:rPr lang="en-US" dirty="0">
-                <a:sym typeface="Wingdings" panose="05000000000000000000" pitchFamily="2" charset="2"/>
-              </a:rPr>
-              <a:t>, that needs to behave differently in different circumstances</a:t>
-            </a:r>
-          </a:p>
-          <a:p>
-            <a:pPr lvl="1"/>
-            <a:r>
-              <a:rPr lang="en-US" dirty="0">
-                <a:sym typeface="Wingdings" panose="05000000000000000000" pitchFamily="2" charset="2"/>
-              </a:rPr>
-              <a:t>Use static method with some names like: register, </a:t>
-            </a:r>
-            <a:r>
-              <a:rPr lang="en-US" dirty="0" err="1">
-                <a:sym typeface="Wingdings" panose="05000000000000000000" pitchFamily="2" charset="2"/>
-              </a:rPr>
-              <a:t>forRoot</a:t>
-            </a:r>
-            <a:r>
-              <a:rPr lang="en-US" dirty="0">
-                <a:sym typeface="Wingdings" panose="05000000000000000000" pitchFamily="2" charset="2"/>
-              </a:rPr>
-              <a:t>, …</a:t>
-            </a:r>
-          </a:p>
-          <a:p>
-            <a:pPr lvl="1"/>
-            <a:r>
-              <a:rPr lang="en-US" dirty="0">
-                <a:sym typeface="Wingdings" panose="05000000000000000000" pitchFamily="2" charset="2"/>
-              </a:rPr>
-              <a:t>Return a </a:t>
-            </a:r>
-            <a:r>
-              <a:rPr lang="en-US" dirty="0" err="1">
-                <a:sym typeface="Wingdings" panose="05000000000000000000" pitchFamily="2" charset="2"/>
-              </a:rPr>
-              <a:t>DynamicModule</a:t>
-            </a:r>
-            <a:r>
-              <a:rPr lang="en-US" dirty="0">
-                <a:sym typeface="Wingdings" panose="05000000000000000000" pitchFamily="2" charset="2"/>
-              </a:rPr>
-              <a:t> object inside that function</a:t>
-            </a:r>
-          </a:p>
-          <a:p>
-            <a:pPr lvl="2"/>
-            <a:r>
-              <a:rPr lang="en-US" dirty="0">
-                <a:sym typeface="Wingdings" panose="05000000000000000000" pitchFamily="2" charset="2"/>
-              </a:rPr>
-              <a:t>Module: just like your module name</a:t>
-            </a:r>
-          </a:p>
-          <a:p>
-            <a:pPr lvl="2"/>
-            <a:r>
-              <a:rPr lang="en-US" dirty="0">
-                <a:sym typeface="Wingdings" panose="05000000000000000000" pitchFamily="2" charset="2"/>
-              </a:rPr>
-              <a:t>Providers: needed providers that you add them inside your static function</a:t>
-            </a:r>
-            <a:endParaRPr lang="fa-IR" dirty="0"/>
-          </a:p>
-        </p:txBody>
-      </p:sp>
-      <p:sp>
-        <p:nvSpPr>
-          <p:cNvPr id="4" name="Footer Placeholder 3">
-            <a:extLst>
-              <a:ext uri="{FF2B5EF4-FFF2-40B4-BE49-F238E27FC236}">
-                <a16:creationId xmlns:a16="http://schemas.microsoft.com/office/drawing/2014/main" id="{3613FF50-268B-484B-82F0-AB16C67F789B}"/>
-              </a:ext>
-            </a:extLst>
-          </p:cNvPr>
-          <p:cNvSpPr>
-            <a:spLocks noGrp="1"/>
-          </p:cNvSpPr>
-          <p:nvPr>
-            <p:ph type="ftr" sz="quarter" idx="11"/>
-          </p:nvPr>
-        </p:nvSpPr>
-        <p:spPr/>
-        <p:txBody>
-          <a:bodyPr/>
-          <a:lstStyle/>
-          <a:p>
-            <a:r>
-              <a:rPr lang="en-US"/>
-              <a:t>Nodejs Basics</a:t>
-            </a:r>
-            <a:endParaRPr lang="en-US" dirty="0"/>
-          </a:p>
-        </p:txBody>
-      </p:sp>
-      <p:sp>
-        <p:nvSpPr>
-          <p:cNvPr id="5" name="Slide Number Placeholder 4">
-            <a:extLst>
-              <a:ext uri="{FF2B5EF4-FFF2-40B4-BE49-F238E27FC236}">
-                <a16:creationId xmlns:a16="http://schemas.microsoft.com/office/drawing/2014/main" id="{61B3882C-482F-4779-A76B-93D3C15064E3}"/>
-              </a:ext>
-            </a:extLst>
-          </p:cNvPr>
-          <p:cNvSpPr>
-            <a:spLocks noGrp="1"/>
-          </p:cNvSpPr>
-          <p:nvPr>
-            <p:ph type="sldNum" sz="quarter" idx="12"/>
-          </p:nvPr>
-        </p:nvSpPr>
-        <p:spPr/>
-        <p:txBody>
-          <a:bodyPr/>
-          <a:lstStyle/>
-          <a:p>
-            <a:fld id="{3A98EE3D-8CD1-4C3F-BD1C-C98C9596463C}" type="slidenum">
-              <a:rPr lang="en-US" smtClean="0"/>
-              <a:t>7</a:t>
-            </a:fld>
-            <a:endParaRPr lang="en-US" dirty="0"/>
-          </a:p>
-        </p:txBody>
-      </p:sp>
-    </p:spTree>
-    <p:extLst>
-      <p:ext uri="{BB962C8B-B14F-4D97-AF65-F5344CB8AC3E}">
-        <p14:creationId xmlns:p14="http://schemas.microsoft.com/office/powerpoint/2010/main" val="2295156601"/>
-      </p:ext>
-    </p:extLst>
-  </p:cSld>
-  <p:clrMapOvr>
-    <a:masterClrMapping/>
-  </p:clrMapOvr>
-</p:sld>
-</file>
-
-<file path=ppt/slides/slide8.xml><?xml version="1.0" encoding="utf-8"?>
-<p:sld xmlns:a="http://schemas.openxmlformats.org/drawingml/2006/main" xmlns:r="http://schemas.openxmlformats.org/officeDocument/2006/relationships" xmlns:p="http://schemas.openxmlformats.org/presentationml/2006/main">
-  <p:cSld>
-    <p:spTree>
-      <p:nvGrpSpPr>
-        <p:cNvPr id="1" name=""/>
-        <p:cNvGrpSpPr/>
-        <p:nvPr/>
-      </p:nvGrpSpPr>
-      <p:grpSpPr>
-        <a:xfrm>
-          <a:off x="0" y="0"/>
-          <a:ext cx="0" cy="0"/>
-          <a:chOff x="0" y="0"/>
-          <a:chExt cx="0" cy="0"/>
-        </a:xfrm>
-      </p:grpSpPr>
-      <p:sp>
-        <p:nvSpPr>
-          <p:cNvPr id="2" name="Title 1">
-            <a:extLst>
-              <a:ext uri="{FF2B5EF4-FFF2-40B4-BE49-F238E27FC236}">
                 <a16:creationId xmlns:a16="http://schemas.microsoft.com/office/drawing/2014/main" id="{35255E52-7484-436E-A464-E512926DC1AC}"/>
               </a:ext>
             </a:extLst>
@@ -8329,7 +8475,9 @@
         </p:nvSpPr>
         <p:spPr/>
         <p:txBody>
-          <a:bodyPr/>
+          <a:bodyPr>
+            <a:normAutofit/>
+          </a:bodyPr>
           <a:lstStyle/>
           <a:p>
             <a:r>
@@ -8341,15 +8489,7 @@
             <a:pPr lvl="1"/>
             <a:r>
               <a:rPr lang="en-US" dirty="0"/>
-              <a:t>All singleton providers </a:t>
-            </a:r>
-            <a:r>
-              <a:rPr lang="en-US" dirty="0" err="1"/>
-              <a:t>instaniated</a:t>
-            </a:r>
-            <a:r>
-              <a:rPr lang="en-US" dirty="0"/>
-              <a:t> when the program bootstrapped</a:t>
+              <a:t>All singleton providers instantiated when the program bootstrapped</a:t>
             </a:r>
           </a:p>
           <a:p>
@@ -8389,7 +8529,24 @@
           </a:p>
           <a:p>
             <a:pPr lvl="1"/>
-            <a:endParaRPr lang="en-US" dirty="0"/>
+            <a:r>
+              <a:rPr lang="en-US" dirty="0"/>
+              <a:t>What is the benefit of transient?</a:t>
+            </a:r>
+          </a:p>
+          <a:p>
+            <a:pPr lvl="2"/>
+            <a:r>
+              <a:rPr lang="en-US" dirty="0"/>
+              <a:t>Each class has its own state</a:t>
+            </a:r>
+          </a:p>
+          <a:p>
+            <a:pPr lvl="2"/>
+            <a:r>
+              <a:rPr lang="en-US" dirty="0"/>
+              <a:t>Suppose logger class with different prefixes.</a:t>
+            </a:r>
           </a:p>
           <a:p>
             <a:pPr lvl="1"/>
@@ -8449,7 +8606,7 @@
           <a:p>
             <a:fld id="{3A98EE3D-8CD1-4C3F-BD1C-C98C9596463C}" type="slidenum">
               <a:rPr lang="en-US" smtClean="0"/>
-              <a:t>8</a:t>
+              <a:t>13</a:t>
             </a:fld>
             <a:endParaRPr lang="en-US" dirty="0"/>
           </a:p>
@@ -8498,7 +8655,7 @@
 </p:sld>
 </file>
 
-<file path=ppt/slides/slide9.xml><?xml version="1.0" encoding="utf-8"?>
+<file path=ppt/slides/slide14.xml><?xml version="1.0" encoding="utf-8"?>
 <p:sld xmlns:a="http://schemas.openxmlformats.org/drawingml/2006/main" xmlns:r="http://schemas.openxmlformats.org/officeDocument/2006/relationships" xmlns:p="http://schemas.openxmlformats.org/presentationml/2006/main">
   <p:cSld>
     <p:spTree>
@@ -8520,6 +8677,197 @@
           <p:cNvPr id="2" name="Title 1">
             <a:extLst>
               <a:ext uri="{FF2B5EF4-FFF2-40B4-BE49-F238E27FC236}">
+                <a16:creationId xmlns:a16="http://schemas.microsoft.com/office/drawing/2014/main" id="{1798674D-738C-4E41-9AD5-E13E095EFB07}"/>
+              </a:ext>
+            </a:extLst>
+          </p:cNvPr>
+          <p:cNvSpPr>
+            <a:spLocks noGrp="1"/>
+          </p:cNvSpPr>
+          <p:nvPr>
+            <p:ph type="title"/>
+          </p:nvPr>
+        </p:nvSpPr>
+        <p:spPr/>
+        <p:txBody>
+          <a:bodyPr/>
+          <a:lstStyle/>
+          <a:p>
+            <a:r>
+              <a:rPr lang="en-US" dirty="0"/>
+              <a:t>New requirement</a:t>
+            </a:r>
+          </a:p>
+        </p:txBody>
+      </p:sp>
+      <p:sp>
+        <p:nvSpPr>
+          <p:cNvPr id="3" name="Content Placeholder 2">
+            <a:extLst>
+              <a:ext uri="{FF2B5EF4-FFF2-40B4-BE49-F238E27FC236}">
+                <a16:creationId xmlns:a16="http://schemas.microsoft.com/office/drawing/2014/main" id="{B73C19F3-91B1-41BE-B003-A527EA0DBB06}"/>
+              </a:ext>
+            </a:extLst>
+          </p:cNvPr>
+          <p:cNvSpPr>
+            <a:spLocks noGrp="1"/>
+          </p:cNvSpPr>
+          <p:nvPr>
+            <p:ph idx="1"/>
+          </p:nvPr>
+        </p:nvSpPr>
+        <p:spPr/>
+        <p:txBody>
+          <a:bodyPr/>
+          <a:lstStyle/>
+          <a:p>
+            <a:r>
+              <a:rPr lang="en-US" dirty="0"/>
+              <a:t>We need a new route to show a banner to user, but it must translated Based on the request header (accept-language).</a:t>
+            </a:r>
+          </a:p>
+        </p:txBody>
+      </p:sp>
+      <p:sp>
+        <p:nvSpPr>
+          <p:cNvPr id="4" name="Footer Placeholder 3">
+            <a:extLst>
+              <a:ext uri="{FF2B5EF4-FFF2-40B4-BE49-F238E27FC236}">
+                <a16:creationId xmlns:a16="http://schemas.microsoft.com/office/drawing/2014/main" id="{B6E8FF4C-625D-4EFD-82C1-051C5574110D}"/>
+              </a:ext>
+            </a:extLst>
+          </p:cNvPr>
+          <p:cNvSpPr>
+            <a:spLocks noGrp="1"/>
+          </p:cNvSpPr>
+          <p:nvPr>
+            <p:ph type="ftr" sz="quarter" idx="11"/>
+          </p:nvPr>
+        </p:nvSpPr>
+        <p:spPr/>
+        <p:txBody>
+          <a:bodyPr/>
+          <a:lstStyle/>
+          <a:p>
+            <a:r>
+              <a:rPr lang="en-US"/>
+              <a:t>Nodejs Basics</a:t>
+            </a:r>
+            <a:endParaRPr lang="en-US" dirty="0"/>
+          </a:p>
+        </p:txBody>
+      </p:sp>
+      <p:sp>
+        <p:nvSpPr>
+          <p:cNvPr id="5" name="Slide Number Placeholder 4">
+            <a:extLst>
+              <a:ext uri="{FF2B5EF4-FFF2-40B4-BE49-F238E27FC236}">
+                <a16:creationId xmlns:a16="http://schemas.microsoft.com/office/drawing/2014/main" id="{767DB68A-FDE2-4FDF-80C5-E15F57DBF48F}"/>
+              </a:ext>
+            </a:extLst>
+          </p:cNvPr>
+          <p:cNvSpPr>
+            <a:spLocks noGrp="1"/>
+          </p:cNvSpPr>
+          <p:nvPr>
+            <p:ph type="sldNum" sz="quarter" idx="12"/>
+          </p:nvPr>
+        </p:nvSpPr>
+        <p:spPr/>
+        <p:txBody>
+          <a:bodyPr/>
+          <a:lstStyle/>
+          <a:p>
+            <a:fld id="{3A98EE3D-8CD1-4C3F-BD1C-C98C9596463C}" type="slidenum">
+              <a:rPr lang="en-US" smtClean="0"/>
+              <a:t>14</a:t>
+            </a:fld>
+            <a:endParaRPr lang="en-US" dirty="0"/>
+          </a:p>
+        </p:txBody>
+      </p:sp>
+      <p:pic>
+        <p:nvPicPr>
+          <p:cNvPr id="4100" name="Picture 4">
+            <a:extLst>
+              <a:ext uri="{FF2B5EF4-FFF2-40B4-BE49-F238E27FC236}">
+                <a16:creationId xmlns:a16="http://schemas.microsoft.com/office/drawing/2014/main" id="{92379B6E-5747-49AA-BBC6-C7ACD753CAAB}"/>
+              </a:ext>
+            </a:extLst>
+          </p:cNvPr>
+          <p:cNvPicPr>
+            <a:picLocks noChangeAspect="1" noChangeArrowheads="1"/>
+          </p:cNvPicPr>
+          <p:nvPr/>
+        </p:nvPicPr>
+        <p:blipFill>
+          <a:blip r:embed="rId2">
+            <a:extLst>
+              <a:ext uri="{28A0092B-C50C-407E-A947-70E740481C1C}">
+                <a14:useLocalDpi xmlns:a14="http://schemas.microsoft.com/office/drawing/2010/main" val="0"/>
+              </a:ext>
+            </a:extLst>
+          </a:blip>
+          <a:srcRect/>
+          <a:stretch>
+            <a:fillRect/>
+          </a:stretch>
+        </p:blipFill>
+        <p:spPr bwMode="auto">
+          <a:xfrm>
+            <a:off x="3356484" y="2644965"/>
+            <a:ext cx="5468384" cy="4045106"/>
+          </a:xfrm>
+          <a:prstGeom prst="rect">
+            <a:avLst/>
+          </a:prstGeom>
+          <a:noFill/>
+          <a:extLst>
+            <a:ext uri="{909E8E84-426E-40DD-AFC4-6F175D3DCCD1}">
+              <a14:hiddenFill xmlns:a14="http://schemas.microsoft.com/office/drawing/2010/main">
+                <a:solidFill>
+                  <a:srgbClr val="FFFFFF"/>
+                </a:solidFill>
+              </a14:hiddenFill>
+            </a:ext>
+          </a:extLst>
+        </p:spPr>
+      </p:pic>
+    </p:spTree>
+    <p:extLst>
+      <p:ext uri="{BB962C8B-B14F-4D97-AF65-F5344CB8AC3E}">
+        <p14:creationId xmlns:p14="http://schemas.microsoft.com/office/powerpoint/2010/main" val="3559466427"/>
+      </p:ext>
+    </p:extLst>
+  </p:cSld>
+  <p:clrMapOvr>
+    <a:masterClrMapping/>
+  </p:clrMapOvr>
+</p:sld>
+</file>
+
+<file path=ppt/slides/slide15.xml><?xml version="1.0" encoding="utf-8"?>
+<p:sld xmlns:a="http://schemas.openxmlformats.org/drawingml/2006/main" xmlns:r="http://schemas.openxmlformats.org/officeDocument/2006/relationships" xmlns:p="http://schemas.openxmlformats.org/presentationml/2006/main">
+  <p:cSld>
+    <p:spTree>
+      <p:nvGrpSpPr>
+        <p:cNvPr id="1" name=""/>
+        <p:cNvGrpSpPr/>
+        <p:nvPr/>
+      </p:nvGrpSpPr>
+      <p:grpSpPr>
+        <a:xfrm>
+          <a:off x="0" y="0"/>
+          <a:ext cx="0" cy="0"/>
+          <a:chOff x="0" y="0"/>
+          <a:chExt cx="0" cy="0"/>
+        </a:xfrm>
+      </p:grpSpPr>
+      <p:sp>
+        <p:nvSpPr>
+          <p:cNvPr id="2" name="Title 1">
+            <a:extLst>
+              <a:ext uri="{FF2B5EF4-FFF2-40B4-BE49-F238E27FC236}">
                 <a16:creationId xmlns:a16="http://schemas.microsoft.com/office/drawing/2014/main" id="{B51DDC48-E053-4E5D-A18F-4745F507AC8E}"/>
               </a:ext>
             </a:extLst>
@@ -8715,7 +9063,7 @@
           <a:p>
             <a:fld id="{3A98EE3D-8CD1-4C3F-BD1C-C98C9596463C}" type="slidenum">
               <a:rPr lang="en-US" smtClean="0"/>
-              <a:t>9</a:t>
+              <a:t>15</a:t>
             </a:fld>
             <a:endParaRPr lang="en-US" dirty="0"/>
           </a:p>
@@ -8755,6 +9103,2279 @@
     <p:extLst>
       <p:ext uri="{BB962C8B-B14F-4D97-AF65-F5344CB8AC3E}">
         <p14:creationId xmlns:p14="http://schemas.microsoft.com/office/powerpoint/2010/main" val="1922668766"/>
+      </p:ext>
+    </p:extLst>
+  </p:cSld>
+  <p:clrMapOvr>
+    <a:masterClrMapping/>
+  </p:clrMapOvr>
+</p:sld>
+</file>
+
+<file path=ppt/slides/slide16.xml><?xml version="1.0" encoding="utf-8"?>
+<p:sld xmlns:a="http://schemas.openxmlformats.org/drawingml/2006/main" xmlns:r="http://schemas.openxmlformats.org/officeDocument/2006/relationships" xmlns:p="http://schemas.openxmlformats.org/presentationml/2006/main">
+  <p:cSld>
+    <p:spTree>
+      <p:nvGrpSpPr>
+        <p:cNvPr id="1" name=""/>
+        <p:cNvGrpSpPr/>
+        <p:nvPr/>
+      </p:nvGrpSpPr>
+      <p:grpSpPr>
+        <a:xfrm>
+          <a:off x="0" y="0"/>
+          <a:ext cx="0" cy="0"/>
+          <a:chOff x="0" y="0"/>
+          <a:chExt cx="0" cy="0"/>
+        </a:xfrm>
+      </p:grpSpPr>
+      <p:sp>
+        <p:nvSpPr>
+          <p:cNvPr id="2" name="Title 1">
+            <a:extLst>
+              <a:ext uri="{FF2B5EF4-FFF2-40B4-BE49-F238E27FC236}">
+                <a16:creationId xmlns:a16="http://schemas.microsoft.com/office/drawing/2014/main" id="{6B1A0672-14A7-4501-900C-A98EBCCF7AFE}"/>
+              </a:ext>
+            </a:extLst>
+          </p:cNvPr>
+          <p:cNvSpPr>
+            <a:spLocks noGrp="1"/>
+          </p:cNvSpPr>
+          <p:nvPr>
+            <p:ph type="title"/>
+          </p:nvPr>
+        </p:nvSpPr>
+        <p:spPr/>
+        <p:txBody>
+          <a:bodyPr/>
+          <a:lstStyle/>
+          <a:p>
+            <a:r>
+              <a:rPr lang="en-US" dirty="0"/>
+              <a:t>Exercise</a:t>
+            </a:r>
+          </a:p>
+        </p:txBody>
+      </p:sp>
+      <p:sp>
+        <p:nvSpPr>
+          <p:cNvPr id="3" name="Content Placeholder 2">
+            <a:extLst>
+              <a:ext uri="{FF2B5EF4-FFF2-40B4-BE49-F238E27FC236}">
+                <a16:creationId xmlns:a16="http://schemas.microsoft.com/office/drawing/2014/main" id="{2AEB1BE9-8435-42BF-A4F1-2F148FA9187A}"/>
+              </a:ext>
+            </a:extLst>
+          </p:cNvPr>
+          <p:cNvSpPr>
+            <a:spLocks noGrp="1"/>
+          </p:cNvSpPr>
+          <p:nvPr>
+            <p:ph idx="1"/>
+          </p:nvPr>
+        </p:nvSpPr>
+        <p:spPr/>
+        <p:txBody>
+          <a:bodyPr/>
+          <a:lstStyle/>
+          <a:p>
+            <a:r>
+              <a:rPr lang="en-US" dirty="0"/>
+              <a:t>Required:</a:t>
+            </a:r>
+          </a:p>
+          <a:p>
+            <a:pPr lvl="1"/>
+            <a:r>
+              <a:rPr lang="en-US" dirty="0"/>
+              <a:t>Exercise all we speak</a:t>
+            </a:r>
+          </a:p>
+          <a:p>
+            <a:r>
+              <a:rPr lang="en-US" dirty="0"/>
+              <a:t>Optional:</a:t>
+            </a:r>
+          </a:p>
+          <a:p>
+            <a:pPr lvl="1"/>
+            <a:r>
+              <a:rPr lang="en-US" dirty="0"/>
+              <a:t>Create a helper module for logging, It has an option for the first letter of each log, and then has a service that simply generate logs like these:</a:t>
+            </a:r>
+          </a:p>
+          <a:p>
+            <a:pPr lvl="2"/>
+            <a:r>
+              <a:rPr lang="en-US" dirty="0"/>
+              <a:t>&lt;firs-letter&gt; &lt;passed-argument&gt;</a:t>
+            </a:r>
+          </a:p>
+          <a:p>
+            <a:pPr lvl="2"/>
+            <a:r>
+              <a:rPr lang="en-US" dirty="0"/>
+              <a:t>&gt; some logging</a:t>
+            </a:r>
+          </a:p>
+          <a:p>
+            <a:pPr lvl="1"/>
+            <a:r>
+              <a:rPr lang="en-US" dirty="0"/>
+              <a:t>We can inject this logger service in our services and do logging stuffs.</a:t>
+            </a:r>
+          </a:p>
+          <a:p>
+            <a:pPr lvl="1"/>
+            <a:endParaRPr lang="en-US" dirty="0"/>
+          </a:p>
+        </p:txBody>
+      </p:sp>
+      <p:sp>
+        <p:nvSpPr>
+          <p:cNvPr id="4" name="Footer Placeholder 3">
+            <a:extLst>
+              <a:ext uri="{FF2B5EF4-FFF2-40B4-BE49-F238E27FC236}">
+                <a16:creationId xmlns:a16="http://schemas.microsoft.com/office/drawing/2014/main" id="{E3C0E9F9-B143-43AD-BD5C-508C3E46FF7B}"/>
+              </a:ext>
+            </a:extLst>
+          </p:cNvPr>
+          <p:cNvSpPr>
+            <a:spLocks noGrp="1"/>
+          </p:cNvSpPr>
+          <p:nvPr>
+            <p:ph type="ftr" sz="quarter" idx="11"/>
+          </p:nvPr>
+        </p:nvSpPr>
+        <p:spPr/>
+        <p:txBody>
+          <a:bodyPr/>
+          <a:lstStyle/>
+          <a:p>
+            <a:r>
+              <a:rPr lang="en-US"/>
+              <a:t>Nodejs Basics</a:t>
+            </a:r>
+            <a:endParaRPr lang="en-US" dirty="0"/>
+          </a:p>
+        </p:txBody>
+      </p:sp>
+      <p:sp>
+        <p:nvSpPr>
+          <p:cNvPr id="5" name="Slide Number Placeholder 4">
+            <a:extLst>
+              <a:ext uri="{FF2B5EF4-FFF2-40B4-BE49-F238E27FC236}">
+                <a16:creationId xmlns:a16="http://schemas.microsoft.com/office/drawing/2014/main" id="{1B95C015-BA9F-40C7-A04C-3B835E7354AB}"/>
+              </a:ext>
+            </a:extLst>
+          </p:cNvPr>
+          <p:cNvSpPr>
+            <a:spLocks noGrp="1"/>
+          </p:cNvSpPr>
+          <p:nvPr>
+            <p:ph type="sldNum" sz="quarter" idx="12"/>
+          </p:nvPr>
+        </p:nvSpPr>
+        <p:spPr/>
+        <p:txBody>
+          <a:bodyPr/>
+          <a:lstStyle/>
+          <a:p>
+            <a:fld id="{3A98EE3D-8CD1-4C3F-BD1C-C98C9596463C}" type="slidenum">
+              <a:rPr lang="en-US" smtClean="0"/>
+              <a:t>16</a:t>
+            </a:fld>
+            <a:endParaRPr lang="en-US" dirty="0"/>
+          </a:p>
+        </p:txBody>
+      </p:sp>
+    </p:spTree>
+    <p:extLst>
+      <p:ext uri="{BB962C8B-B14F-4D97-AF65-F5344CB8AC3E}">
+        <p14:creationId xmlns:p14="http://schemas.microsoft.com/office/powerpoint/2010/main" val="817859998"/>
+      </p:ext>
+    </p:extLst>
+  </p:cSld>
+  <p:clrMapOvr>
+    <a:masterClrMapping/>
+  </p:clrMapOvr>
+</p:sld>
+</file>
+
+<file path=ppt/slides/slide2.xml><?xml version="1.0" encoding="utf-8"?>
+<p:sld xmlns:a="http://schemas.openxmlformats.org/drawingml/2006/main" xmlns:r="http://schemas.openxmlformats.org/officeDocument/2006/relationships" xmlns:p="http://schemas.openxmlformats.org/presentationml/2006/main">
+  <p:cSld>
+    <p:spTree>
+      <p:nvGrpSpPr>
+        <p:cNvPr id="1" name=""/>
+        <p:cNvGrpSpPr/>
+        <p:nvPr/>
+      </p:nvGrpSpPr>
+      <p:grpSpPr>
+        <a:xfrm>
+          <a:off x="0" y="0"/>
+          <a:ext cx="0" cy="0"/>
+          <a:chOff x="0" y="0"/>
+          <a:chExt cx="0" cy="0"/>
+        </a:xfrm>
+      </p:grpSpPr>
+      <p:sp>
+        <p:nvSpPr>
+          <p:cNvPr id="2" name="Title 1">
+            <a:extLst>
+              <a:ext uri="{FF2B5EF4-FFF2-40B4-BE49-F238E27FC236}">
+                <a16:creationId xmlns:a16="http://schemas.microsoft.com/office/drawing/2014/main" id="{DE95171F-39CC-4718-9F54-621AA8E1B427}"/>
+              </a:ext>
+            </a:extLst>
+          </p:cNvPr>
+          <p:cNvSpPr>
+            <a:spLocks noGrp="1"/>
+          </p:cNvSpPr>
+          <p:nvPr>
+            <p:ph type="title"/>
+          </p:nvPr>
+        </p:nvSpPr>
+        <p:spPr/>
+        <p:txBody>
+          <a:bodyPr/>
+          <a:lstStyle/>
+          <a:p>
+            <a:r>
+              <a:rPr lang="en-US" dirty="0"/>
+              <a:t>Course Structure</a:t>
+            </a:r>
+          </a:p>
+        </p:txBody>
+      </p:sp>
+      <p:sp>
+        <p:nvSpPr>
+          <p:cNvPr id="3" name="Content Placeholder 2">
+            <a:extLst>
+              <a:ext uri="{FF2B5EF4-FFF2-40B4-BE49-F238E27FC236}">
+                <a16:creationId xmlns:a16="http://schemas.microsoft.com/office/drawing/2014/main" id="{31696309-D341-4657-B8B8-A86937E6BBA9}"/>
+              </a:ext>
+            </a:extLst>
+          </p:cNvPr>
+          <p:cNvSpPr>
+            <a:spLocks noGrp="1"/>
+          </p:cNvSpPr>
+          <p:nvPr>
+            <p:ph idx="1"/>
+          </p:nvPr>
+        </p:nvSpPr>
+        <p:spPr/>
+        <p:txBody>
+          <a:bodyPr>
+            <a:normAutofit fontScale="77500" lnSpcReduction="20000"/>
+          </a:bodyPr>
+          <a:lstStyle/>
+          <a:p>
+            <a:r>
+              <a:rPr lang="en-US" dirty="0">
+                <a:solidFill>
+                  <a:schemeClr val="tx1"/>
+                </a:solidFill>
+              </a:rPr>
+              <a:t>TypeORM in NestJS</a:t>
+            </a:r>
+          </a:p>
+          <a:p>
+            <a:pPr lvl="1"/>
+            <a:r>
+              <a:rPr lang="en-US" dirty="0">
+                <a:solidFill>
+                  <a:schemeClr val="tx1"/>
+                </a:solidFill>
+              </a:rPr>
+              <a:t>Setting up migrations</a:t>
+            </a:r>
+          </a:p>
+          <a:p>
+            <a:r>
+              <a:rPr lang="en-US" dirty="0">
+                <a:solidFill>
+                  <a:schemeClr val="tx1"/>
+                </a:solidFill>
+              </a:rPr>
+              <a:t>Dependency Injection</a:t>
+            </a:r>
+          </a:p>
+          <a:p>
+            <a:pPr lvl="1"/>
+            <a:r>
+              <a:rPr lang="en-US" dirty="0">
+                <a:solidFill>
+                  <a:schemeClr val="tx1"/>
+                </a:solidFill>
+              </a:rPr>
+              <a:t>Understand Dependency Injection</a:t>
+            </a:r>
+          </a:p>
+          <a:p>
+            <a:pPr lvl="1"/>
+            <a:r>
+              <a:rPr lang="en-US" dirty="0">
+                <a:solidFill>
+                  <a:schemeClr val="tx1"/>
+                </a:solidFill>
+              </a:rPr>
+              <a:t>Control NestJS Module Encapsulation</a:t>
+            </a:r>
+          </a:p>
+          <a:p>
+            <a:pPr lvl="1"/>
+            <a:r>
+              <a:rPr lang="en-US" dirty="0">
+                <a:solidFill>
+                  <a:schemeClr val="tx1"/>
+                </a:solidFill>
+              </a:rPr>
+              <a:t>Diving Into Custom Providers</a:t>
+            </a:r>
+          </a:p>
+          <a:p>
+            <a:pPr lvl="1"/>
+            <a:r>
+              <a:rPr lang="en-US" dirty="0">
+                <a:solidFill>
+                  <a:schemeClr val="tx1"/>
+                </a:solidFill>
+              </a:rPr>
+              <a:t>Value based providers</a:t>
+            </a:r>
+          </a:p>
+          <a:p>
+            <a:pPr lvl="1"/>
+            <a:r>
+              <a:rPr lang="en-US" dirty="0">
+                <a:solidFill>
+                  <a:schemeClr val="tx1"/>
+                </a:solidFill>
+              </a:rPr>
+              <a:t>Non-class-based Provider Tokens</a:t>
+            </a:r>
+          </a:p>
+          <a:p>
+            <a:pPr lvl="1"/>
+            <a:r>
+              <a:rPr lang="en-US" dirty="0">
+                <a:solidFill>
+                  <a:schemeClr val="tx1"/>
+                </a:solidFill>
+              </a:rPr>
+              <a:t>Class Providers</a:t>
+            </a:r>
+          </a:p>
+          <a:p>
+            <a:pPr lvl="1"/>
+            <a:r>
+              <a:rPr lang="en-US" dirty="0">
+                <a:solidFill>
+                  <a:schemeClr val="tx1"/>
+                </a:solidFill>
+              </a:rPr>
+              <a:t>Factory Providers</a:t>
+            </a:r>
+          </a:p>
+          <a:p>
+            <a:pPr lvl="1"/>
+            <a:r>
+              <a:rPr lang="en-US" dirty="0">
+                <a:solidFill>
+                  <a:schemeClr val="tx1"/>
+                </a:solidFill>
+              </a:rPr>
+              <a:t>Leverage Async Providers</a:t>
+            </a:r>
+          </a:p>
+          <a:p>
+            <a:pPr lvl="1"/>
+            <a:r>
+              <a:rPr lang="en-US" dirty="0">
+                <a:solidFill>
+                  <a:schemeClr val="tx1"/>
+                </a:solidFill>
+              </a:rPr>
+              <a:t>Create a Dynamic Module</a:t>
+            </a:r>
+          </a:p>
+          <a:p>
+            <a:pPr lvl="1"/>
+            <a:r>
+              <a:rPr lang="en-US" dirty="0">
+                <a:solidFill>
+                  <a:schemeClr val="tx1"/>
+                </a:solidFill>
+              </a:rPr>
+              <a:t>Control Providers Scope</a:t>
+            </a:r>
+          </a:p>
+          <a:p>
+            <a:pPr lvl="1"/>
+            <a:r>
+              <a:rPr lang="en-US" dirty="0">
+                <a:solidFill>
+                  <a:schemeClr val="tx1"/>
+                </a:solidFill>
+              </a:rPr>
+              <a:t>Diving Deeper Into Request-Scoped providers</a:t>
+            </a:r>
+          </a:p>
+        </p:txBody>
+      </p:sp>
+      <p:sp>
+        <p:nvSpPr>
+          <p:cNvPr id="4" name="Footer Placeholder 3">
+            <a:extLst>
+              <a:ext uri="{FF2B5EF4-FFF2-40B4-BE49-F238E27FC236}">
+                <a16:creationId xmlns:a16="http://schemas.microsoft.com/office/drawing/2014/main" id="{6833B603-1825-4773-97A5-1C15873A15DA}"/>
+              </a:ext>
+            </a:extLst>
+          </p:cNvPr>
+          <p:cNvSpPr>
+            <a:spLocks noGrp="1"/>
+          </p:cNvSpPr>
+          <p:nvPr>
+            <p:ph type="ftr" sz="quarter" idx="11"/>
+          </p:nvPr>
+        </p:nvSpPr>
+        <p:spPr/>
+        <p:txBody>
+          <a:bodyPr/>
+          <a:lstStyle/>
+          <a:p>
+            <a:r>
+              <a:rPr lang="en-US"/>
+              <a:t>Nodejs Basics</a:t>
+            </a:r>
+            <a:endParaRPr lang="en-US" dirty="0"/>
+          </a:p>
+        </p:txBody>
+      </p:sp>
+      <p:sp>
+        <p:nvSpPr>
+          <p:cNvPr id="5" name="Slide Number Placeholder 4">
+            <a:extLst>
+              <a:ext uri="{FF2B5EF4-FFF2-40B4-BE49-F238E27FC236}">
+                <a16:creationId xmlns:a16="http://schemas.microsoft.com/office/drawing/2014/main" id="{B52110D6-86CC-499E-A118-3AE6E89925B5}"/>
+              </a:ext>
+            </a:extLst>
+          </p:cNvPr>
+          <p:cNvSpPr>
+            <a:spLocks noGrp="1"/>
+          </p:cNvSpPr>
+          <p:nvPr>
+            <p:ph type="sldNum" sz="quarter" idx="12"/>
+          </p:nvPr>
+        </p:nvSpPr>
+        <p:spPr/>
+        <p:txBody>
+          <a:bodyPr/>
+          <a:lstStyle/>
+          <a:p>
+            <a:fld id="{3A98EE3D-8CD1-4C3F-BD1C-C98C9596463C}" type="slidenum">
+              <a:rPr lang="en-US" smtClean="0"/>
+              <a:t>2</a:t>
+            </a:fld>
+            <a:endParaRPr lang="en-US" dirty="0"/>
+          </a:p>
+        </p:txBody>
+      </p:sp>
+    </p:spTree>
+    <p:extLst>
+      <p:ext uri="{BB962C8B-B14F-4D97-AF65-F5344CB8AC3E}">
+        <p14:creationId xmlns:p14="http://schemas.microsoft.com/office/powerpoint/2010/main" val="2687854352"/>
+      </p:ext>
+    </p:extLst>
+  </p:cSld>
+  <p:clrMapOvr>
+    <a:masterClrMapping/>
+  </p:clrMapOvr>
+</p:sld>
+</file>
+
+<file path=ppt/slides/slide3.xml><?xml version="1.0" encoding="utf-8"?>
+<p:sld xmlns:a="http://schemas.openxmlformats.org/drawingml/2006/main" xmlns:r="http://schemas.openxmlformats.org/officeDocument/2006/relationships" xmlns:p="http://schemas.openxmlformats.org/presentationml/2006/main">
+  <p:cSld>
+    <p:spTree>
+      <p:nvGrpSpPr>
+        <p:cNvPr id="1" name=""/>
+        <p:cNvGrpSpPr/>
+        <p:nvPr/>
+      </p:nvGrpSpPr>
+      <p:grpSpPr>
+        <a:xfrm>
+          <a:off x="0" y="0"/>
+          <a:ext cx="0" cy="0"/>
+          <a:chOff x="0" y="0"/>
+          <a:chExt cx="0" cy="0"/>
+        </a:xfrm>
+      </p:grpSpPr>
+      <p:sp>
+        <p:nvSpPr>
+          <p:cNvPr id="2" name="Title 1">
+            <a:extLst>
+              <a:ext uri="{FF2B5EF4-FFF2-40B4-BE49-F238E27FC236}">
+                <a16:creationId xmlns:a16="http://schemas.microsoft.com/office/drawing/2014/main" id="{1166C510-B033-494B-B16E-BD538DC92259}"/>
+              </a:ext>
+            </a:extLst>
+          </p:cNvPr>
+          <p:cNvSpPr>
+            <a:spLocks noGrp="1"/>
+          </p:cNvSpPr>
+          <p:nvPr>
+            <p:ph type="title"/>
+          </p:nvPr>
+        </p:nvSpPr>
+        <p:spPr/>
+        <p:txBody>
+          <a:bodyPr/>
+          <a:lstStyle/>
+          <a:p>
+            <a:r>
+              <a:rPr lang="en-US" dirty="0"/>
+              <a:t>Demo</a:t>
+            </a:r>
+            <a:endParaRPr lang="fa-IR" dirty="0"/>
+          </a:p>
+        </p:txBody>
+      </p:sp>
+      <p:sp>
+        <p:nvSpPr>
+          <p:cNvPr id="3" name="Content Placeholder 2">
+            <a:extLst>
+              <a:ext uri="{FF2B5EF4-FFF2-40B4-BE49-F238E27FC236}">
+                <a16:creationId xmlns:a16="http://schemas.microsoft.com/office/drawing/2014/main" id="{05A45E6E-AB56-4CDE-972A-D26C53FCE8A8}"/>
+              </a:ext>
+            </a:extLst>
+          </p:cNvPr>
+          <p:cNvSpPr>
+            <a:spLocks noGrp="1"/>
+          </p:cNvSpPr>
+          <p:nvPr>
+            <p:ph idx="1"/>
+          </p:nvPr>
+        </p:nvSpPr>
+        <p:spPr/>
+        <p:txBody>
+          <a:bodyPr>
+            <a:normAutofit fontScale="92500" lnSpcReduction="20000"/>
+          </a:bodyPr>
+          <a:lstStyle/>
+          <a:p>
+            <a:r>
+              <a:rPr lang="en-US" dirty="0"/>
+              <a:t>Migration</a:t>
+            </a:r>
+          </a:p>
+          <a:p>
+            <a:pPr lvl="1"/>
+            <a:r>
+              <a:rPr lang="en-US" dirty="0"/>
+              <a:t>Create </a:t>
+            </a:r>
+            <a:r>
+              <a:rPr lang="en-US" dirty="0" err="1"/>
+              <a:t>ormconfig.json</a:t>
+            </a:r>
+            <a:r>
+              <a:rPr lang="en-US" dirty="0"/>
+              <a:t> for TypeORM cli config</a:t>
+            </a:r>
+          </a:p>
+          <a:p>
+            <a:pPr lvl="1"/>
+            <a:r>
+              <a:rPr lang="en-US" dirty="0"/>
+              <a:t>Create migration manually:</a:t>
+            </a:r>
+          </a:p>
+          <a:p>
+            <a:pPr lvl="2"/>
+            <a:r>
+              <a:rPr lang="en-US" dirty="0" err="1"/>
+              <a:t>npx</a:t>
+            </a:r>
+            <a:r>
+              <a:rPr lang="en-US" dirty="0"/>
+              <a:t> </a:t>
+            </a:r>
+            <a:r>
+              <a:rPr lang="en-US" dirty="0" err="1"/>
+              <a:t>typeorm</a:t>
+            </a:r>
+            <a:r>
+              <a:rPr lang="en-US" dirty="0"/>
+              <a:t> </a:t>
+            </a:r>
+            <a:r>
+              <a:rPr lang="en-US" dirty="0" err="1"/>
+              <a:t>migration:create</a:t>
+            </a:r>
+            <a:r>
+              <a:rPr lang="en-US" dirty="0"/>
+              <a:t> &lt;your-change-script-name&gt;</a:t>
+            </a:r>
+          </a:p>
+          <a:p>
+            <a:pPr lvl="1"/>
+            <a:r>
+              <a:rPr lang="en-US" dirty="0"/>
+              <a:t>Run migration:</a:t>
+            </a:r>
+          </a:p>
+          <a:p>
+            <a:pPr lvl="2"/>
+            <a:r>
+              <a:rPr lang="en-US" dirty="0" err="1"/>
+              <a:t>npx</a:t>
+            </a:r>
+            <a:r>
+              <a:rPr lang="en-US" dirty="0"/>
+              <a:t> </a:t>
+            </a:r>
+            <a:r>
+              <a:rPr lang="en-US" dirty="0" err="1"/>
+              <a:t>typeorm</a:t>
+            </a:r>
+            <a:r>
+              <a:rPr lang="en-US" dirty="0"/>
+              <a:t> </a:t>
+            </a:r>
+            <a:r>
+              <a:rPr lang="en-US" dirty="0" err="1"/>
+              <a:t>migration:run</a:t>
+            </a:r>
+            <a:endParaRPr lang="en-US" dirty="0"/>
+          </a:p>
+          <a:p>
+            <a:pPr lvl="1"/>
+            <a:r>
+              <a:rPr lang="en-US" dirty="0" err="1"/>
+              <a:t>Revet</a:t>
+            </a:r>
+            <a:r>
+              <a:rPr lang="en-US" dirty="0"/>
+              <a:t> migration:</a:t>
+            </a:r>
+          </a:p>
+          <a:p>
+            <a:pPr lvl="2"/>
+            <a:r>
+              <a:rPr lang="en-US" dirty="0" err="1"/>
+              <a:t>npx</a:t>
+            </a:r>
+            <a:r>
+              <a:rPr lang="en-US" dirty="0"/>
+              <a:t> </a:t>
+            </a:r>
+            <a:r>
+              <a:rPr lang="en-US" dirty="0" err="1"/>
+              <a:t>typeorm</a:t>
+            </a:r>
+            <a:r>
+              <a:rPr lang="en-US" dirty="0"/>
+              <a:t> </a:t>
+            </a:r>
+            <a:r>
+              <a:rPr lang="en-US" dirty="0" err="1"/>
+              <a:t>migration:revert</a:t>
+            </a:r>
+            <a:endParaRPr lang="en-US" dirty="0"/>
+          </a:p>
+          <a:p>
+            <a:pPr lvl="1"/>
+            <a:r>
+              <a:rPr lang="en-US" dirty="0"/>
+              <a:t>Create migration automatically:</a:t>
+            </a:r>
+          </a:p>
+          <a:p>
+            <a:pPr lvl="2"/>
+            <a:r>
+              <a:rPr lang="en-US" dirty="0" err="1"/>
+              <a:t>npx</a:t>
+            </a:r>
+            <a:r>
+              <a:rPr lang="en-US" dirty="0"/>
+              <a:t> </a:t>
+            </a:r>
+            <a:r>
+              <a:rPr lang="en-US" dirty="0" err="1"/>
+              <a:t>typeorm</a:t>
+            </a:r>
+            <a:r>
+              <a:rPr lang="en-US" dirty="0"/>
+              <a:t> </a:t>
+            </a:r>
+            <a:r>
+              <a:rPr lang="en-US" dirty="0" err="1"/>
+              <a:t>migration:generate</a:t>
+            </a:r>
+            <a:r>
+              <a:rPr lang="en-US" dirty="0"/>
+              <a:t> &lt;your-migration-script-name&gt;</a:t>
+            </a:r>
+          </a:p>
+          <a:p>
+            <a:pPr lvl="2"/>
+            <a:r>
+              <a:rPr lang="en-US" dirty="0"/>
+              <a:t>It will compare your entities with the desired </a:t>
+            </a:r>
+            <a:r>
+              <a:rPr lang="en-US" dirty="0" err="1"/>
+              <a:t>db</a:t>
+            </a:r>
+            <a:r>
+              <a:rPr lang="en-US" dirty="0"/>
+              <a:t>, and create up and down query respectively</a:t>
+            </a:r>
+          </a:p>
+          <a:p>
+            <a:pPr lvl="2"/>
+            <a:r>
+              <a:rPr lang="en-US" dirty="0"/>
+              <a:t>Specially useful for the first generation script against an empty db.</a:t>
+            </a:r>
+            <a:endParaRPr lang="fa-IR" dirty="0"/>
+          </a:p>
+        </p:txBody>
+      </p:sp>
+      <p:sp>
+        <p:nvSpPr>
+          <p:cNvPr id="4" name="Footer Placeholder 3">
+            <a:extLst>
+              <a:ext uri="{FF2B5EF4-FFF2-40B4-BE49-F238E27FC236}">
+                <a16:creationId xmlns:a16="http://schemas.microsoft.com/office/drawing/2014/main" id="{2BF79B38-4F58-4C1C-AA70-200F3B12CA85}"/>
+              </a:ext>
+            </a:extLst>
+          </p:cNvPr>
+          <p:cNvSpPr>
+            <a:spLocks noGrp="1"/>
+          </p:cNvSpPr>
+          <p:nvPr>
+            <p:ph type="ftr" sz="quarter" idx="11"/>
+          </p:nvPr>
+        </p:nvSpPr>
+        <p:spPr/>
+        <p:txBody>
+          <a:bodyPr/>
+          <a:lstStyle/>
+          <a:p>
+            <a:r>
+              <a:rPr lang="en-US"/>
+              <a:t>Nodejs Basics</a:t>
+            </a:r>
+            <a:endParaRPr lang="en-US" dirty="0"/>
+          </a:p>
+        </p:txBody>
+      </p:sp>
+      <p:sp>
+        <p:nvSpPr>
+          <p:cNvPr id="5" name="Slide Number Placeholder 4">
+            <a:extLst>
+              <a:ext uri="{FF2B5EF4-FFF2-40B4-BE49-F238E27FC236}">
+                <a16:creationId xmlns:a16="http://schemas.microsoft.com/office/drawing/2014/main" id="{94441986-BB67-4F4B-8BCB-2773ED2F1505}"/>
+              </a:ext>
+            </a:extLst>
+          </p:cNvPr>
+          <p:cNvSpPr>
+            <a:spLocks noGrp="1"/>
+          </p:cNvSpPr>
+          <p:nvPr>
+            <p:ph type="sldNum" sz="quarter" idx="12"/>
+          </p:nvPr>
+        </p:nvSpPr>
+        <p:spPr/>
+        <p:txBody>
+          <a:bodyPr/>
+          <a:lstStyle/>
+          <a:p>
+            <a:fld id="{3A98EE3D-8CD1-4C3F-BD1C-C98C9596463C}" type="slidenum">
+              <a:rPr lang="en-US" smtClean="0"/>
+              <a:t>3</a:t>
+            </a:fld>
+            <a:endParaRPr lang="en-US" dirty="0"/>
+          </a:p>
+        </p:txBody>
+      </p:sp>
+    </p:spTree>
+    <p:extLst>
+      <p:ext uri="{BB962C8B-B14F-4D97-AF65-F5344CB8AC3E}">
+        <p14:creationId xmlns:p14="http://schemas.microsoft.com/office/powerpoint/2010/main" val="315047108"/>
+      </p:ext>
+    </p:extLst>
+  </p:cSld>
+  <p:clrMapOvr>
+    <a:masterClrMapping/>
+  </p:clrMapOvr>
+</p:sld>
+</file>
+
+<file path=ppt/slides/slide4.xml><?xml version="1.0" encoding="utf-8"?>
+<p:sld xmlns:a="http://schemas.openxmlformats.org/drawingml/2006/main" xmlns:r="http://schemas.openxmlformats.org/officeDocument/2006/relationships" xmlns:p="http://schemas.openxmlformats.org/presentationml/2006/main">
+  <p:cSld>
+    <p:spTree>
+      <p:nvGrpSpPr>
+        <p:cNvPr id="1" name=""/>
+        <p:cNvGrpSpPr/>
+        <p:nvPr/>
+      </p:nvGrpSpPr>
+      <p:grpSpPr>
+        <a:xfrm>
+          <a:off x="0" y="0"/>
+          <a:ext cx="0" cy="0"/>
+          <a:chOff x="0" y="0"/>
+          <a:chExt cx="0" cy="0"/>
+        </a:xfrm>
+      </p:grpSpPr>
+      <p:sp>
+        <p:nvSpPr>
+          <p:cNvPr id="16" name="Title 15">
+            <a:extLst>
+              <a:ext uri="{FF2B5EF4-FFF2-40B4-BE49-F238E27FC236}">
+                <a16:creationId xmlns:a16="http://schemas.microsoft.com/office/drawing/2014/main" id="{80B7E0A7-8597-4D32-A1A2-ED58142E5E75}"/>
+              </a:ext>
+            </a:extLst>
+          </p:cNvPr>
+          <p:cNvSpPr>
+            <a:spLocks noGrp="1"/>
+          </p:cNvSpPr>
+          <p:nvPr>
+            <p:ph type="title"/>
+          </p:nvPr>
+        </p:nvSpPr>
+        <p:spPr/>
+        <p:txBody>
+          <a:bodyPr/>
+          <a:lstStyle/>
+          <a:p>
+            <a:r>
+              <a:rPr lang="en-US" dirty="0"/>
+              <a:t>Development lifecycle</a:t>
+            </a:r>
+            <a:br>
+              <a:rPr lang="en-US" dirty="0"/>
+            </a:br>
+            <a:r>
+              <a:rPr lang="en-US" dirty="0"/>
+              <a:t>(as a sample not recommended)</a:t>
+            </a:r>
+          </a:p>
+        </p:txBody>
+      </p:sp>
+      <p:sp>
+        <p:nvSpPr>
+          <p:cNvPr id="4" name="Footer Placeholder 3">
+            <a:extLst>
+              <a:ext uri="{FF2B5EF4-FFF2-40B4-BE49-F238E27FC236}">
+                <a16:creationId xmlns:a16="http://schemas.microsoft.com/office/drawing/2014/main" id="{BA2C32AB-C555-4C29-9D54-9E64D1C34326}"/>
+              </a:ext>
+            </a:extLst>
+          </p:cNvPr>
+          <p:cNvSpPr>
+            <a:spLocks noGrp="1"/>
+          </p:cNvSpPr>
+          <p:nvPr>
+            <p:ph type="ftr" sz="quarter" idx="11"/>
+          </p:nvPr>
+        </p:nvSpPr>
+        <p:spPr/>
+        <p:txBody>
+          <a:bodyPr/>
+          <a:lstStyle/>
+          <a:p>
+            <a:r>
+              <a:rPr lang="en-US"/>
+              <a:t>Nodejs Basics</a:t>
+            </a:r>
+            <a:endParaRPr lang="en-US" dirty="0"/>
+          </a:p>
+        </p:txBody>
+      </p:sp>
+      <p:sp>
+        <p:nvSpPr>
+          <p:cNvPr id="5" name="Slide Number Placeholder 4">
+            <a:extLst>
+              <a:ext uri="{FF2B5EF4-FFF2-40B4-BE49-F238E27FC236}">
+                <a16:creationId xmlns:a16="http://schemas.microsoft.com/office/drawing/2014/main" id="{86BDE1A9-3301-4E2E-8F05-22927EA5C2B7}"/>
+              </a:ext>
+            </a:extLst>
+          </p:cNvPr>
+          <p:cNvSpPr>
+            <a:spLocks noGrp="1"/>
+          </p:cNvSpPr>
+          <p:nvPr>
+            <p:ph type="sldNum" sz="quarter" idx="12"/>
+          </p:nvPr>
+        </p:nvSpPr>
+        <p:spPr/>
+        <p:txBody>
+          <a:bodyPr/>
+          <a:lstStyle/>
+          <a:p>
+            <a:fld id="{3A98EE3D-8CD1-4C3F-BD1C-C98C9596463C}" type="slidenum">
+              <a:rPr lang="en-US" smtClean="0"/>
+              <a:t>4</a:t>
+            </a:fld>
+            <a:endParaRPr lang="en-US" dirty="0"/>
+          </a:p>
+        </p:txBody>
+      </p:sp>
+      <p:sp>
+        <p:nvSpPr>
+          <p:cNvPr id="6" name="Oval 5">
+            <a:extLst>
+              <a:ext uri="{FF2B5EF4-FFF2-40B4-BE49-F238E27FC236}">
+                <a16:creationId xmlns:a16="http://schemas.microsoft.com/office/drawing/2014/main" id="{D6A7B1BF-E092-4812-AFEF-1628CFF50E63}"/>
+              </a:ext>
+            </a:extLst>
+          </p:cNvPr>
+          <p:cNvSpPr/>
+          <p:nvPr/>
+        </p:nvSpPr>
+        <p:spPr>
+          <a:xfrm>
+            <a:off x="336698" y="2360428"/>
+            <a:ext cx="2938131" cy="2137144"/>
+          </a:xfrm>
+          <a:prstGeom prst="ellipse">
+            <a:avLst/>
+          </a:prstGeom>
+        </p:spPr>
+        <p:style>
+          <a:lnRef idx="2">
+            <a:schemeClr val="accent1"/>
+          </a:lnRef>
+          <a:fillRef idx="1">
+            <a:schemeClr val="lt1"/>
+          </a:fillRef>
+          <a:effectRef idx="0">
+            <a:schemeClr val="accent1"/>
+          </a:effectRef>
+          <a:fontRef idx="minor">
+            <a:schemeClr val="dk1"/>
+          </a:fontRef>
+        </p:style>
+        <p:txBody>
+          <a:bodyPr rtlCol="0" anchor="ctr"/>
+          <a:lstStyle/>
+          <a:p>
+            <a:pPr algn="ctr"/>
+            <a:r>
+              <a:rPr lang="en-US" sz="2000" b="1" dirty="0"/>
+              <a:t>Develop with syncing: true</a:t>
+            </a:r>
+          </a:p>
+        </p:txBody>
+      </p:sp>
+      <p:sp>
+        <p:nvSpPr>
+          <p:cNvPr id="8" name="Rectangle 7">
+            <a:extLst>
+              <a:ext uri="{FF2B5EF4-FFF2-40B4-BE49-F238E27FC236}">
+                <a16:creationId xmlns:a16="http://schemas.microsoft.com/office/drawing/2014/main" id="{AF532826-4134-4D13-AE33-1CC6557F5928}"/>
+              </a:ext>
+            </a:extLst>
+          </p:cNvPr>
+          <p:cNvSpPr/>
+          <p:nvPr/>
+        </p:nvSpPr>
+        <p:spPr>
+          <a:xfrm>
+            <a:off x="4391247" y="2796363"/>
+            <a:ext cx="3115339" cy="1265274"/>
+          </a:xfrm>
+          <a:prstGeom prst="rect">
+            <a:avLst/>
+          </a:prstGeom>
+        </p:spPr>
+        <p:style>
+          <a:lnRef idx="2">
+            <a:schemeClr val="accent1"/>
+          </a:lnRef>
+          <a:fillRef idx="1">
+            <a:schemeClr val="lt1"/>
+          </a:fillRef>
+          <a:effectRef idx="0">
+            <a:schemeClr val="accent1"/>
+          </a:effectRef>
+          <a:fontRef idx="minor">
+            <a:schemeClr val="dk1"/>
+          </a:fontRef>
+        </p:style>
+        <p:txBody>
+          <a:bodyPr rtlCol="0" anchor="ctr"/>
+          <a:lstStyle/>
+          <a:p>
+            <a:pPr algn="ctr"/>
+            <a:r>
+              <a:rPr lang="en-US" sz="2000" b="1" dirty="0"/>
+              <a:t>New release:</a:t>
+            </a:r>
+          </a:p>
+          <a:p>
+            <a:pPr algn="ctr"/>
+            <a:r>
+              <a:rPr lang="en-US" sz="2000" b="1" dirty="0" err="1"/>
+              <a:t>migration:generate</a:t>
+            </a:r>
+            <a:endParaRPr lang="en-US" sz="2000" b="1" dirty="0"/>
+          </a:p>
+          <a:p>
+            <a:pPr algn="ctr"/>
+            <a:r>
+              <a:rPr lang="en-US" sz="2000" b="1" dirty="0"/>
+              <a:t>Against production </a:t>
+            </a:r>
+            <a:r>
+              <a:rPr lang="en-US" sz="2000" b="1" dirty="0" err="1"/>
+              <a:t>db</a:t>
+            </a:r>
+            <a:endParaRPr lang="en-US" sz="2000" b="1" dirty="0"/>
+          </a:p>
+        </p:txBody>
+      </p:sp>
+      <p:sp>
+        <p:nvSpPr>
+          <p:cNvPr id="9" name="Oval 8">
+            <a:extLst>
+              <a:ext uri="{FF2B5EF4-FFF2-40B4-BE49-F238E27FC236}">
+                <a16:creationId xmlns:a16="http://schemas.microsoft.com/office/drawing/2014/main" id="{72719728-94DB-41A7-BEC2-7B7B46604B89}"/>
+              </a:ext>
+            </a:extLst>
+          </p:cNvPr>
+          <p:cNvSpPr/>
+          <p:nvPr/>
+        </p:nvSpPr>
+        <p:spPr>
+          <a:xfrm>
+            <a:off x="9080204" y="2360428"/>
+            <a:ext cx="2775098" cy="2137144"/>
+          </a:xfrm>
+          <a:prstGeom prst="ellipse">
+            <a:avLst/>
+          </a:prstGeom>
+        </p:spPr>
+        <p:style>
+          <a:lnRef idx="2">
+            <a:schemeClr val="accent1"/>
+          </a:lnRef>
+          <a:fillRef idx="1">
+            <a:schemeClr val="lt1"/>
+          </a:fillRef>
+          <a:effectRef idx="0">
+            <a:schemeClr val="accent1"/>
+          </a:effectRef>
+          <a:fontRef idx="minor">
+            <a:schemeClr val="dk1"/>
+          </a:fontRef>
+        </p:style>
+        <p:txBody>
+          <a:bodyPr rtlCol="0" anchor="ctr"/>
+          <a:lstStyle/>
+          <a:p>
+            <a:pPr algn="ctr"/>
+            <a:r>
+              <a:rPr lang="en-US" sz="2000" b="1" dirty="0"/>
+              <a:t>Sync production database:</a:t>
+            </a:r>
+          </a:p>
+          <a:p>
+            <a:pPr algn="ctr"/>
+            <a:r>
+              <a:rPr lang="en-US" sz="2000" b="1" dirty="0" err="1"/>
+              <a:t>migration:run</a:t>
+            </a:r>
+            <a:endParaRPr lang="en-US" sz="2000" b="1" dirty="0"/>
+          </a:p>
+        </p:txBody>
+      </p:sp>
+      <p:cxnSp>
+        <p:nvCxnSpPr>
+          <p:cNvPr id="11" name="Straight Arrow Connector 10">
+            <a:extLst>
+              <a:ext uri="{FF2B5EF4-FFF2-40B4-BE49-F238E27FC236}">
+                <a16:creationId xmlns:a16="http://schemas.microsoft.com/office/drawing/2014/main" id="{2D06E0A8-C00C-4F4B-ACAB-9E2802E0DC61}"/>
+              </a:ext>
+            </a:extLst>
+          </p:cNvPr>
+          <p:cNvCxnSpPr>
+            <a:cxnSpLocks/>
+            <a:stCxn id="6" idx="6"/>
+            <a:endCxn id="8" idx="1"/>
+          </p:cNvCxnSpPr>
+          <p:nvPr/>
+        </p:nvCxnSpPr>
+        <p:spPr>
+          <a:xfrm>
+            <a:off x="3274829" y="3429000"/>
+            <a:ext cx="1116418" cy="0"/>
+          </a:xfrm>
+          <a:prstGeom prst="straightConnector1">
+            <a:avLst/>
+          </a:prstGeom>
+          <a:ln w="57150">
+            <a:solidFill>
+              <a:schemeClr val="tx1"/>
+            </a:solidFill>
+            <a:tailEnd type="triangle"/>
+          </a:ln>
+        </p:spPr>
+        <p:style>
+          <a:lnRef idx="2">
+            <a:schemeClr val="accent1"/>
+          </a:lnRef>
+          <a:fillRef idx="1">
+            <a:schemeClr val="lt1"/>
+          </a:fillRef>
+          <a:effectRef idx="0">
+            <a:schemeClr val="accent1"/>
+          </a:effectRef>
+          <a:fontRef idx="minor">
+            <a:schemeClr val="dk1"/>
+          </a:fontRef>
+        </p:style>
+      </p:cxnSp>
+      <p:cxnSp>
+        <p:nvCxnSpPr>
+          <p:cNvPr id="13" name="Straight Arrow Connector 12">
+            <a:extLst>
+              <a:ext uri="{FF2B5EF4-FFF2-40B4-BE49-F238E27FC236}">
+                <a16:creationId xmlns:a16="http://schemas.microsoft.com/office/drawing/2014/main" id="{77482999-F256-4EE2-B0DC-101389FE12A1}"/>
+              </a:ext>
+            </a:extLst>
+          </p:cNvPr>
+          <p:cNvCxnSpPr>
+            <a:cxnSpLocks/>
+            <a:stCxn id="8" idx="3"/>
+            <a:endCxn id="9" idx="2"/>
+          </p:cNvCxnSpPr>
+          <p:nvPr/>
+        </p:nvCxnSpPr>
+        <p:spPr>
+          <a:xfrm>
+            <a:off x="7506586" y="3429000"/>
+            <a:ext cx="1573618" cy="0"/>
+          </a:xfrm>
+          <a:prstGeom prst="straightConnector1">
+            <a:avLst/>
+          </a:prstGeom>
+          <a:ln w="57150">
+            <a:solidFill>
+              <a:schemeClr val="tx1"/>
+            </a:solidFill>
+            <a:tailEnd type="triangle"/>
+          </a:ln>
+        </p:spPr>
+        <p:style>
+          <a:lnRef idx="2">
+            <a:schemeClr val="accent1"/>
+          </a:lnRef>
+          <a:fillRef idx="1">
+            <a:schemeClr val="lt1"/>
+          </a:fillRef>
+          <a:effectRef idx="0">
+            <a:schemeClr val="accent1"/>
+          </a:effectRef>
+          <a:fontRef idx="minor">
+            <a:schemeClr val="dk1"/>
+          </a:fontRef>
+        </p:style>
+      </p:cxnSp>
+      <p:sp>
+        <p:nvSpPr>
+          <p:cNvPr id="21" name="Rectangle 20">
+            <a:extLst>
+              <a:ext uri="{FF2B5EF4-FFF2-40B4-BE49-F238E27FC236}">
+                <a16:creationId xmlns:a16="http://schemas.microsoft.com/office/drawing/2014/main" id="{0AD9F5C9-E2B4-424A-B12F-E2EBEBC17B16}"/>
+              </a:ext>
+            </a:extLst>
+          </p:cNvPr>
+          <p:cNvSpPr/>
+          <p:nvPr/>
+        </p:nvSpPr>
+        <p:spPr>
+          <a:xfrm>
+            <a:off x="4051004" y="5056300"/>
+            <a:ext cx="3795823" cy="1265274"/>
+          </a:xfrm>
+          <a:prstGeom prst="rect">
+            <a:avLst/>
+          </a:prstGeom>
+        </p:spPr>
+        <p:style>
+          <a:lnRef idx="2">
+            <a:schemeClr val="accent1"/>
+          </a:lnRef>
+          <a:fillRef idx="1">
+            <a:schemeClr val="lt1"/>
+          </a:fillRef>
+          <a:effectRef idx="0">
+            <a:schemeClr val="accent1"/>
+          </a:effectRef>
+          <a:fontRef idx="minor">
+            <a:schemeClr val="dk1"/>
+          </a:fontRef>
+        </p:style>
+        <p:txBody>
+          <a:bodyPr rtlCol="0" anchor="ctr"/>
+          <a:lstStyle/>
+          <a:p>
+            <a:r>
+              <a:rPr lang="en-US" sz="2000" b="1" dirty="0">
+                <a:solidFill>
+                  <a:srgbClr val="FF0000"/>
+                </a:solidFill>
+              </a:rPr>
+              <a:t>Important notice:</a:t>
+            </a:r>
+          </a:p>
+          <a:p>
+            <a:endParaRPr lang="en-US" sz="2000" b="1" dirty="0">
+              <a:solidFill>
+                <a:srgbClr val="FF0000"/>
+              </a:solidFill>
+            </a:endParaRPr>
+          </a:p>
+          <a:p>
+            <a:r>
+              <a:rPr lang="en-US" sz="2000" b="1" dirty="0">
+                <a:solidFill>
+                  <a:srgbClr val="FF0000"/>
+                </a:solidFill>
+              </a:rPr>
+              <a:t>Always check generated </a:t>
+            </a:r>
+            <a:r>
+              <a:rPr lang="en-US" sz="2000" b="1" dirty="0" err="1">
+                <a:solidFill>
+                  <a:srgbClr val="FF0000"/>
+                </a:solidFill>
+              </a:rPr>
+              <a:t>sql</a:t>
+            </a:r>
+            <a:r>
+              <a:rPr lang="en-US" sz="2000" b="1" dirty="0">
+                <a:solidFill>
+                  <a:srgbClr val="FF0000"/>
+                </a:solidFill>
+              </a:rPr>
+              <a:t> scripts, sometimes they are wrong</a:t>
+            </a:r>
+          </a:p>
+        </p:txBody>
+      </p:sp>
+      <p:cxnSp>
+        <p:nvCxnSpPr>
+          <p:cNvPr id="23" name="Straight Connector 22">
+            <a:extLst>
+              <a:ext uri="{FF2B5EF4-FFF2-40B4-BE49-F238E27FC236}">
+                <a16:creationId xmlns:a16="http://schemas.microsoft.com/office/drawing/2014/main" id="{EA41DB68-C21B-43F3-A922-978CE221E081}"/>
+              </a:ext>
+            </a:extLst>
+          </p:cNvPr>
+          <p:cNvCxnSpPr>
+            <a:stCxn id="8" idx="2"/>
+            <a:endCxn id="21" idx="0"/>
+          </p:cNvCxnSpPr>
+          <p:nvPr/>
+        </p:nvCxnSpPr>
+        <p:spPr>
+          <a:xfrm flipH="1">
+            <a:off x="5948916" y="4061637"/>
+            <a:ext cx="1" cy="994663"/>
+          </a:xfrm>
+          <a:prstGeom prst="line">
+            <a:avLst/>
+          </a:prstGeom>
+          <a:ln w="19050">
+            <a:solidFill>
+              <a:schemeClr val="tx1"/>
+            </a:solidFill>
+            <a:prstDash val="sysDash"/>
+          </a:ln>
+        </p:spPr>
+        <p:style>
+          <a:lnRef idx="1">
+            <a:schemeClr val="accent1"/>
+          </a:lnRef>
+          <a:fillRef idx="0">
+            <a:schemeClr val="accent1"/>
+          </a:fillRef>
+          <a:effectRef idx="0">
+            <a:schemeClr val="accent1"/>
+          </a:effectRef>
+          <a:fontRef idx="minor">
+            <a:schemeClr val="tx1"/>
+          </a:fontRef>
+        </p:style>
+      </p:cxnSp>
+    </p:spTree>
+    <p:extLst>
+      <p:ext uri="{BB962C8B-B14F-4D97-AF65-F5344CB8AC3E}">
+        <p14:creationId xmlns:p14="http://schemas.microsoft.com/office/powerpoint/2010/main" val="3560632244"/>
+      </p:ext>
+    </p:extLst>
+  </p:cSld>
+  <p:clrMapOvr>
+    <a:masterClrMapping/>
+  </p:clrMapOvr>
+</p:sld>
+</file>
+
+<file path=ppt/slides/slide5.xml><?xml version="1.0" encoding="utf-8"?>
+<p:sld xmlns:a="http://schemas.openxmlformats.org/drawingml/2006/main" xmlns:r="http://schemas.openxmlformats.org/officeDocument/2006/relationships" xmlns:p="http://schemas.openxmlformats.org/presentationml/2006/main">
+  <p:cSld>
+    <p:spTree>
+      <p:nvGrpSpPr>
+        <p:cNvPr id="1" name=""/>
+        <p:cNvGrpSpPr/>
+        <p:nvPr/>
+      </p:nvGrpSpPr>
+      <p:grpSpPr>
+        <a:xfrm>
+          <a:off x="0" y="0"/>
+          <a:ext cx="0" cy="0"/>
+          <a:chOff x="0" y="0"/>
+          <a:chExt cx="0" cy="0"/>
+        </a:xfrm>
+      </p:grpSpPr>
+      <p:sp>
+        <p:nvSpPr>
+          <p:cNvPr id="2" name="Title 1">
+            <a:extLst>
+              <a:ext uri="{FF2B5EF4-FFF2-40B4-BE49-F238E27FC236}">
+                <a16:creationId xmlns:a16="http://schemas.microsoft.com/office/drawing/2014/main" id="{9D094C18-2ADC-4288-98EA-D30468310313}"/>
+              </a:ext>
+            </a:extLst>
+          </p:cNvPr>
+          <p:cNvSpPr>
+            <a:spLocks noGrp="1"/>
+          </p:cNvSpPr>
+          <p:nvPr>
+            <p:ph type="title"/>
+          </p:nvPr>
+        </p:nvSpPr>
+        <p:spPr/>
+        <p:txBody>
+          <a:bodyPr/>
+          <a:lstStyle/>
+          <a:p>
+            <a:r>
+              <a:rPr lang="en-US" dirty="0"/>
+              <a:t>New requirement</a:t>
+            </a:r>
+          </a:p>
+        </p:txBody>
+      </p:sp>
+      <p:sp>
+        <p:nvSpPr>
+          <p:cNvPr id="4" name="Footer Placeholder 3">
+            <a:extLst>
+              <a:ext uri="{FF2B5EF4-FFF2-40B4-BE49-F238E27FC236}">
+                <a16:creationId xmlns:a16="http://schemas.microsoft.com/office/drawing/2014/main" id="{E60C59C8-B2A8-421F-B045-3D3231EC0989}"/>
+              </a:ext>
+            </a:extLst>
+          </p:cNvPr>
+          <p:cNvSpPr>
+            <a:spLocks noGrp="1"/>
+          </p:cNvSpPr>
+          <p:nvPr>
+            <p:ph type="ftr" sz="quarter" idx="11"/>
+          </p:nvPr>
+        </p:nvSpPr>
+        <p:spPr/>
+        <p:txBody>
+          <a:bodyPr/>
+          <a:lstStyle/>
+          <a:p>
+            <a:r>
+              <a:rPr lang="en-US"/>
+              <a:t>Nodejs Basics</a:t>
+            </a:r>
+            <a:endParaRPr lang="en-US" dirty="0"/>
+          </a:p>
+        </p:txBody>
+      </p:sp>
+      <p:sp>
+        <p:nvSpPr>
+          <p:cNvPr id="5" name="Slide Number Placeholder 4">
+            <a:extLst>
+              <a:ext uri="{FF2B5EF4-FFF2-40B4-BE49-F238E27FC236}">
+                <a16:creationId xmlns:a16="http://schemas.microsoft.com/office/drawing/2014/main" id="{13CD98A4-864A-4BBE-A0C5-C937DD02149A}"/>
+              </a:ext>
+            </a:extLst>
+          </p:cNvPr>
+          <p:cNvSpPr>
+            <a:spLocks noGrp="1"/>
+          </p:cNvSpPr>
+          <p:nvPr>
+            <p:ph type="sldNum" sz="quarter" idx="12"/>
+          </p:nvPr>
+        </p:nvSpPr>
+        <p:spPr/>
+        <p:txBody>
+          <a:bodyPr/>
+          <a:lstStyle/>
+          <a:p>
+            <a:fld id="{3A98EE3D-8CD1-4C3F-BD1C-C98C9596463C}" type="slidenum">
+              <a:rPr lang="en-US" smtClean="0"/>
+              <a:t>5</a:t>
+            </a:fld>
+            <a:endParaRPr lang="en-US" dirty="0"/>
+          </a:p>
+        </p:txBody>
+      </p:sp>
+      <p:pic>
+        <p:nvPicPr>
+          <p:cNvPr id="1026" name="Picture 2">
+            <a:extLst>
+              <a:ext uri="{FF2B5EF4-FFF2-40B4-BE49-F238E27FC236}">
+                <a16:creationId xmlns:a16="http://schemas.microsoft.com/office/drawing/2014/main" id="{7007D2A3-ED4E-474D-AE7E-4A7DB2BCA300}"/>
+              </a:ext>
+            </a:extLst>
+          </p:cNvPr>
+          <p:cNvPicPr>
+            <a:picLocks noGrp="1" noChangeAspect="1" noChangeArrowheads="1"/>
+          </p:cNvPicPr>
+          <p:nvPr>
+            <p:ph idx="1"/>
+          </p:nvPr>
+        </p:nvPicPr>
+        <p:blipFill>
+          <a:blip r:embed="rId2">
+            <a:extLst>
+              <a:ext uri="{28A0092B-C50C-407E-A947-70E740481C1C}">
+                <a14:useLocalDpi xmlns:a14="http://schemas.microsoft.com/office/drawing/2010/main" val="0"/>
+              </a:ext>
+            </a:extLst>
+          </a:blip>
+          <a:srcRect/>
+          <a:stretch>
+            <a:fillRect/>
+          </a:stretch>
+        </p:blipFill>
+        <p:spPr bwMode="auto">
+          <a:xfrm>
+            <a:off x="2128837" y="2343150"/>
+            <a:ext cx="7924800" cy="3152775"/>
+          </a:xfrm>
+          <a:prstGeom prst="rect">
+            <a:avLst/>
+          </a:prstGeom>
+          <a:noFill/>
+          <a:extLst>
+            <a:ext uri="{909E8E84-426E-40DD-AFC4-6F175D3DCCD1}">
+              <a14:hiddenFill xmlns:a14="http://schemas.microsoft.com/office/drawing/2010/main">
+                <a:solidFill>
+                  <a:srgbClr val="FFFFFF"/>
+                </a:solidFill>
+              </a14:hiddenFill>
+            </a:ext>
+          </a:extLst>
+        </p:spPr>
+      </p:pic>
+    </p:spTree>
+    <p:extLst>
+      <p:ext uri="{BB962C8B-B14F-4D97-AF65-F5344CB8AC3E}">
+        <p14:creationId xmlns:p14="http://schemas.microsoft.com/office/powerpoint/2010/main" val="2624995888"/>
+      </p:ext>
+    </p:extLst>
+  </p:cSld>
+  <p:clrMapOvr>
+    <a:masterClrMapping/>
+  </p:clrMapOvr>
+</p:sld>
+</file>
+
+<file path=ppt/slides/slide6.xml><?xml version="1.0" encoding="utf-8"?>
+<p:sld xmlns:a="http://schemas.openxmlformats.org/drawingml/2006/main" xmlns:r="http://schemas.openxmlformats.org/officeDocument/2006/relationships" xmlns:p="http://schemas.openxmlformats.org/presentationml/2006/main">
+  <p:cSld>
+    <p:spTree>
+      <p:nvGrpSpPr>
+        <p:cNvPr id="1" name=""/>
+        <p:cNvGrpSpPr/>
+        <p:nvPr/>
+      </p:nvGrpSpPr>
+      <p:grpSpPr>
+        <a:xfrm>
+          <a:off x="0" y="0"/>
+          <a:ext cx="0" cy="0"/>
+          <a:chOff x="0" y="0"/>
+          <a:chExt cx="0" cy="0"/>
+        </a:xfrm>
+      </p:grpSpPr>
+      <p:sp>
+        <p:nvSpPr>
+          <p:cNvPr id="2" name="Title 1">
+            <a:extLst>
+              <a:ext uri="{FF2B5EF4-FFF2-40B4-BE49-F238E27FC236}">
+                <a16:creationId xmlns:a16="http://schemas.microsoft.com/office/drawing/2014/main" id="{38EA1FFA-EA7D-4562-8574-9B6A883A6F60}"/>
+              </a:ext>
+            </a:extLst>
+          </p:cNvPr>
+          <p:cNvSpPr>
+            <a:spLocks noGrp="1"/>
+          </p:cNvSpPr>
+          <p:nvPr>
+            <p:ph type="title"/>
+          </p:nvPr>
+        </p:nvSpPr>
+        <p:spPr/>
+        <p:txBody>
+          <a:bodyPr/>
+          <a:lstStyle/>
+          <a:p>
+            <a:r>
+              <a:rPr lang="en-US" dirty="0"/>
+              <a:t>Demo</a:t>
+            </a:r>
+            <a:endParaRPr lang="fa-IR" dirty="0"/>
+          </a:p>
+        </p:txBody>
+      </p:sp>
+      <p:sp>
+        <p:nvSpPr>
+          <p:cNvPr id="3" name="Content Placeholder 2">
+            <a:extLst>
+              <a:ext uri="{FF2B5EF4-FFF2-40B4-BE49-F238E27FC236}">
+                <a16:creationId xmlns:a16="http://schemas.microsoft.com/office/drawing/2014/main" id="{71E388D6-3933-4957-A70B-608A72C2F12B}"/>
+              </a:ext>
+            </a:extLst>
+          </p:cNvPr>
+          <p:cNvSpPr>
+            <a:spLocks noGrp="1"/>
+          </p:cNvSpPr>
+          <p:nvPr>
+            <p:ph idx="1"/>
+          </p:nvPr>
+        </p:nvSpPr>
+        <p:spPr/>
+        <p:txBody>
+          <a:bodyPr/>
+          <a:lstStyle/>
+          <a:p>
+            <a:r>
+              <a:rPr lang="en-US" dirty="0"/>
+              <a:t>What does exports do in module?</a:t>
+            </a:r>
+          </a:p>
+          <a:p>
+            <a:pPr lvl="1"/>
+            <a:r>
+              <a:rPr lang="en-US" dirty="0"/>
+              <a:t>It will give you full control on your module about what is public and what is not?</a:t>
+            </a:r>
+          </a:p>
+          <a:p>
+            <a:pPr lvl="1"/>
+            <a:r>
+              <a:rPr lang="en-US" dirty="0"/>
+              <a:t>Nest.js encapsulate its providers in a module and they cannot be used by other modules,</a:t>
+            </a:r>
+          </a:p>
+          <a:p>
+            <a:pPr lvl="2"/>
+            <a:r>
+              <a:rPr lang="en-US" dirty="0"/>
+              <a:t>If you want to use a provider inside another module you have to explicitly declare it inside the exports array</a:t>
+            </a:r>
+          </a:p>
+          <a:p>
+            <a:pPr lvl="1"/>
+            <a:r>
+              <a:rPr lang="en-US" dirty="0"/>
+              <a:t>Let’s Create another module and use its service inside other modules</a:t>
+            </a:r>
+          </a:p>
+          <a:p>
+            <a:pPr lvl="2"/>
+            <a:r>
+              <a:rPr lang="en-US" dirty="0"/>
+              <a:t>Suppose we want to check if the user liked a post, don’t like it twice </a:t>
+            </a:r>
+            <a:r>
+              <a:rPr lang="en-US" dirty="0">
+                <a:sym typeface="Wingdings" panose="05000000000000000000" pitchFamily="2" charset="2"/>
+              </a:rPr>
+              <a:t></a:t>
+            </a:r>
+            <a:endParaRPr lang="en-US" dirty="0"/>
+          </a:p>
+        </p:txBody>
+      </p:sp>
+      <p:sp>
+        <p:nvSpPr>
+          <p:cNvPr id="4" name="Footer Placeholder 3">
+            <a:extLst>
+              <a:ext uri="{FF2B5EF4-FFF2-40B4-BE49-F238E27FC236}">
+                <a16:creationId xmlns:a16="http://schemas.microsoft.com/office/drawing/2014/main" id="{6E3C3697-AE69-4C71-A244-5F5A0C7FEE94}"/>
+              </a:ext>
+            </a:extLst>
+          </p:cNvPr>
+          <p:cNvSpPr>
+            <a:spLocks noGrp="1"/>
+          </p:cNvSpPr>
+          <p:nvPr>
+            <p:ph type="ftr" sz="quarter" idx="11"/>
+          </p:nvPr>
+        </p:nvSpPr>
+        <p:spPr/>
+        <p:txBody>
+          <a:bodyPr/>
+          <a:lstStyle/>
+          <a:p>
+            <a:r>
+              <a:rPr lang="en-US"/>
+              <a:t>Nodejs Basics</a:t>
+            </a:r>
+            <a:endParaRPr lang="en-US" dirty="0"/>
+          </a:p>
+        </p:txBody>
+      </p:sp>
+      <p:sp>
+        <p:nvSpPr>
+          <p:cNvPr id="5" name="Slide Number Placeholder 4">
+            <a:extLst>
+              <a:ext uri="{FF2B5EF4-FFF2-40B4-BE49-F238E27FC236}">
+                <a16:creationId xmlns:a16="http://schemas.microsoft.com/office/drawing/2014/main" id="{9DA2EA44-0517-44BE-B5A9-79399B96E525}"/>
+              </a:ext>
+            </a:extLst>
+          </p:cNvPr>
+          <p:cNvSpPr>
+            <a:spLocks noGrp="1"/>
+          </p:cNvSpPr>
+          <p:nvPr>
+            <p:ph type="sldNum" sz="quarter" idx="12"/>
+          </p:nvPr>
+        </p:nvSpPr>
+        <p:spPr/>
+        <p:txBody>
+          <a:bodyPr/>
+          <a:lstStyle/>
+          <a:p>
+            <a:fld id="{3A98EE3D-8CD1-4C3F-BD1C-C98C9596463C}" type="slidenum">
+              <a:rPr lang="en-US" smtClean="0"/>
+              <a:t>6</a:t>
+            </a:fld>
+            <a:endParaRPr lang="en-US" dirty="0"/>
+          </a:p>
+        </p:txBody>
+      </p:sp>
+    </p:spTree>
+    <p:extLst>
+      <p:ext uri="{BB962C8B-B14F-4D97-AF65-F5344CB8AC3E}">
+        <p14:creationId xmlns:p14="http://schemas.microsoft.com/office/powerpoint/2010/main" val="1925803305"/>
+      </p:ext>
+    </p:extLst>
+  </p:cSld>
+  <p:clrMapOvr>
+    <a:masterClrMapping/>
+  </p:clrMapOvr>
+</p:sld>
+</file>
+
+<file path=ppt/slides/slide7.xml><?xml version="1.0" encoding="utf-8"?>
+<p:sld xmlns:a="http://schemas.openxmlformats.org/drawingml/2006/main" xmlns:r="http://schemas.openxmlformats.org/officeDocument/2006/relationships" xmlns:p="http://schemas.openxmlformats.org/presentationml/2006/main">
+  <p:cSld>
+    <p:spTree>
+      <p:nvGrpSpPr>
+        <p:cNvPr id="1" name=""/>
+        <p:cNvGrpSpPr/>
+        <p:nvPr/>
+      </p:nvGrpSpPr>
+      <p:grpSpPr>
+        <a:xfrm>
+          <a:off x="0" y="0"/>
+          <a:ext cx="0" cy="0"/>
+          <a:chOff x="0" y="0"/>
+          <a:chExt cx="0" cy="0"/>
+        </a:xfrm>
+      </p:grpSpPr>
+      <p:sp>
+        <p:nvSpPr>
+          <p:cNvPr id="2" name="Title 1">
+            <a:extLst>
+              <a:ext uri="{FF2B5EF4-FFF2-40B4-BE49-F238E27FC236}">
+                <a16:creationId xmlns:a16="http://schemas.microsoft.com/office/drawing/2014/main" id="{D5E0567D-4395-423D-9855-D013E08F7204}"/>
+              </a:ext>
+            </a:extLst>
+          </p:cNvPr>
+          <p:cNvSpPr>
+            <a:spLocks noGrp="1"/>
+          </p:cNvSpPr>
+          <p:nvPr>
+            <p:ph type="title"/>
+          </p:nvPr>
+        </p:nvSpPr>
+        <p:spPr/>
+        <p:txBody>
+          <a:bodyPr/>
+          <a:lstStyle/>
+          <a:p>
+            <a:r>
+              <a:rPr lang="en-US" dirty="0"/>
+              <a:t>New requirement</a:t>
+            </a:r>
+          </a:p>
+        </p:txBody>
+      </p:sp>
+      <p:sp>
+        <p:nvSpPr>
+          <p:cNvPr id="3" name="Content Placeholder 2">
+            <a:extLst>
+              <a:ext uri="{FF2B5EF4-FFF2-40B4-BE49-F238E27FC236}">
+                <a16:creationId xmlns:a16="http://schemas.microsoft.com/office/drawing/2014/main" id="{0107FD5C-BEDA-467E-B77E-B2E0894C64B8}"/>
+              </a:ext>
+            </a:extLst>
+          </p:cNvPr>
+          <p:cNvSpPr>
+            <a:spLocks noGrp="1"/>
+          </p:cNvSpPr>
+          <p:nvPr>
+            <p:ph idx="1"/>
+          </p:nvPr>
+        </p:nvSpPr>
+        <p:spPr/>
+        <p:txBody>
+          <a:bodyPr/>
+          <a:lstStyle/>
+          <a:p>
+            <a:r>
+              <a:rPr lang="en-US" dirty="0"/>
+              <a:t>Each post has prices, and we use different currencies (Euro, Dollar, …), return prices by their currency appropriately</a:t>
+            </a:r>
+          </a:p>
+        </p:txBody>
+      </p:sp>
+      <p:sp>
+        <p:nvSpPr>
+          <p:cNvPr id="4" name="Footer Placeholder 3">
+            <a:extLst>
+              <a:ext uri="{FF2B5EF4-FFF2-40B4-BE49-F238E27FC236}">
+                <a16:creationId xmlns:a16="http://schemas.microsoft.com/office/drawing/2014/main" id="{6A5D764A-B3B4-4F8F-B51B-81A744042EEB}"/>
+              </a:ext>
+            </a:extLst>
+          </p:cNvPr>
+          <p:cNvSpPr>
+            <a:spLocks noGrp="1"/>
+          </p:cNvSpPr>
+          <p:nvPr>
+            <p:ph type="ftr" sz="quarter" idx="11"/>
+          </p:nvPr>
+        </p:nvSpPr>
+        <p:spPr/>
+        <p:txBody>
+          <a:bodyPr/>
+          <a:lstStyle/>
+          <a:p>
+            <a:r>
+              <a:rPr lang="en-US"/>
+              <a:t>Nodejs Basics</a:t>
+            </a:r>
+            <a:endParaRPr lang="en-US" dirty="0"/>
+          </a:p>
+        </p:txBody>
+      </p:sp>
+      <p:sp>
+        <p:nvSpPr>
+          <p:cNvPr id="5" name="Slide Number Placeholder 4">
+            <a:extLst>
+              <a:ext uri="{FF2B5EF4-FFF2-40B4-BE49-F238E27FC236}">
+                <a16:creationId xmlns:a16="http://schemas.microsoft.com/office/drawing/2014/main" id="{42AD9BF4-602B-45ED-B3DD-12C0E8D689F7}"/>
+              </a:ext>
+            </a:extLst>
+          </p:cNvPr>
+          <p:cNvSpPr>
+            <a:spLocks noGrp="1"/>
+          </p:cNvSpPr>
+          <p:nvPr>
+            <p:ph type="sldNum" sz="quarter" idx="12"/>
+          </p:nvPr>
+        </p:nvSpPr>
+        <p:spPr/>
+        <p:txBody>
+          <a:bodyPr/>
+          <a:lstStyle/>
+          <a:p>
+            <a:fld id="{3A98EE3D-8CD1-4C3F-BD1C-C98C9596463C}" type="slidenum">
+              <a:rPr lang="en-US" smtClean="0"/>
+              <a:t>7</a:t>
+            </a:fld>
+            <a:endParaRPr lang="en-US" dirty="0"/>
+          </a:p>
+        </p:txBody>
+      </p:sp>
+      <p:pic>
+        <p:nvPicPr>
+          <p:cNvPr id="2050" name="Picture 2">
+            <a:extLst>
+              <a:ext uri="{FF2B5EF4-FFF2-40B4-BE49-F238E27FC236}">
+                <a16:creationId xmlns:a16="http://schemas.microsoft.com/office/drawing/2014/main" id="{11970535-1150-41C0-8B69-ADE479ACD4FC}"/>
+              </a:ext>
+            </a:extLst>
+          </p:cNvPr>
+          <p:cNvPicPr>
+            <a:picLocks noChangeAspect="1" noChangeArrowheads="1"/>
+          </p:cNvPicPr>
+          <p:nvPr/>
+        </p:nvPicPr>
+        <p:blipFill>
+          <a:blip r:embed="rId2">
+            <a:extLst>
+              <a:ext uri="{28A0092B-C50C-407E-A947-70E740481C1C}">
+                <a14:useLocalDpi xmlns:a14="http://schemas.microsoft.com/office/drawing/2010/main" val="0"/>
+              </a:ext>
+            </a:extLst>
+          </a:blip>
+          <a:srcRect/>
+          <a:stretch>
+            <a:fillRect/>
+          </a:stretch>
+        </p:blipFill>
+        <p:spPr bwMode="auto">
+          <a:xfrm>
+            <a:off x="2850415" y="3158358"/>
+            <a:ext cx="6491169" cy="3370415"/>
+          </a:xfrm>
+          <a:prstGeom prst="rect">
+            <a:avLst/>
+          </a:prstGeom>
+          <a:noFill/>
+          <a:extLst>
+            <a:ext uri="{909E8E84-426E-40DD-AFC4-6F175D3DCCD1}">
+              <a14:hiddenFill xmlns:a14="http://schemas.microsoft.com/office/drawing/2010/main">
+                <a:solidFill>
+                  <a:srgbClr val="FFFFFF"/>
+                </a:solidFill>
+              </a14:hiddenFill>
+            </a:ext>
+          </a:extLst>
+        </p:spPr>
+      </p:pic>
+    </p:spTree>
+    <p:extLst>
+      <p:ext uri="{BB962C8B-B14F-4D97-AF65-F5344CB8AC3E}">
+        <p14:creationId xmlns:p14="http://schemas.microsoft.com/office/powerpoint/2010/main" val="3369382751"/>
+      </p:ext>
+    </p:extLst>
+  </p:cSld>
+  <p:clrMapOvr>
+    <a:masterClrMapping/>
+  </p:clrMapOvr>
+</p:sld>
+</file>
+
+<file path=ppt/slides/slide8.xml><?xml version="1.0" encoding="utf-8"?>
+<p:sld xmlns:a="http://schemas.openxmlformats.org/drawingml/2006/main" xmlns:r="http://schemas.openxmlformats.org/officeDocument/2006/relationships" xmlns:p="http://schemas.openxmlformats.org/presentationml/2006/main">
+  <p:cSld>
+    <p:spTree>
+      <p:nvGrpSpPr>
+        <p:cNvPr id="1" name=""/>
+        <p:cNvGrpSpPr/>
+        <p:nvPr/>
+      </p:nvGrpSpPr>
+      <p:grpSpPr>
+        <a:xfrm>
+          <a:off x="0" y="0"/>
+          <a:ext cx="0" cy="0"/>
+          <a:chOff x="0" y="0"/>
+          <a:chExt cx="0" cy="0"/>
+        </a:xfrm>
+      </p:grpSpPr>
+      <p:sp>
+        <p:nvSpPr>
+          <p:cNvPr id="2" name="Title 1">
+            <a:extLst>
+              <a:ext uri="{FF2B5EF4-FFF2-40B4-BE49-F238E27FC236}">
+                <a16:creationId xmlns:a16="http://schemas.microsoft.com/office/drawing/2014/main" id="{082886C4-D1D7-459F-9219-86C8878FF60C}"/>
+              </a:ext>
+            </a:extLst>
+          </p:cNvPr>
+          <p:cNvSpPr>
+            <a:spLocks noGrp="1"/>
+          </p:cNvSpPr>
+          <p:nvPr>
+            <p:ph type="title"/>
+          </p:nvPr>
+        </p:nvSpPr>
+        <p:spPr/>
+        <p:txBody>
+          <a:bodyPr/>
+          <a:lstStyle/>
+          <a:p>
+            <a:r>
+              <a:rPr lang="en-US" dirty="0"/>
+              <a:t>Demo</a:t>
+            </a:r>
+            <a:endParaRPr lang="fa-IR" dirty="0"/>
+          </a:p>
+        </p:txBody>
+      </p:sp>
+      <p:sp>
+        <p:nvSpPr>
+          <p:cNvPr id="3" name="Content Placeholder 2">
+            <a:extLst>
+              <a:ext uri="{FF2B5EF4-FFF2-40B4-BE49-F238E27FC236}">
+                <a16:creationId xmlns:a16="http://schemas.microsoft.com/office/drawing/2014/main" id="{DAC3AA9B-7961-4E3A-A823-5C48AAEFB475}"/>
+              </a:ext>
+            </a:extLst>
+          </p:cNvPr>
+          <p:cNvSpPr>
+            <a:spLocks noGrp="1"/>
+          </p:cNvSpPr>
+          <p:nvPr>
+            <p:ph idx="1"/>
+          </p:nvPr>
+        </p:nvSpPr>
+        <p:spPr/>
+        <p:txBody>
+          <a:bodyPr/>
+          <a:lstStyle/>
+          <a:p>
+            <a:r>
+              <a:rPr lang="en-US" dirty="0"/>
+              <a:t>Custom providers</a:t>
+            </a:r>
+          </a:p>
+          <a:p>
+            <a:pPr lvl="1"/>
+            <a:r>
+              <a:rPr lang="en-US" dirty="0"/>
+              <a:t>Use other types (strings, symbols, </a:t>
+            </a:r>
+            <a:r>
+              <a:rPr lang="en-US" dirty="0" err="1"/>
+              <a:t>enums</a:t>
+            </a:r>
+            <a:r>
+              <a:rPr lang="en-US" dirty="0"/>
+              <a:t>) as token in providers</a:t>
+            </a:r>
+          </a:p>
+          <a:p>
+            <a:pPr lvl="1"/>
+            <a:r>
+              <a:rPr lang="en-US" dirty="0"/>
+              <a:t>Ways to provide token:</a:t>
+            </a:r>
+          </a:p>
+          <a:p>
+            <a:pPr lvl="2"/>
+            <a:r>
+              <a:rPr lang="en-US" dirty="0" err="1"/>
+              <a:t>useClass</a:t>
+            </a:r>
+            <a:endParaRPr lang="en-US" dirty="0"/>
+          </a:p>
+          <a:p>
+            <a:pPr lvl="2"/>
+            <a:r>
+              <a:rPr lang="en-US" dirty="0" err="1"/>
+              <a:t>useValue</a:t>
+            </a:r>
+            <a:endParaRPr lang="en-US" dirty="0"/>
+          </a:p>
+          <a:p>
+            <a:pPr lvl="2"/>
+            <a:r>
+              <a:rPr lang="en-US" dirty="0"/>
+              <a:t>useFactory</a:t>
+            </a:r>
+          </a:p>
+          <a:p>
+            <a:pPr lvl="3"/>
+            <a:r>
+              <a:rPr lang="en-US" dirty="0"/>
+              <a:t>CREATE PROVIDERS DYNAMICALLY</a:t>
+            </a:r>
+          </a:p>
+          <a:p>
+            <a:pPr lvl="3"/>
+            <a:r>
+              <a:rPr lang="en-US" dirty="0"/>
+              <a:t>Can be extremely useful if you need to base the provider’s value on various other dependencies’ values, …</a:t>
+            </a:r>
+          </a:p>
+          <a:p>
+            <a:pPr lvl="3"/>
+            <a:r>
+              <a:rPr lang="en-US" dirty="0">
+                <a:solidFill>
+                  <a:srgbClr val="FF0000"/>
+                </a:solidFill>
+              </a:rPr>
+              <a:t>Factory function can able to inject other providers</a:t>
+            </a:r>
+          </a:p>
+          <a:p>
+            <a:pPr lvl="1"/>
+            <a:endParaRPr lang="fa-IR" dirty="0"/>
+          </a:p>
+        </p:txBody>
+      </p:sp>
+      <p:sp>
+        <p:nvSpPr>
+          <p:cNvPr id="4" name="Footer Placeholder 3">
+            <a:extLst>
+              <a:ext uri="{FF2B5EF4-FFF2-40B4-BE49-F238E27FC236}">
+                <a16:creationId xmlns:a16="http://schemas.microsoft.com/office/drawing/2014/main" id="{60F76881-34C4-4032-B9D0-D2145FAD1C6B}"/>
+              </a:ext>
+            </a:extLst>
+          </p:cNvPr>
+          <p:cNvSpPr>
+            <a:spLocks noGrp="1"/>
+          </p:cNvSpPr>
+          <p:nvPr>
+            <p:ph type="ftr" sz="quarter" idx="11"/>
+          </p:nvPr>
+        </p:nvSpPr>
+        <p:spPr/>
+        <p:txBody>
+          <a:bodyPr/>
+          <a:lstStyle/>
+          <a:p>
+            <a:r>
+              <a:rPr lang="en-US"/>
+              <a:t>Nodejs Basics</a:t>
+            </a:r>
+            <a:endParaRPr lang="en-US" dirty="0"/>
+          </a:p>
+        </p:txBody>
+      </p:sp>
+      <p:sp>
+        <p:nvSpPr>
+          <p:cNvPr id="5" name="Slide Number Placeholder 4">
+            <a:extLst>
+              <a:ext uri="{FF2B5EF4-FFF2-40B4-BE49-F238E27FC236}">
+                <a16:creationId xmlns:a16="http://schemas.microsoft.com/office/drawing/2014/main" id="{103493CC-1BEC-4389-BB83-B1A7FBF182C9}"/>
+              </a:ext>
+            </a:extLst>
+          </p:cNvPr>
+          <p:cNvSpPr>
+            <a:spLocks noGrp="1"/>
+          </p:cNvSpPr>
+          <p:nvPr>
+            <p:ph type="sldNum" sz="quarter" idx="12"/>
+          </p:nvPr>
+        </p:nvSpPr>
+        <p:spPr/>
+        <p:txBody>
+          <a:bodyPr/>
+          <a:lstStyle/>
+          <a:p>
+            <a:fld id="{3A98EE3D-8CD1-4C3F-BD1C-C98C9596463C}" type="slidenum">
+              <a:rPr lang="en-US" smtClean="0"/>
+              <a:t>8</a:t>
+            </a:fld>
+            <a:endParaRPr lang="en-US" dirty="0"/>
+          </a:p>
+        </p:txBody>
+      </p:sp>
+    </p:spTree>
+    <p:extLst>
+      <p:ext uri="{BB962C8B-B14F-4D97-AF65-F5344CB8AC3E}">
+        <p14:creationId xmlns:p14="http://schemas.microsoft.com/office/powerpoint/2010/main" val="4166969883"/>
+      </p:ext>
+    </p:extLst>
+  </p:cSld>
+  <p:clrMapOvr>
+    <a:masterClrMapping/>
+  </p:clrMapOvr>
+</p:sld>
+</file>
+
+<file path=ppt/slides/slide9.xml><?xml version="1.0" encoding="utf-8"?>
+<p:sld xmlns:a="http://schemas.openxmlformats.org/drawingml/2006/main" xmlns:r="http://schemas.openxmlformats.org/officeDocument/2006/relationships" xmlns:p="http://schemas.openxmlformats.org/presentationml/2006/main">
+  <p:cSld>
+    <p:spTree>
+      <p:nvGrpSpPr>
+        <p:cNvPr id="1" name=""/>
+        <p:cNvGrpSpPr/>
+        <p:nvPr/>
+      </p:nvGrpSpPr>
+      <p:grpSpPr>
+        <a:xfrm>
+          <a:off x="0" y="0"/>
+          <a:ext cx="0" cy="0"/>
+          <a:chOff x="0" y="0"/>
+          <a:chExt cx="0" cy="0"/>
+        </a:xfrm>
+      </p:grpSpPr>
+      <p:sp>
+        <p:nvSpPr>
+          <p:cNvPr id="2" name="Title 1">
+            <a:extLst>
+              <a:ext uri="{FF2B5EF4-FFF2-40B4-BE49-F238E27FC236}">
+                <a16:creationId xmlns:a16="http://schemas.microsoft.com/office/drawing/2014/main" id="{141256C2-8D02-4BED-A3A4-D7BAC2D623D2}"/>
+              </a:ext>
+            </a:extLst>
+          </p:cNvPr>
+          <p:cNvSpPr>
+            <a:spLocks noGrp="1"/>
+          </p:cNvSpPr>
+          <p:nvPr>
+            <p:ph type="title"/>
+          </p:nvPr>
+        </p:nvSpPr>
+        <p:spPr/>
+        <p:txBody>
+          <a:bodyPr/>
+          <a:lstStyle/>
+          <a:p>
+            <a:r>
+              <a:rPr lang="en-US" dirty="0"/>
+              <a:t>New requirement</a:t>
+            </a:r>
+          </a:p>
+        </p:txBody>
+      </p:sp>
+      <p:sp>
+        <p:nvSpPr>
+          <p:cNvPr id="3" name="Content Placeholder 2">
+            <a:extLst>
+              <a:ext uri="{FF2B5EF4-FFF2-40B4-BE49-F238E27FC236}">
+                <a16:creationId xmlns:a16="http://schemas.microsoft.com/office/drawing/2014/main" id="{F1F6BD2D-C164-4A00-A9E5-749D69A89FC9}"/>
+              </a:ext>
+            </a:extLst>
+          </p:cNvPr>
+          <p:cNvSpPr>
+            <a:spLocks noGrp="1"/>
+          </p:cNvSpPr>
+          <p:nvPr>
+            <p:ph idx="1"/>
+          </p:nvPr>
+        </p:nvSpPr>
+        <p:spPr/>
+        <p:txBody>
+          <a:bodyPr/>
+          <a:lstStyle/>
+          <a:p>
+            <a:r>
+              <a:rPr lang="en-US" dirty="0"/>
+              <a:t>Get currency from config (inside </a:t>
+            </a:r>
+            <a:r>
+              <a:rPr lang="en-US" dirty="0" err="1"/>
+              <a:t>db</a:t>
+            </a:r>
+            <a:r>
+              <a:rPr lang="en-US" dirty="0"/>
+              <a:t>)</a:t>
+            </a:r>
+          </a:p>
+        </p:txBody>
+      </p:sp>
+      <p:sp>
+        <p:nvSpPr>
+          <p:cNvPr id="4" name="Footer Placeholder 3">
+            <a:extLst>
+              <a:ext uri="{FF2B5EF4-FFF2-40B4-BE49-F238E27FC236}">
+                <a16:creationId xmlns:a16="http://schemas.microsoft.com/office/drawing/2014/main" id="{DEE54A20-0676-4CA2-8FF9-AF331A1E3233}"/>
+              </a:ext>
+            </a:extLst>
+          </p:cNvPr>
+          <p:cNvSpPr>
+            <a:spLocks noGrp="1"/>
+          </p:cNvSpPr>
+          <p:nvPr>
+            <p:ph type="ftr" sz="quarter" idx="11"/>
+          </p:nvPr>
+        </p:nvSpPr>
+        <p:spPr/>
+        <p:txBody>
+          <a:bodyPr/>
+          <a:lstStyle/>
+          <a:p>
+            <a:r>
+              <a:rPr lang="en-US"/>
+              <a:t>Nodejs Basics</a:t>
+            </a:r>
+            <a:endParaRPr lang="en-US" dirty="0"/>
+          </a:p>
+        </p:txBody>
+      </p:sp>
+      <p:sp>
+        <p:nvSpPr>
+          <p:cNvPr id="5" name="Slide Number Placeholder 4">
+            <a:extLst>
+              <a:ext uri="{FF2B5EF4-FFF2-40B4-BE49-F238E27FC236}">
+                <a16:creationId xmlns:a16="http://schemas.microsoft.com/office/drawing/2014/main" id="{7ECC57D4-3455-4ED1-8FC4-B0AA16318D9F}"/>
+              </a:ext>
+            </a:extLst>
+          </p:cNvPr>
+          <p:cNvSpPr>
+            <a:spLocks noGrp="1"/>
+          </p:cNvSpPr>
+          <p:nvPr>
+            <p:ph type="sldNum" sz="quarter" idx="12"/>
+          </p:nvPr>
+        </p:nvSpPr>
+        <p:spPr/>
+        <p:txBody>
+          <a:bodyPr/>
+          <a:lstStyle/>
+          <a:p>
+            <a:fld id="{3A98EE3D-8CD1-4C3F-BD1C-C98C9596463C}" type="slidenum">
+              <a:rPr lang="en-US" smtClean="0"/>
+              <a:t>9</a:t>
+            </a:fld>
+            <a:endParaRPr lang="en-US" dirty="0"/>
+          </a:p>
+        </p:txBody>
+      </p:sp>
+      <p:pic>
+        <p:nvPicPr>
+          <p:cNvPr id="3074" name="Picture 2">
+            <a:extLst>
+              <a:ext uri="{FF2B5EF4-FFF2-40B4-BE49-F238E27FC236}">
+                <a16:creationId xmlns:a16="http://schemas.microsoft.com/office/drawing/2014/main" id="{52C74DFA-2271-4337-B200-EF42172BC306}"/>
+              </a:ext>
+            </a:extLst>
+          </p:cNvPr>
+          <p:cNvPicPr>
+            <a:picLocks noChangeAspect="1" noChangeArrowheads="1"/>
+          </p:cNvPicPr>
+          <p:nvPr/>
+        </p:nvPicPr>
+        <p:blipFill>
+          <a:blip r:embed="rId2">
+            <a:extLst>
+              <a:ext uri="{28A0092B-C50C-407E-A947-70E740481C1C}">
+                <a14:useLocalDpi xmlns:a14="http://schemas.microsoft.com/office/drawing/2010/main" val="0"/>
+              </a:ext>
+            </a:extLst>
+          </a:blip>
+          <a:srcRect/>
+          <a:stretch>
+            <a:fillRect/>
+          </a:stretch>
+        </p:blipFill>
+        <p:spPr bwMode="auto">
+          <a:xfrm>
+            <a:off x="2080651" y="2156633"/>
+            <a:ext cx="8020050" cy="4114800"/>
+          </a:xfrm>
+          <a:prstGeom prst="rect">
+            <a:avLst/>
+          </a:prstGeom>
+          <a:noFill/>
+          <a:extLst>
+            <a:ext uri="{909E8E84-426E-40DD-AFC4-6F175D3DCCD1}">
+              <a14:hiddenFill xmlns:a14="http://schemas.microsoft.com/office/drawing/2010/main">
+                <a:solidFill>
+                  <a:srgbClr val="FFFFFF"/>
+                </a:solidFill>
+              </a14:hiddenFill>
+            </a:ext>
+          </a:extLst>
+        </p:spPr>
+      </p:pic>
+    </p:spTree>
+    <p:extLst>
+      <p:ext uri="{BB962C8B-B14F-4D97-AF65-F5344CB8AC3E}">
+        <p14:creationId xmlns:p14="http://schemas.microsoft.com/office/powerpoint/2010/main" val="3549902585"/>
       </p:ext>
     </p:extLst>
   </p:cSld>

--- a/nestjs/nestjs-04.pptx
+++ b/nestjs/nestjs-04.pptx
@@ -5,7 +5,7 @@
     <p:sldMasterId id="2147483705" r:id="rId1"/>
   </p:sldMasterIdLst>
   <p:notesMasterIdLst>
-    <p:notesMasterId r:id="rId18"/>
+    <p:notesMasterId r:id="rId13"/>
   </p:notesMasterIdLst>
   <p:sldIdLst>
     <p:sldId id="259" r:id="rId2"/>
@@ -18,12 +18,7 @@
     <p:sldId id="323" r:id="rId9"/>
     <p:sldId id="331" r:id="rId10"/>
     <p:sldId id="324" r:id="rId11"/>
-    <p:sldId id="325" r:id="rId12"/>
-    <p:sldId id="332" r:id="rId13"/>
-    <p:sldId id="326" r:id="rId14"/>
-    <p:sldId id="333" r:id="rId15"/>
-    <p:sldId id="327" r:id="rId16"/>
-    <p:sldId id="320" r:id="rId17"/>
+    <p:sldId id="320" r:id="rId12"/>
   </p:sldIdLst>
   <p:sldSz cx="12192000" cy="6858000"/>
   <p:notesSz cx="6858000" cy="9144000"/>
@@ -212,7 +207,7 @@
           <a:p>
             <a:fld id="{9B9ECB28-6A22-4037-9487-F3F739F744D6}" type="datetimeFigureOut">
               <a:rPr lang="en-US" smtClean="0"/>
-              <a:t>1/25/2022</a:t>
+              <a:t>1/26/2022</a:t>
             </a:fld>
             <a:endParaRPr lang="en-US"/>
           </a:p>
@@ -1637,7 +1632,7 @@
           <a:p>
             <a:fld id="{0FE84E6F-3671-472C-BE6F-A37BC298F4AB}" type="slidenum">
               <a:rPr lang="en-US" smtClean="0"/>
-              <a:t>16</a:t>
+              <a:t>11</a:t>
             </a:fld>
             <a:endParaRPr lang="en-US"/>
           </a:p>
@@ -1840,7 +1835,7 @@
           <a:p>
             <a:fld id="{19B6F524-99F3-4BEA-ACD7-976EF4D36657}" type="datetime1">
               <a:rPr lang="en-US" smtClean="0"/>
-              <a:t>1/25/2022</a:t>
+              <a:t>1/26/2022</a:t>
             </a:fld>
             <a:endParaRPr lang="en-US" dirty="0"/>
           </a:p>
@@ -2149,7 +2144,7 @@
           <a:p>
             <a:fld id="{2145C3A9-05D9-428D-9788-A7F14838F6F9}" type="datetime1">
               <a:rPr lang="en-US" smtClean="0"/>
-              <a:t>1/25/2022</a:t>
+              <a:t>1/26/2022</a:t>
             </a:fld>
             <a:endParaRPr lang="en-US" dirty="0"/>
           </a:p>
@@ -2347,7 +2342,7 @@
           <a:p>
             <a:fld id="{82C701FB-B03E-4981-A9F8-99B474DD173A}" type="datetime1">
               <a:rPr lang="en-US" smtClean="0"/>
-              <a:t>1/25/2022</a:t>
+              <a:t>1/26/2022</a:t>
             </a:fld>
             <a:endParaRPr lang="en-US" dirty="0"/>
           </a:p>
@@ -2614,7 +2609,7 @@
           <a:p>
             <a:fld id="{7A7E8EF3-CBF7-4EB9-B6E5-3754574E3433}" type="datetime1">
               <a:rPr lang="en-US" smtClean="0"/>
-              <a:t>1/25/2022</a:t>
+              <a:t>1/26/2022</a:t>
             </a:fld>
             <a:endParaRPr lang="en-US" dirty="0"/>
           </a:p>
@@ -3054,7 +3049,7 @@
           <a:p>
             <a:fld id="{DA8A4A96-31AC-487C-9F15-1822D58542B7}" type="datetime1">
               <a:rPr lang="en-US" smtClean="0"/>
-              <a:t>1/25/2022</a:t>
+              <a:t>1/26/2022</a:t>
             </a:fld>
             <a:endParaRPr lang="en-US" dirty="0"/>
           </a:p>
@@ -3595,7 +3590,7 @@
           <a:p>
             <a:fld id="{FBBF9546-09C4-4F24-A284-5B81FF8659B4}" type="datetime1">
               <a:rPr lang="en-US" smtClean="0"/>
-              <a:t>1/25/2022</a:t>
+              <a:t>1/26/2022</a:t>
             </a:fld>
             <a:endParaRPr lang="en-US" dirty="0"/>
           </a:p>
@@ -4481,7 +4476,7 @@
           <a:p>
             <a:fld id="{5BF4405D-15A5-450B-B053-484859B9C8F7}" type="datetime1">
               <a:rPr lang="en-US" smtClean="0"/>
-              <a:t>1/25/2022</a:t>
+              <a:t>1/26/2022</a:t>
             </a:fld>
             <a:endParaRPr lang="en-US" dirty="0"/>
           </a:p>
@@ -4655,7 +4650,7 @@
           <a:p>
             <a:fld id="{E0366559-EC21-40C1-8A65-9A3B4EA78391}" type="datetime1">
               <a:rPr lang="en-US" smtClean="0"/>
-              <a:t>1/25/2022</a:t>
+              <a:t>1/26/2022</a:t>
             </a:fld>
             <a:endParaRPr lang="en-US" dirty="0"/>
           </a:p>
@@ -4843,7 +4838,7 @@
           <a:p>
             <a:fld id="{4F09CA92-695C-4FFA-8E37-4D2C288BCC04}" type="datetime1">
               <a:rPr lang="en-US" smtClean="0"/>
-              <a:t>1/25/2022</a:t>
+              <a:t>1/26/2022</a:t>
             </a:fld>
             <a:endParaRPr lang="en-US" dirty="0"/>
           </a:p>
@@ -5017,7 +5012,7 @@
           <a:p>
             <a:fld id="{CA551262-FC07-4FE4-9221-F72F7D4F209A}" type="datetime1">
               <a:rPr lang="en-US" smtClean="0"/>
-              <a:t>1/25/2022</a:t>
+              <a:t>1/26/2022</a:t>
             </a:fld>
             <a:endParaRPr lang="en-US" dirty="0"/>
           </a:p>
@@ -5265,7 +5260,7 @@
           <a:p>
             <a:fld id="{46A321E4-8899-4F7D-BEB1-BD52626ABD8D}" type="datetime1">
               <a:rPr lang="en-US" smtClean="0"/>
-              <a:t>1/25/2022</a:t>
+              <a:t>1/26/2022</a:t>
             </a:fld>
             <a:endParaRPr lang="en-US" dirty="0"/>
           </a:p>
@@ -5511,7 +5506,7 @@
           <a:p>
             <a:fld id="{B53F6DFA-8A0E-4513-867D-18B9AA66B23C}" type="datetime1">
               <a:rPr lang="en-US" smtClean="0"/>
-              <a:t>1/25/2022</a:t>
+              <a:t>1/26/2022</a:t>
             </a:fld>
             <a:endParaRPr lang="en-US" dirty="0"/>
           </a:p>
@@ -5998,7 +5993,7 @@
           <a:p>
             <a:fld id="{154283A7-B9AC-454B-A468-44B75A398B49}" type="datetime1">
               <a:rPr lang="en-US" smtClean="0"/>
-              <a:t>1/25/2022</a:t>
+              <a:t>1/26/2022</a:t>
             </a:fld>
             <a:endParaRPr lang="en-US" dirty="0"/>
           </a:p>
@@ -6120,7 +6115,7 @@
           <a:p>
             <a:fld id="{A3F8184D-DEDD-48A0-9ACA-5F6ED9EFE5B8}" type="datetime1">
               <a:rPr lang="en-US" smtClean="0"/>
-              <a:t>1/25/2022</a:t>
+              <a:t>1/26/2022</a:t>
             </a:fld>
             <a:endParaRPr lang="en-US" dirty="0"/>
           </a:p>
@@ -6219,7 +6214,7 @@
           <a:p>
             <a:fld id="{BF38AC0E-F520-48F3-BA14-8BAB82D735FB}" type="datetime1">
               <a:rPr lang="en-US" smtClean="0"/>
-              <a:t>1/25/2022</a:t>
+              <a:t>1/26/2022</a:t>
             </a:fld>
             <a:endParaRPr lang="en-US" dirty="0"/>
           </a:p>
@@ -6478,7 +6473,7 @@
           <a:p>
             <a:fld id="{317D0F2A-2724-4AD4-BF4C-A7B1910D9412}" type="datetime1">
               <a:rPr lang="en-US" smtClean="0"/>
-              <a:t>1/25/2022</a:t>
+              <a:t>1/26/2022</a:t>
             </a:fld>
             <a:endParaRPr lang="en-US" dirty="0"/>
           </a:p>
@@ -6789,7 +6784,7 @@
           <a:p>
             <a:fld id="{9A0B82A5-4A21-4F82-91DB-989CE997E82E}" type="datetime1">
               <a:rPr lang="en-US" smtClean="0"/>
-              <a:t>1/25/2022</a:t>
+              <a:t>1/26/2022</a:t>
             </a:fld>
             <a:endParaRPr lang="en-US" dirty="0"/>
           </a:p>
@@ -7026,7 +7021,7 @@
           <a:p>
             <a:fld id="{01BFEF8A-AE08-4951-B923-589F814B0C31}" type="datetime1">
               <a:rPr lang="en-US" smtClean="0"/>
-              <a:t>1/25/2022</a:t>
+              <a:t>1/26/2022</a:t>
             </a:fld>
             <a:endParaRPr lang="en-US" dirty="0"/>
           </a:p>
@@ -8056,1084 +8051,6 @@
           <p:cNvPr id="2" name="Title 1">
             <a:extLst>
               <a:ext uri="{FF2B5EF4-FFF2-40B4-BE49-F238E27FC236}">
-                <a16:creationId xmlns:a16="http://schemas.microsoft.com/office/drawing/2014/main" id="{2ED9F42B-DD57-44A9-A024-B5A21971513F}"/>
-              </a:ext>
-            </a:extLst>
-          </p:cNvPr>
-          <p:cNvSpPr>
-            <a:spLocks noGrp="1"/>
-          </p:cNvSpPr>
-          <p:nvPr>
-            <p:ph type="title"/>
-          </p:nvPr>
-        </p:nvSpPr>
-        <p:spPr/>
-        <p:txBody>
-          <a:bodyPr/>
-          <a:lstStyle/>
-          <a:p>
-            <a:r>
-              <a:rPr lang="en-US" dirty="0"/>
-              <a:t>Demo</a:t>
-            </a:r>
-            <a:endParaRPr lang="fa-IR" dirty="0"/>
-          </a:p>
-        </p:txBody>
-      </p:sp>
-      <p:sp>
-        <p:nvSpPr>
-          <p:cNvPr id="3" name="Content Placeholder 2">
-            <a:extLst>
-              <a:ext uri="{FF2B5EF4-FFF2-40B4-BE49-F238E27FC236}">
-                <a16:creationId xmlns:a16="http://schemas.microsoft.com/office/drawing/2014/main" id="{276175C7-A8EE-437B-8B8B-9E55BB637E06}"/>
-              </a:ext>
-            </a:extLst>
-          </p:cNvPr>
-          <p:cNvSpPr>
-            <a:spLocks noGrp="1"/>
-          </p:cNvSpPr>
-          <p:nvPr>
-            <p:ph idx="1"/>
-          </p:nvPr>
-        </p:nvSpPr>
-        <p:spPr/>
-        <p:txBody>
-          <a:bodyPr/>
-          <a:lstStyle/>
-          <a:p>
-            <a:r>
-              <a:rPr lang="en-US" dirty="0"/>
-              <a:t>Dynamic module</a:t>
-            </a:r>
-          </a:p>
-          <a:p>
-            <a:pPr lvl="1"/>
-            <a:r>
-              <a:rPr lang="en-US" dirty="0"/>
-              <a:t>Static modules can’t have their providers be configured by a module that consuming it.</a:t>
-            </a:r>
-          </a:p>
-          <a:p>
-            <a:pPr lvl="1"/>
-            <a:r>
-              <a:rPr lang="en-US" dirty="0"/>
-              <a:t>Why does that matter?</a:t>
-            </a:r>
-          </a:p>
-          <a:p>
-            <a:pPr lvl="2"/>
-            <a:r>
-              <a:rPr lang="en-US" dirty="0"/>
-              <a:t>For general purpose modules </a:t>
-            </a:r>
-            <a:r>
-              <a:rPr lang="en-US" dirty="0">
-                <a:sym typeface="Wingdings" panose="05000000000000000000" pitchFamily="2" charset="2"/>
-              </a:rPr>
-              <a:t>, that needs to behave differently in different circumstances</a:t>
-            </a:r>
-          </a:p>
-          <a:p>
-            <a:pPr lvl="1"/>
-            <a:r>
-              <a:rPr lang="en-US" dirty="0">
-                <a:sym typeface="Wingdings" panose="05000000000000000000" pitchFamily="2" charset="2"/>
-              </a:rPr>
-              <a:t>Use static method with some names like: register, </a:t>
-            </a:r>
-            <a:r>
-              <a:rPr lang="en-US" dirty="0" err="1">
-                <a:sym typeface="Wingdings" panose="05000000000000000000" pitchFamily="2" charset="2"/>
-              </a:rPr>
-              <a:t>forRoot</a:t>
-            </a:r>
-            <a:r>
-              <a:rPr lang="en-US" dirty="0">
-                <a:sym typeface="Wingdings" panose="05000000000000000000" pitchFamily="2" charset="2"/>
-              </a:rPr>
-              <a:t>, …</a:t>
-            </a:r>
-          </a:p>
-          <a:p>
-            <a:pPr lvl="1"/>
-            <a:r>
-              <a:rPr lang="en-US" dirty="0">
-                <a:sym typeface="Wingdings" panose="05000000000000000000" pitchFamily="2" charset="2"/>
-              </a:rPr>
-              <a:t>Return a </a:t>
-            </a:r>
-            <a:r>
-              <a:rPr lang="en-US" dirty="0" err="1">
-                <a:sym typeface="Wingdings" panose="05000000000000000000" pitchFamily="2" charset="2"/>
-              </a:rPr>
-              <a:t>DynamicModule</a:t>
-            </a:r>
-            <a:r>
-              <a:rPr lang="en-US" dirty="0">
-                <a:sym typeface="Wingdings" panose="05000000000000000000" pitchFamily="2" charset="2"/>
-              </a:rPr>
-              <a:t> object inside that function</a:t>
-            </a:r>
-          </a:p>
-          <a:p>
-            <a:pPr lvl="2"/>
-            <a:r>
-              <a:rPr lang="en-US" dirty="0">
-                <a:sym typeface="Wingdings" panose="05000000000000000000" pitchFamily="2" charset="2"/>
-              </a:rPr>
-              <a:t>Module: just like your module name</a:t>
-            </a:r>
-          </a:p>
-          <a:p>
-            <a:pPr lvl="2"/>
-            <a:r>
-              <a:rPr lang="en-US" dirty="0">
-                <a:sym typeface="Wingdings" panose="05000000000000000000" pitchFamily="2" charset="2"/>
-              </a:rPr>
-              <a:t>Providers: needed providers that you add them inside your static function</a:t>
-            </a:r>
-            <a:endParaRPr lang="fa-IR" dirty="0"/>
-          </a:p>
-        </p:txBody>
-      </p:sp>
-      <p:sp>
-        <p:nvSpPr>
-          <p:cNvPr id="4" name="Footer Placeholder 3">
-            <a:extLst>
-              <a:ext uri="{FF2B5EF4-FFF2-40B4-BE49-F238E27FC236}">
-                <a16:creationId xmlns:a16="http://schemas.microsoft.com/office/drawing/2014/main" id="{3613FF50-268B-484B-82F0-AB16C67F789B}"/>
-              </a:ext>
-            </a:extLst>
-          </p:cNvPr>
-          <p:cNvSpPr>
-            <a:spLocks noGrp="1"/>
-          </p:cNvSpPr>
-          <p:nvPr>
-            <p:ph type="ftr" sz="quarter" idx="11"/>
-          </p:nvPr>
-        </p:nvSpPr>
-        <p:spPr/>
-        <p:txBody>
-          <a:bodyPr/>
-          <a:lstStyle/>
-          <a:p>
-            <a:r>
-              <a:rPr lang="en-US"/>
-              <a:t>Nodejs Basics</a:t>
-            </a:r>
-            <a:endParaRPr lang="en-US" dirty="0"/>
-          </a:p>
-        </p:txBody>
-      </p:sp>
-      <p:sp>
-        <p:nvSpPr>
-          <p:cNvPr id="5" name="Slide Number Placeholder 4">
-            <a:extLst>
-              <a:ext uri="{FF2B5EF4-FFF2-40B4-BE49-F238E27FC236}">
-                <a16:creationId xmlns:a16="http://schemas.microsoft.com/office/drawing/2014/main" id="{61B3882C-482F-4779-A76B-93D3C15064E3}"/>
-              </a:ext>
-            </a:extLst>
-          </p:cNvPr>
-          <p:cNvSpPr>
-            <a:spLocks noGrp="1"/>
-          </p:cNvSpPr>
-          <p:nvPr>
-            <p:ph type="sldNum" sz="quarter" idx="12"/>
-          </p:nvPr>
-        </p:nvSpPr>
-        <p:spPr/>
-        <p:txBody>
-          <a:bodyPr/>
-          <a:lstStyle/>
-          <a:p>
-            <a:fld id="{3A98EE3D-8CD1-4C3F-BD1C-C98C9596463C}" type="slidenum">
-              <a:rPr lang="en-US" smtClean="0"/>
-              <a:t>11</a:t>
-            </a:fld>
-            <a:endParaRPr lang="en-US" dirty="0"/>
-          </a:p>
-        </p:txBody>
-      </p:sp>
-    </p:spTree>
-    <p:extLst>
-      <p:ext uri="{BB962C8B-B14F-4D97-AF65-F5344CB8AC3E}">
-        <p14:creationId xmlns:p14="http://schemas.microsoft.com/office/powerpoint/2010/main" val="2295156601"/>
-      </p:ext>
-    </p:extLst>
-  </p:cSld>
-  <p:clrMapOvr>
-    <a:masterClrMapping/>
-  </p:clrMapOvr>
-</p:sld>
-</file>
-
-<file path=ppt/slides/slide12.xml><?xml version="1.0" encoding="utf-8"?>
-<p:sld xmlns:a="http://schemas.openxmlformats.org/drawingml/2006/main" xmlns:r="http://schemas.openxmlformats.org/officeDocument/2006/relationships" xmlns:p="http://schemas.openxmlformats.org/presentationml/2006/main">
-  <p:cSld>
-    <p:spTree>
-      <p:nvGrpSpPr>
-        <p:cNvPr id="1" name=""/>
-        <p:cNvGrpSpPr/>
-        <p:nvPr/>
-      </p:nvGrpSpPr>
-      <p:grpSpPr>
-        <a:xfrm>
-          <a:off x="0" y="0"/>
-          <a:ext cx="0" cy="0"/>
-          <a:chOff x="0" y="0"/>
-          <a:chExt cx="0" cy="0"/>
-        </a:xfrm>
-      </p:grpSpPr>
-      <p:sp>
-        <p:nvSpPr>
-          <p:cNvPr id="2" name="Title 1">
-            <a:extLst>
-              <a:ext uri="{FF2B5EF4-FFF2-40B4-BE49-F238E27FC236}">
-                <a16:creationId xmlns:a16="http://schemas.microsoft.com/office/drawing/2014/main" id="{615C4ACC-0187-4B99-A448-819B2F9DA6A9}"/>
-              </a:ext>
-            </a:extLst>
-          </p:cNvPr>
-          <p:cNvSpPr>
-            <a:spLocks noGrp="1"/>
-          </p:cNvSpPr>
-          <p:nvPr>
-            <p:ph type="title"/>
-          </p:nvPr>
-        </p:nvSpPr>
-        <p:spPr/>
-        <p:txBody>
-          <a:bodyPr/>
-          <a:lstStyle/>
-          <a:p>
-            <a:r>
-              <a:rPr lang="en-US" dirty="0"/>
-              <a:t>New requirement</a:t>
-            </a:r>
-          </a:p>
-        </p:txBody>
-      </p:sp>
-      <p:sp>
-        <p:nvSpPr>
-          <p:cNvPr id="3" name="Content Placeholder 2">
-            <a:extLst>
-              <a:ext uri="{FF2B5EF4-FFF2-40B4-BE49-F238E27FC236}">
-                <a16:creationId xmlns:a16="http://schemas.microsoft.com/office/drawing/2014/main" id="{30448F5A-5D08-47DD-8F1F-20E029964C25}"/>
-              </a:ext>
-            </a:extLst>
-          </p:cNvPr>
-          <p:cNvSpPr>
-            <a:spLocks noGrp="1"/>
-          </p:cNvSpPr>
-          <p:nvPr>
-            <p:ph idx="1"/>
-          </p:nvPr>
-        </p:nvSpPr>
-        <p:spPr/>
-        <p:txBody>
-          <a:bodyPr/>
-          <a:lstStyle/>
-          <a:p>
-            <a:r>
-              <a:rPr lang="en-US" dirty="0"/>
-              <a:t>Dev requirement: we need a logger service</a:t>
-            </a:r>
-          </a:p>
-        </p:txBody>
-      </p:sp>
-      <p:sp>
-        <p:nvSpPr>
-          <p:cNvPr id="4" name="Footer Placeholder 3">
-            <a:extLst>
-              <a:ext uri="{FF2B5EF4-FFF2-40B4-BE49-F238E27FC236}">
-                <a16:creationId xmlns:a16="http://schemas.microsoft.com/office/drawing/2014/main" id="{213C8B56-3E14-4749-B365-EDFD2EB3620C}"/>
-              </a:ext>
-            </a:extLst>
-          </p:cNvPr>
-          <p:cNvSpPr>
-            <a:spLocks noGrp="1"/>
-          </p:cNvSpPr>
-          <p:nvPr>
-            <p:ph type="ftr" sz="quarter" idx="11"/>
-          </p:nvPr>
-        </p:nvSpPr>
-        <p:spPr/>
-        <p:txBody>
-          <a:bodyPr/>
-          <a:lstStyle/>
-          <a:p>
-            <a:r>
-              <a:rPr lang="en-US"/>
-              <a:t>Nodejs Basics</a:t>
-            </a:r>
-            <a:endParaRPr lang="en-US" dirty="0"/>
-          </a:p>
-        </p:txBody>
-      </p:sp>
-      <p:sp>
-        <p:nvSpPr>
-          <p:cNvPr id="5" name="Slide Number Placeholder 4">
-            <a:extLst>
-              <a:ext uri="{FF2B5EF4-FFF2-40B4-BE49-F238E27FC236}">
-                <a16:creationId xmlns:a16="http://schemas.microsoft.com/office/drawing/2014/main" id="{5F341EA8-194F-466F-8B82-11602EAB855E}"/>
-              </a:ext>
-            </a:extLst>
-          </p:cNvPr>
-          <p:cNvSpPr>
-            <a:spLocks noGrp="1"/>
-          </p:cNvSpPr>
-          <p:nvPr>
-            <p:ph type="sldNum" sz="quarter" idx="12"/>
-          </p:nvPr>
-        </p:nvSpPr>
-        <p:spPr/>
-        <p:txBody>
-          <a:bodyPr/>
-          <a:lstStyle/>
-          <a:p>
-            <a:fld id="{3A98EE3D-8CD1-4C3F-BD1C-C98C9596463C}" type="slidenum">
-              <a:rPr lang="en-US" smtClean="0"/>
-              <a:t>12</a:t>
-            </a:fld>
-            <a:endParaRPr lang="en-US" dirty="0"/>
-          </a:p>
-        </p:txBody>
-      </p:sp>
-    </p:spTree>
-    <p:extLst>
-      <p:ext uri="{BB962C8B-B14F-4D97-AF65-F5344CB8AC3E}">
-        <p14:creationId xmlns:p14="http://schemas.microsoft.com/office/powerpoint/2010/main" val="2059607593"/>
-      </p:ext>
-    </p:extLst>
-  </p:cSld>
-  <p:clrMapOvr>
-    <a:masterClrMapping/>
-  </p:clrMapOvr>
-</p:sld>
-</file>
-
-<file path=ppt/slides/slide13.xml><?xml version="1.0" encoding="utf-8"?>
-<p:sld xmlns:a="http://schemas.openxmlformats.org/drawingml/2006/main" xmlns:r="http://schemas.openxmlformats.org/officeDocument/2006/relationships" xmlns:p="http://schemas.openxmlformats.org/presentationml/2006/main">
-  <p:cSld>
-    <p:spTree>
-      <p:nvGrpSpPr>
-        <p:cNvPr id="1" name=""/>
-        <p:cNvGrpSpPr/>
-        <p:nvPr/>
-      </p:nvGrpSpPr>
-      <p:grpSpPr>
-        <a:xfrm>
-          <a:off x="0" y="0"/>
-          <a:ext cx="0" cy="0"/>
-          <a:chOff x="0" y="0"/>
-          <a:chExt cx="0" cy="0"/>
-        </a:xfrm>
-      </p:grpSpPr>
-      <p:sp>
-        <p:nvSpPr>
-          <p:cNvPr id="2" name="Title 1">
-            <a:extLst>
-              <a:ext uri="{FF2B5EF4-FFF2-40B4-BE49-F238E27FC236}">
-                <a16:creationId xmlns:a16="http://schemas.microsoft.com/office/drawing/2014/main" id="{35255E52-7484-436E-A464-E512926DC1AC}"/>
-              </a:ext>
-            </a:extLst>
-          </p:cNvPr>
-          <p:cNvSpPr>
-            <a:spLocks noGrp="1"/>
-          </p:cNvSpPr>
-          <p:nvPr>
-            <p:ph type="title"/>
-          </p:nvPr>
-        </p:nvSpPr>
-        <p:spPr/>
-        <p:txBody>
-          <a:bodyPr/>
-          <a:lstStyle/>
-          <a:p>
-            <a:r>
-              <a:rPr lang="en-US" dirty="0"/>
-              <a:t>Demo</a:t>
-            </a:r>
-            <a:endParaRPr lang="fa-IR" dirty="0"/>
-          </a:p>
-        </p:txBody>
-      </p:sp>
-      <p:sp>
-        <p:nvSpPr>
-          <p:cNvPr id="3" name="Content Placeholder 2">
-            <a:extLst>
-              <a:ext uri="{FF2B5EF4-FFF2-40B4-BE49-F238E27FC236}">
-                <a16:creationId xmlns:a16="http://schemas.microsoft.com/office/drawing/2014/main" id="{747CA358-9F75-40DA-A315-74B4C8CD43BB}"/>
-              </a:ext>
-            </a:extLst>
-          </p:cNvPr>
-          <p:cNvSpPr>
-            <a:spLocks noGrp="1"/>
-          </p:cNvSpPr>
-          <p:nvPr>
-            <p:ph idx="1"/>
-          </p:nvPr>
-        </p:nvSpPr>
-        <p:spPr/>
-        <p:txBody>
-          <a:bodyPr>
-            <a:normAutofit/>
-          </a:bodyPr>
-          <a:lstStyle/>
-          <a:p>
-            <a:r>
-              <a:rPr lang="en-US" dirty="0"/>
-              <a:t>Other scopes than singleton:</a:t>
-            </a:r>
-          </a:p>
-          <a:p>
-            <a:pPr lvl="1"/>
-            <a:r>
-              <a:rPr lang="en-US" dirty="0"/>
-              <a:t>All singleton providers instantiated when the program bootstrapped</a:t>
-            </a:r>
-          </a:p>
-          <a:p>
-            <a:pPr lvl="1"/>
-            <a:r>
-              <a:rPr lang="en-US" dirty="0"/>
-              <a:t>Transient</a:t>
-            </a:r>
-          </a:p>
-          <a:p>
-            <a:pPr lvl="2"/>
-            <a:r>
-              <a:rPr lang="en-US" dirty="0"/>
-              <a:t>Every time it will instantiated</a:t>
-            </a:r>
-          </a:p>
-          <a:p>
-            <a:pPr lvl="1"/>
-            <a:r>
-              <a:rPr lang="en-US" dirty="0"/>
-              <a:t>There is two place to tell nest our provider scope:</a:t>
-            </a:r>
-          </a:p>
-          <a:p>
-            <a:pPr lvl="2"/>
-            <a:r>
-              <a:rPr lang="en-US" dirty="0"/>
-              <a:t>@Injectable</a:t>
-            </a:r>
-          </a:p>
-          <a:p>
-            <a:pPr lvl="2"/>
-            <a:r>
-              <a:rPr lang="en-US" dirty="0"/>
-              <a:t>Inside providers array in module</a:t>
-            </a:r>
-          </a:p>
-          <a:p>
-            <a:pPr lvl="1"/>
-            <a:r>
-              <a:rPr lang="en-US" dirty="0"/>
-              <a:t>What is the benefit of transient?</a:t>
-            </a:r>
-          </a:p>
-          <a:p>
-            <a:pPr lvl="2"/>
-            <a:r>
-              <a:rPr lang="en-US" dirty="0"/>
-              <a:t>Each class has its own state</a:t>
-            </a:r>
-          </a:p>
-          <a:p>
-            <a:pPr lvl="2"/>
-            <a:r>
-              <a:rPr lang="en-US" dirty="0"/>
-              <a:t>Suppose logger class with different prefixes.</a:t>
-            </a:r>
-          </a:p>
-          <a:p>
-            <a:pPr lvl="1"/>
-            <a:endParaRPr lang="fa-IR" dirty="0"/>
-          </a:p>
-        </p:txBody>
-      </p:sp>
-      <p:sp>
-        <p:nvSpPr>
-          <p:cNvPr id="4" name="Footer Placeholder 3">
-            <a:extLst>
-              <a:ext uri="{FF2B5EF4-FFF2-40B4-BE49-F238E27FC236}">
-                <a16:creationId xmlns:a16="http://schemas.microsoft.com/office/drawing/2014/main" id="{12F84F52-D84C-468D-ADC7-FDFF4098A52D}"/>
-              </a:ext>
-            </a:extLst>
-          </p:cNvPr>
-          <p:cNvSpPr>
-            <a:spLocks noGrp="1"/>
-          </p:cNvSpPr>
-          <p:nvPr>
-            <p:ph type="ftr" sz="quarter" idx="11"/>
-          </p:nvPr>
-        </p:nvSpPr>
-        <p:spPr/>
-        <p:txBody>
-          <a:bodyPr/>
-          <a:lstStyle/>
-          <a:p>
-            <a:r>
-              <a:rPr lang="en-US"/>
-              <a:t>Nodejs Basics</a:t>
-            </a:r>
-            <a:endParaRPr lang="en-US" dirty="0"/>
-          </a:p>
-        </p:txBody>
-      </p:sp>
-      <p:sp>
-        <p:nvSpPr>
-          <p:cNvPr id="5" name="Slide Number Placeholder 4">
-            <a:extLst>
-              <a:ext uri="{FF2B5EF4-FFF2-40B4-BE49-F238E27FC236}">
-                <a16:creationId xmlns:a16="http://schemas.microsoft.com/office/drawing/2014/main" id="{7CB037D8-445B-44F0-A1FA-496A80D17939}"/>
-              </a:ext>
-            </a:extLst>
-          </p:cNvPr>
-          <p:cNvSpPr>
-            <a:spLocks noGrp="1"/>
-          </p:cNvSpPr>
-          <p:nvPr>
-            <p:ph type="sldNum" sz="quarter" idx="12"/>
-          </p:nvPr>
-        </p:nvSpPr>
-        <p:spPr/>
-        <p:txBody>
-          <a:bodyPr/>
-          <a:lstStyle/>
-          <a:p>
-            <a:fld id="{3A98EE3D-8CD1-4C3F-BD1C-C98C9596463C}" type="slidenum">
-              <a:rPr lang="en-US" smtClean="0"/>
-              <a:t>13</a:t>
-            </a:fld>
-            <a:endParaRPr lang="en-US" dirty="0"/>
-          </a:p>
-        </p:txBody>
-      </p:sp>
-      <p:pic>
-        <p:nvPicPr>
-          <p:cNvPr id="9" name="Picture 8">
-            <a:extLst>
-              <a:ext uri="{FF2B5EF4-FFF2-40B4-BE49-F238E27FC236}">
-                <a16:creationId xmlns:a16="http://schemas.microsoft.com/office/drawing/2014/main" id="{A260C43C-7BEF-4916-B417-2B03D1C58229}"/>
-              </a:ext>
-            </a:extLst>
-          </p:cNvPr>
-          <p:cNvPicPr>
-            <a:picLocks noChangeAspect="1"/>
-          </p:cNvPicPr>
-          <p:nvPr/>
-        </p:nvPicPr>
-        <p:blipFill>
-          <a:blip r:embed="rId2"/>
-          <a:stretch>
-            <a:fillRect/>
-          </a:stretch>
-        </p:blipFill>
-        <p:spPr>
-          <a:xfrm>
-            <a:off x="6931823" y="3823758"/>
-            <a:ext cx="4877509" cy="1874494"/>
-          </a:xfrm>
-          <a:prstGeom prst="rect">
-            <a:avLst/>
-          </a:prstGeom>
-        </p:spPr>
-      </p:pic>
-    </p:spTree>
-    <p:extLst>
-      <p:ext uri="{BB962C8B-B14F-4D97-AF65-F5344CB8AC3E}">
-        <p14:creationId xmlns:p14="http://schemas.microsoft.com/office/powerpoint/2010/main" val="3682007813"/>
-      </p:ext>
-    </p:extLst>
-  </p:cSld>
-  <p:clrMapOvr>
-    <a:masterClrMapping/>
-  </p:clrMapOvr>
-</p:sld>
-</file>
-
-<file path=ppt/slides/slide14.xml><?xml version="1.0" encoding="utf-8"?>
-<p:sld xmlns:a="http://schemas.openxmlformats.org/drawingml/2006/main" xmlns:r="http://schemas.openxmlformats.org/officeDocument/2006/relationships" xmlns:p="http://schemas.openxmlformats.org/presentationml/2006/main">
-  <p:cSld>
-    <p:spTree>
-      <p:nvGrpSpPr>
-        <p:cNvPr id="1" name=""/>
-        <p:cNvGrpSpPr/>
-        <p:nvPr/>
-      </p:nvGrpSpPr>
-      <p:grpSpPr>
-        <a:xfrm>
-          <a:off x="0" y="0"/>
-          <a:ext cx="0" cy="0"/>
-          <a:chOff x="0" y="0"/>
-          <a:chExt cx="0" cy="0"/>
-        </a:xfrm>
-      </p:grpSpPr>
-      <p:sp>
-        <p:nvSpPr>
-          <p:cNvPr id="2" name="Title 1">
-            <a:extLst>
-              <a:ext uri="{FF2B5EF4-FFF2-40B4-BE49-F238E27FC236}">
-                <a16:creationId xmlns:a16="http://schemas.microsoft.com/office/drawing/2014/main" id="{1798674D-738C-4E41-9AD5-E13E095EFB07}"/>
-              </a:ext>
-            </a:extLst>
-          </p:cNvPr>
-          <p:cNvSpPr>
-            <a:spLocks noGrp="1"/>
-          </p:cNvSpPr>
-          <p:nvPr>
-            <p:ph type="title"/>
-          </p:nvPr>
-        </p:nvSpPr>
-        <p:spPr/>
-        <p:txBody>
-          <a:bodyPr/>
-          <a:lstStyle/>
-          <a:p>
-            <a:r>
-              <a:rPr lang="en-US" dirty="0"/>
-              <a:t>New requirement</a:t>
-            </a:r>
-          </a:p>
-        </p:txBody>
-      </p:sp>
-      <p:sp>
-        <p:nvSpPr>
-          <p:cNvPr id="3" name="Content Placeholder 2">
-            <a:extLst>
-              <a:ext uri="{FF2B5EF4-FFF2-40B4-BE49-F238E27FC236}">
-                <a16:creationId xmlns:a16="http://schemas.microsoft.com/office/drawing/2014/main" id="{B73C19F3-91B1-41BE-B003-A527EA0DBB06}"/>
-              </a:ext>
-            </a:extLst>
-          </p:cNvPr>
-          <p:cNvSpPr>
-            <a:spLocks noGrp="1"/>
-          </p:cNvSpPr>
-          <p:nvPr>
-            <p:ph idx="1"/>
-          </p:nvPr>
-        </p:nvSpPr>
-        <p:spPr/>
-        <p:txBody>
-          <a:bodyPr/>
-          <a:lstStyle/>
-          <a:p>
-            <a:r>
-              <a:rPr lang="en-US" dirty="0"/>
-              <a:t>We need a new route to show a banner to user, but it must translated Based on the request header (accept-language).</a:t>
-            </a:r>
-          </a:p>
-        </p:txBody>
-      </p:sp>
-      <p:sp>
-        <p:nvSpPr>
-          <p:cNvPr id="4" name="Footer Placeholder 3">
-            <a:extLst>
-              <a:ext uri="{FF2B5EF4-FFF2-40B4-BE49-F238E27FC236}">
-                <a16:creationId xmlns:a16="http://schemas.microsoft.com/office/drawing/2014/main" id="{B6E8FF4C-625D-4EFD-82C1-051C5574110D}"/>
-              </a:ext>
-            </a:extLst>
-          </p:cNvPr>
-          <p:cNvSpPr>
-            <a:spLocks noGrp="1"/>
-          </p:cNvSpPr>
-          <p:nvPr>
-            <p:ph type="ftr" sz="quarter" idx="11"/>
-          </p:nvPr>
-        </p:nvSpPr>
-        <p:spPr/>
-        <p:txBody>
-          <a:bodyPr/>
-          <a:lstStyle/>
-          <a:p>
-            <a:r>
-              <a:rPr lang="en-US"/>
-              <a:t>Nodejs Basics</a:t>
-            </a:r>
-            <a:endParaRPr lang="en-US" dirty="0"/>
-          </a:p>
-        </p:txBody>
-      </p:sp>
-      <p:sp>
-        <p:nvSpPr>
-          <p:cNvPr id="5" name="Slide Number Placeholder 4">
-            <a:extLst>
-              <a:ext uri="{FF2B5EF4-FFF2-40B4-BE49-F238E27FC236}">
-                <a16:creationId xmlns:a16="http://schemas.microsoft.com/office/drawing/2014/main" id="{767DB68A-FDE2-4FDF-80C5-E15F57DBF48F}"/>
-              </a:ext>
-            </a:extLst>
-          </p:cNvPr>
-          <p:cNvSpPr>
-            <a:spLocks noGrp="1"/>
-          </p:cNvSpPr>
-          <p:nvPr>
-            <p:ph type="sldNum" sz="quarter" idx="12"/>
-          </p:nvPr>
-        </p:nvSpPr>
-        <p:spPr/>
-        <p:txBody>
-          <a:bodyPr/>
-          <a:lstStyle/>
-          <a:p>
-            <a:fld id="{3A98EE3D-8CD1-4C3F-BD1C-C98C9596463C}" type="slidenum">
-              <a:rPr lang="en-US" smtClean="0"/>
-              <a:t>14</a:t>
-            </a:fld>
-            <a:endParaRPr lang="en-US" dirty="0"/>
-          </a:p>
-        </p:txBody>
-      </p:sp>
-      <p:pic>
-        <p:nvPicPr>
-          <p:cNvPr id="4100" name="Picture 4">
-            <a:extLst>
-              <a:ext uri="{FF2B5EF4-FFF2-40B4-BE49-F238E27FC236}">
-                <a16:creationId xmlns:a16="http://schemas.microsoft.com/office/drawing/2014/main" id="{92379B6E-5747-49AA-BBC6-C7ACD753CAAB}"/>
-              </a:ext>
-            </a:extLst>
-          </p:cNvPr>
-          <p:cNvPicPr>
-            <a:picLocks noChangeAspect="1" noChangeArrowheads="1"/>
-          </p:cNvPicPr>
-          <p:nvPr/>
-        </p:nvPicPr>
-        <p:blipFill>
-          <a:blip r:embed="rId2">
-            <a:extLst>
-              <a:ext uri="{28A0092B-C50C-407E-A947-70E740481C1C}">
-                <a14:useLocalDpi xmlns:a14="http://schemas.microsoft.com/office/drawing/2010/main" val="0"/>
-              </a:ext>
-            </a:extLst>
-          </a:blip>
-          <a:srcRect/>
-          <a:stretch>
-            <a:fillRect/>
-          </a:stretch>
-        </p:blipFill>
-        <p:spPr bwMode="auto">
-          <a:xfrm>
-            <a:off x="3356484" y="2644965"/>
-            <a:ext cx="5468384" cy="4045106"/>
-          </a:xfrm>
-          <a:prstGeom prst="rect">
-            <a:avLst/>
-          </a:prstGeom>
-          <a:noFill/>
-          <a:extLst>
-            <a:ext uri="{909E8E84-426E-40DD-AFC4-6F175D3DCCD1}">
-              <a14:hiddenFill xmlns:a14="http://schemas.microsoft.com/office/drawing/2010/main">
-                <a:solidFill>
-                  <a:srgbClr val="FFFFFF"/>
-                </a:solidFill>
-              </a14:hiddenFill>
-            </a:ext>
-          </a:extLst>
-        </p:spPr>
-      </p:pic>
-    </p:spTree>
-    <p:extLst>
-      <p:ext uri="{BB962C8B-B14F-4D97-AF65-F5344CB8AC3E}">
-        <p14:creationId xmlns:p14="http://schemas.microsoft.com/office/powerpoint/2010/main" val="3559466427"/>
-      </p:ext>
-    </p:extLst>
-  </p:cSld>
-  <p:clrMapOvr>
-    <a:masterClrMapping/>
-  </p:clrMapOvr>
-</p:sld>
-</file>
-
-<file path=ppt/slides/slide15.xml><?xml version="1.0" encoding="utf-8"?>
-<p:sld xmlns:a="http://schemas.openxmlformats.org/drawingml/2006/main" xmlns:r="http://schemas.openxmlformats.org/officeDocument/2006/relationships" xmlns:p="http://schemas.openxmlformats.org/presentationml/2006/main">
-  <p:cSld>
-    <p:spTree>
-      <p:nvGrpSpPr>
-        <p:cNvPr id="1" name=""/>
-        <p:cNvGrpSpPr/>
-        <p:nvPr/>
-      </p:nvGrpSpPr>
-      <p:grpSpPr>
-        <a:xfrm>
-          <a:off x="0" y="0"/>
-          <a:ext cx="0" cy="0"/>
-          <a:chOff x="0" y="0"/>
-          <a:chExt cx="0" cy="0"/>
-        </a:xfrm>
-      </p:grpSpPr>
-      <p:sp>
-        <p:nvSpPr>
-          <p:cNvPr id="2" name="Title 1">
-            <a:extLst>
-              <a:ext uri="{FF2B5EF4-FFF2-40B4-BE49-F238E27FC236}">
-                <a16:creationId xmlns:a16="http://schemas.microsoft.com/office/drawing/2014/main" id="{B51DDC48-E053-4E5D-A18F-4745F507AC8E}"/>
-              </a:ext>
-            </a:extLst>
-          </p:cNvPr>
-          <p:cNvSpPr>
-            <a:spLocks noGrp="1"/>
-          </p:cNvSpPr>
-          <p:nvPr>
-            <p:ph type="title"/>
-          </p:nvPr>
-        </p:nvSpPr>
-        <p:spPr/>
-        <p:txBody>
-          <a:bodyPr/>
-          <a:lstStyle/>
-          <a:p>
-            <a:r>
-              <a:rPr lang="en-US" dirty="0"/>
-              <a:t>Demo</a:t>
-            </a:r>
-            <a:endParaRPr lang="fa-IR" dirty="0"/>
-          </a:p>
-        </p:txBody>
-      </p:sp>
-      <p:sp>
-        <p:nvSpPr>
-          <p:cNvPr id="3" name="Content Placeholder 2">
-            <a:extLst>
-              <a:ext uri="{FF2B5EF4-FFF2-40B4-BE49-F238E27FC236}">
-                <a16:creationId xmlns:a16="http://schemas.microsoft.com/office/drawing/2014/main" id="{362E8326-EE06-4DC3-AE57-551FE2234C8B}"/>
-              </a:ext>
-            </a:extLst>
-          </p:cNvPr>
-          <p:cNvSpPr>
-            <a:spLocks noGrp="1"/>
-          </p:cNvSpPr>
-          <p:nvPr>
-            <p:ph idx="1"/>
-          </p:nvPr>
-        </p:nvSpPr>
-        <p:spPr/>
-        <p:txBody>
-          <a:bodyPr>
-            <a:normAutofit fontScale="92500" lnSpcReduction="10000"/>
-          </a:bodyPr>
-          <a:lstStyle/>
-          <a:p>
-            <a:r>
-              <a:rPr lang="en-US" dirty="0"/>
-              <a:t>Request scoped providers</a:t>
-            </a:r>
-          </a:p>
-          <a:p>
-            <a:pPr lvl="1"/>
-            <a:r>
-              <a:rPr lang="en-US" dirty="0"/>
-              <a:t>They are instantiated whenever a new request is received</a:t>
-            </a:r>
-          </a:p>
-          <a:p>
-            <a:pPr lvl="1"/>
-            <a:r>
-              <a:rPr lang="en-US" dirty="0"/>
-              <a:t>And They are automatically garbage collected after the request finished</a:t>
-            </a:r>
-          </a:p>
-          <a:p>
-            <a:pPr lvl="1"/>
-            <a:r>
-              <a:rPr lang="en-US" dirty="0"/>
-              <a:t>Don’t forget the bubbling </a:t>
-            </a:r>
-            <a:r>
-              <a:rPr lang="en-US" dirty="0">
-                <a:sym typeface="Wingdings" panose="05000000000000000000" pitchFamily="2" charset="2"/>
-              </a:rPr>
-              <a:t></a:t>
-            </a:r>
-          </a:p>
-          <a:p>
-            <a:pPr lvl="2"/>
-            <a:r>
-              <a:rPr lang="en-US" dirty="0">
-                <a:sym typeface="Wingdings" panose="05000000000000000000" pitchFamily="2" charset="2"/>
-              </a:rPr>
-              <a:t>Your services which uses a request scoped service will become a request scoped service implicitly</a:t>
-            </a:r>
-          </a:p>
-          <a:p>
-            <a:pPr lvl="1"/>
-            <a:r>
-              <a:rPr lang="en-US" dirty="0">
-                <a:sym typeface="Wingdings" panose="05000000000000000000" pitchFamily="2" charset="2"/>
-              </a:rPr>
-              <a:t>Request scoped providers can inject the request object</a:t>
-            </a:r>
-          </a:p>
-          <a:p>
-            <a:pPr lvl="2"/>
-            <a:r>
-              <a:rPr lang="en-US" dirty="0">
-                <a:sym typeface="Wingdings" panose="05000000000000000000" pitchFamily="2" charset="2"/>
-              </a:rPr>
-              <a:t>It is useful if you want access request fields like headers, …</a:t>
-            </a:r>
-          </a:p>
-          <a:p>
-            <a:pPr lvl="2"/>
-            <a:r>
-              <a:rPr lang="en-US" dirty="0">
-                <a:sym typeface="Wingdings" panose="05000000000000000000" pitchFamily="2" charset="2"/>
-              </a:rPr>
-              <a:t>@Inject(REQUEST)</a:t>
-            </a:r>
-          </a:p>
-          <a:p>
-            <a:pPr lvl="2"/>
-            <a:r>
-              <a:rPr lang="en-US" dirty="0">
-                <a:sym typeface="Wingdings" panose="05000000000000000000" pitchFamily="2" charset="2"/>
-              </a:rPr>
-              <a:t>Request scoped providers may impact your program performance</a:t>
-            </a:r>
-          </a:p>
-          <a:p>
-            <a:pPr lvl="3"/>
-            <a:r>
-              <a:rPr lang="en-US" dirty="0">
-                <a:sym typeface="Wingdings" panose="05000000000000000000" pitchFamily="2" charset="2"/>
-              </a:rPr>
-              <a:t>It will slightly decrease your avg response time</a:t>
-            </a:r>
-          </a:p>
-          <a:p>
-            <a:pPr lvl="3"/>
-            <a:r>
-              <a:rPr lang="en-US" dirty="0"/>
-              <a:t>Unless a provider must be request scope, it is always recommended to use the default (singleton) scope</a:t>
-            </a:r>
-            <a:endParaRPr lang="fa-IR" dirty="0"/>
-          </a:p>
-        </p:txBody>
-      </p:sp>
-      <p:sp>
-        <p:nvSpPr>
-          <p:cNvPr id="4" name="Footer Placeholder 3">
-            <a:extLst>
-              <a:ext uri="{FF2B5EF4-FFF2-40B4-BE49-F238E27FC236}">
-                <a16:creationId xmlns:a16="http://schemas.microsoft.com/office/drawing/2014/main" id="{18861364-9BF9-4A17-B7BE-99749458A055}"/>
-              </a:ext>
-            </a:extLst>
-          </p:cNvPr>
-          <p:cNvSpPr>
-            <a:spLocks noGrp="1"/>
-          </p:cNvSpPr>
-          <p:nvPr>
-            <p:ph type="ftr" sz="quarter" idx="11"/>
-          </p:nvPr>
-        </p:nvSpPr>
-        <p:spPr/>
-        <p:txBody>
-          <a:bodyPr/>
-          <a:lstStyle/>
-          <a:p>
-            <a:r>
-              <a:rPr lang="en-US"/>
-              <a:t>Nodejs Basics</a:t>
-            </a:r>
-            <a:endParaRPr lang="en-US" dirty="0"/>
-          </a:p>
-        </p:txBody>
-      </p:sp>
-      <p:sp>
-        <p:nvSpPr>
-          <p:cNvPr id="5" name="Slide Number Placeholder 4">
-            <a:extLst>
-              <a:ext uri="{FF2B5EF4-FFF2-40B4-BE49-F238E27FC236}">
-                <a16:creationId xmlns:a16="http://schemas.microsoft.com/office/drawing/2014/main" id="{62B2E439-F35E-463F-B4AD-145D972217D0}"/>
-              </a:ext>
-            </a:extLst>
-          </p:cNvPr>
-          <p:cNvSpPr>
-            <a:spLocks noGrp="1"/>
-          </p:cNvSpPr>
-          <p:nvPr>
-            <p:ph type="sldNum" sz="quarter" idx="12"/>
-          </p:nvPr>
-        </p:nvSpPr>
-        <p:spPr/>
-        <p:txBody>
-          <a:bodyPr/>
-          <a:lstStyle/>
-          <a:p>
-            <a:fld id="{3A98EE3D-8CD1-4C3F-BD1C-C98C9596463C}" type="slidenum">
-              <a:rPr lang="en-US" smtClean="0"/>
-              <a:t>15</a:t>
-            </a:fld>
-            <a:endParaRPr lang="en-US" dirty="0"/>
-          </a:p>
-        </p:txBody>
-      </p:sp>
-      <p:pic>
-        <p:nvPicPr>
-          <p:cNvPr id="6" name="Picture 5">
-            <a:extLst>
-              <a:ext uri="{FF2B5EF4-FFF2-40B4-BE49-F238E27FC236}">
-                <a16:creationId xmlns:a16="http://schemas.microsoft.com/office/drawing/2014/main" id="{6C7E7084-1B00-481E-96ED-6D7A8CB673FD}"/>
-              </a:ext>
-            </a:extLst>
-          </p:cNvPr>
-          <p:cNvPicPr>
-            <a:picLocks noChangeAspect="1"/>
-          </p:cNvPicPr>
-          <p:nvPr/>
-        </p:nvPicPr>
-        <p:blipFill>
-          <a:blip r:embed="rId2"/>
-          <a:stretch>
-            <a:fillRect/>
-          </a:stretch>
-        </p:blipFill>
-        <p:spPr>
-          <a:xfrm>
-            <a:off x="7586660" y="243839"/>
-            <a:ext cx="4326306" cy="1682136"/>
-          </a:xfrm>
-          <a:prstGeom prst="rect">
-            <a:avLst/>
-          </a:prstGeom>
-        </p:spPr>
-      </p:pic>
-    </p:spTree>
-    <p:extLst>
-      <p:ext uri="{BB962C8B-B14F-4D97-AF65-F5344CB8AC3E}">
-        <p14:creationId xmlns:p14="http://schemas.microsoft.com/office/powerpoint/2010/main" val="1922668766"/>
-      </p:ext>
-    </p:extLst>
-  </p:cSld>
-  <p:clrMapOvr>
-    <a:masterClrMapping/>
-  </p:clrMapOvr>
-</p:sld>
-</file>
-
-<file path=ppt/slides/slide16.xml><?xml version="1.0" encoding="utf-8"?>
-<p:sld xmlns:a="http://schemas.openxmlformats.org/drawingml/2006/main" xmlns:r="http://schemas.openxmlformats.org/officeDocument/2006/relationships" xmlns:p="http://schemas.openxmlformats.org/presentationml/2006/main">
-  <p:cSld>
-    <p:spTree>
-      <p:nvGrpSpPr>
-        <p:cNvPr id="1" name=""/>
-        <p:cNvGrpSpPr/>
-        <p:nvPr/>
-      </p:nvGrpSpPr>
-      <p:grpSpPr>
-        <a:xfrm>
-          <a:off x="0" y="0"/>
-          <a:ext cx="0" cy="0"/>
-          <a:chOff x="0" y="0"/>
-          <a:chExt cx="0" cy="0"/>
-        </a:xfrm>
-      </p:grpSpPr>
-      <p:sp>
-        <p:nvSpPr>
-          <p:cNvPr id="2" name="Title 1">
-            <a:extLst>
-              <a:ext uri="{FF2B5EF4-FFF2-40B4-BE49-F238E27FC236}">
                 <a16:creationId xmlns:a16="http://schemas.microsoft.com/office/drawing/2014/main" id="{6B1A0672-14A7-4501-900C-A98EBCCF7AFE}"/>
               </a:ext>
             </a:extLst>
@@ -9190,44 +8107,6 @@
               <a:t>Exercise all we speak</a:t>
             </a:r>
           </a:p>
-          <a:p>
-            <a:r>
-              <a:rPr lang="en-US" dirty="0"/>
-              <a:t>Optional:</a:t>
-            </a:r>
-          </a:p>
-          <a:p>
-            <a:pPr lvl="1"/>
-            <a:r>
-              <a:rPr lang="en-US" dirty="0"/>
-              <a:t>Create a helper module for logging, It has an option for the first letter of each log, and then has a service that simply generate logs like these:</a:t>
-            </a:r>
-          </a:p>
-          <a:p>
-            <a:pPr lvl="2"/>
-            <a:r>
-              <a:rPr lang="en-US" dirty="0"/>
-              <a:t>&lt;firs-letter&gt; &lt;passed-argument&gt;</a:t>
-            </a:r>
-          </a:p>
-          <a:p>
-            <a:pPr lvl="2"/>
-            <a:r>
-              <a:rPr lang="en-US" dirty="0"/>
-              <a:t>&gt; some logging</a:t>
-            </a:r>
-          </a:p>
-          <a:p>
-            <a:pPr lvl="1"/>
-            <a:r>
-              <a:rPr lang="en-US" dirty="0"/>
-              <a:t>We can inject this logger service in our services and do logging stuffs.</a:t>
-            </a:r>
-          </a:p>
-          <a:p>
-            <a:pPr lvl="1"/>
-            <a:endParaRPr lang="en-US" dirty="0"/>
-          </a:p>
         </p:txBody>
       </p:sp>
       <p:sp>
@@ -9282,7 +8161,7 @@
           <a:p>
             <a:fld id="{3A98EE3D-8CD1-4C3F-BD1C-C98C9596463C}" type="slidenum">
               <a:rPr lang="en-US" smtClean="0"/>
-              <a:t>16</a:t>
+              <a:t>11</a:t>
             </a:fld>
             <a:endParaRPr lang="en-US" dirty="0"/>
           </a:p>
@@ -9365,7 +8244,7 @@
         <p:spPr/>
         <p:txBody>
           <a:bodyPr>
-            <a:normAutofit fontScale="77500" lnSpcReduction="20000"/>
+            <a:normAutofit fontScale="92500" lnSpcReduction="10000"/>
           </a:bodyPr>
           <a:lstStyle/>
           <a:p>
@@ -9484,41 +8363,21 @@
                   <a:schemeClr val="tx1"/>
                 </a:solidFill>
               </a:rPr>
-              <a:t>Leverage Async Providers</a:t>
-            </a:r>
-          </a:p>
-          <a:p>
-            <a:pPr lvl="1"/>
-            <a:r>
-              <a:rPr lang="en-US" dirty="0">
+              <a:t>Leverage </a:t>
+            </a:r>
+            <a:r>
+              <a:rPr lang="en-US">
                 <a:solidFill>
                   <a:schemeClr val="tx1"/>
                 </a:solidFill>
               </a:rPr>
-              <a:t>Create a Dynamic Module</a:t>
-            </a:r>
-          </a:p>
-          <a:p>
-            <a:pPr lvl="1"/>
-            <a:r>
-              <a:rPr lang="en-US" dirty="0">
-                <a:solidFill>
-                  <a:schemeClr val="tx1"/>
-                </a:solidFill>
-              </a:rPr>
-              <a:t>Control Providers Scope</a:t>
-            </a:r>
-          </a:p>
-          <a:p>
-            <a:pPr lvl="1"/>
-            <a:r>
-              <a:rPr lang="en-US" dirty="0">
-                <a:solidFill>
-                  <a:schemeClr val="tx1"/>
-                </a:solidFill>
-              </a:rPr>
-              <a:t>Diving Deeper Into Request-Scoped providers</a:t>
-            </a:r>
+              <a:t>Async Providers</a:t>
+            </a:r>
+            <a:endParaRPr lang="en-US" dirty="0">
+              <a:solidFill>
+                <a:schemeClr val="tx1"/>
+              </a:solidFill>
+            </a:endParaRPr>
           </a:p>
         </p:txBody>
       </p:sp>
